--- a/paper_presentation.pptx
+++ b/paper_presentation.pptx
@@ -139,7 +139,7 @@
 <file path=ppt/revisionInfo.xml><?xml version="1.0" encoding="utf-8"?>
 <p1510:revInfo xmlns:a="http://schemas.openxmlformats.org/drawingml/2006/main" xmlns:r="http://schemas.openxmlformats.org/officeDocument/2006/relationships" xmlns:p1510="http://schemas.microsoft.com/office/powerpoint/2015/10/main">
   <p1510:revLst>
-    <p1510:client id="{8133341F-6290-7B4E-9016-ECA25BBD24D6}" v="1571" dt="2025-06-22T14:30:53.469"/>
+    <p1510:client id="{8133341F-6290-7B4E-9016-ECA25BBD24D6}" v="1588" dt="2025-07-06T14:25:49.501"/>
   </p1510:revLst>
 </p1510:revInfo>
 </file>
@@ -149,7 +149,7 @@
   <pc:docChgLst>
     <pc:chgData name="Netanel Shalev" userId="9b1bf0c7-f5a5-4008-84b1-60774bebe1d6" providerId="ADAL" clId="{8133341F-6290-7B4E-9016-ECA25BBD24D6}"/>
     <pc:docChg chg="undo redo custSel addSld delSld modSld sldOrd">
-      <pc:chgData name="Netanel Shalev" userId="9b1bf0c7-f5a5-4008-84b1-60774bebe1d6" providerId="ADAL" clId="{8133341F-6290-7B4E-9016-ECA25BBD24D6}" dt="2025-06-22T14:31:31.852" v="2343" actId="20577"/>
+      <pc:chgData name="Netanel Shalev" userId="9b1bf0c7-f5a5-4008-84b1-60774bebe1d6" providerId="ADAL" clId="{8133341F-6290-7B4E-9016-ECA25BBD24D6}" dt="2025-07-06T14:30:04.176" v="2426" actId="20577"/>
       <pc:docMkLst>
         <pc:docMk/>
       </pc:docMkLst>
@@ -921,14 +921,6 @@
             <ac:spMk id="3" creationId="{942997A5-7027-5DB5-69D7-A6F9B596142F}"/>
           </ac:spMkLst>
         </pc:spChg>
-        <pc:picChg chg="add del mod">
-          <ac:chgData name="Netanel Shalev" userId="9b1bf0c7-f5a5-4008-84b1-60774bebe1d6" providerId="ADAL" clId="{8133341F-6290-7B4E-9016-ECA25BBD24D6}" dt="2025-06-22T13:48:40.653" v="1784" actId="478"/>
-          <ac:picMkLst>
-            <pc:docMk/>
-            <pc:sldMk cId="223075621" sldId="278"/>
-            <ac:picMk id="4" creationId="{BDBDBCFD-E7F8-28C1-26B7-942B674B849F}"/>
-          </ac:picMkLst>
-        </pc:picChg>
       </pc:sldChg>
       <pc:sldChg chg="addSp delSp add del setBg delDesignElem">
         <pc:chgData name="Netanel Shalev" userId="9b1bf0c7-f5a5-4008-84b1-60774bebe1d6" providerId="ADAL" clId="{8133341F-6290-7B4E-9016-ECA25BBD24D6}" dt="2025-06-22T13:44:23.291" v="1733"/>
@@ -936,30 +928,6 @@
           <pc:docMk/>
           <pc:sldMk cId="2833144110" sldId="278"/>
         </pc:sldMkLst>
-        <pc:spChg chg="add del">
-          <ac:chgData name="Netanel Shalev" userId="9b1bf0c7-f5a5-4008-84b1-60774bebe1d6" providerId="ADAL" clId="{8133341F-6290-7B4E-9016-ECA25BBD24D6}" dt="2025-06-22T13:44:23.291" v="1733"/>
-          <ac:spMkLst>
-            <pc:docMk/>
-            <pc:sldMk cId="2833144110" sldId="278"/>
-            <ac:spMk id="8" creationId="{1A1B905F-E2B5-7259-DE69-F83CEA1C10F8}"/>
-          </ac:spMkLst>
-        </pc:spChg>
-        <pc:spChg chg="add del">
-          <ac:chgData name="Netanel Shalev" userId="9b1bf0c7-f5a5-4008-84b1-60774bebe1d6" providerId="ADAL" clId="{8133341F-6290-7B4E-9016-ECA25BBD24D6}" dt="2025-06-22T13:44:23.291" v="1733"/>
-          <ac:spMkLst>
-            <pc:docMk/>
-            <pc:sldMk cId="2833144110" sldId="278"/>
-            <ac:spMk id="10" creationId="{9A5C4B3B-2213-3DE5-2BD8-19EBA6236A73}"/>
-          </ac:spMkLst>
-        </pc:spChg>
-        <pc:spChg chg="add del">
-          <ac:chgData name="Netanel Shalev" userId="9b1bf0c7-f5a5-4008-84b1-60774bebe1d6" providerId="ADAL" clId="{8133341F-6290-7B4E-9016-ECA25BBD24D6}" dt="2025-06-22T13:44:23.291" v="1733"/>
-          <ac:spMkLst>
-            <pc:docMk/>
-            <pc:sldMk cId="2833144110" sldId="278"/>
-            <ac:spMk id="12" creationId="{BEF7EA58-0366-4F36-D5AC-88DDA00D957C}"/>
-          </ac:spMkLst>
-        </pc:spChg>
       </pc:sldChg>
       <pc:sldChg chg="new del">
         <pc:chgData name="Netanel Shalev" userId="9b1bf0c7-f5a5-4008-84b1-60774bebe1d6" providerId="ADAL" clId="{8133341F-6290-7B4E-9016-ECA25BBD24D6}" dt="2025-06-22T13:44:12.134" v="1730" actId="680"/>
@@ -969,7 +937,7 @@
         </pc:sldMkLst>
       </pc:sldChg>
       <pc:sldChg chg="addSp delSp modSp add mod">
-        <pc:chgData name="Netanel Shalev" userId="9b1bf0c7-f5a5-4008-84b1-60774bebe1d6" providerId="ADAL" clId="{8133341F-6290-7B4E-9016-ECA25BBD24D6}" dt="2025-06-22T14:23:59.066" v="2095" actId="20577"/>
+        <pc:chgData name="Netanel Shalev" userId="9b1bf0c7-f5a5-4008-84b1-60774bebe1d6" providerId="ADAL" clId="{8133341F-6290-7B4E-9016-ECA25BBD24D6}" dt="2025-07-06T14:25:57.812" v="2419" actId="14100"/>
         <pc:sldMkLst>
           <pc:docMk/>
           <pc:sldMk cId="1905198450" sldId="279"/>
@@ -982,24 +950,16 @@
             <ac:spMk id="2" creationId="{52B477B3-4BEA-B508-EEA2-1D183B86B929}"/>
           </ac:spMkLst>
         </pc:spChg>
-        <pc:spChg chg="del">
-          <ac:chgData name="Netanel Shalev" userId="9b1bf0c7-f5a5-4008-84b1-60774bebe1d6" providerId="ADAL" clId="{8133341F-6290-7B4E-9016-ECA25BBD24D6}" dt="2025-06-22T13:48:46.554" v="1786" actId="478"/>
-          <ac:spMkLst>
+        <pc:picChg chg="add mod">
+          <ac:chgData name="Netanel Shalev" userId="9b1bf0c7-f5a5-4008-84b1-60774bebe1d6" providerId="ADAL" clId="{8133341F-6290-7B4E-9016-ECA25BBD24D6}" dt="2025-07-06T14:25:57.812" v="2419" actId="14100"/>
+          <ac:picMkLst>
             <pc:docMk/>
             <pc:sldMk cId="1905198450" sldId="279"/>
-            <ac:spMk id="3" creationId="{364A35E5-E53E-FBF4-DF05-51FFFF8ADE6F}"/>
-          </ac:spMkLst>
-        </pc:spChg>
-        <pc:spChg chg="add del mod">
-          <ac:chgData name="Netanel Shalev" userId="9b1bf0c7-f5a5-4008-84b1-60774bebe1d6" providerId="ADAL" clId="{8133341F-6290-7B4E-9016-ECA25BBD24D6}" dt="2025-06-22T13:48:49.804" v="1788" actId="478"/>
-          <ac:spMkLst>
-            <pc:docMk/>
-            <pc:sldMk cId="1905198450" sldId="279"/>
-            <ac:spMk id="6" creationId="{74075264-CD54-BF70-FC89-E7542F3C78F3}"/>
-          </ac:spMkLst>
-        </pc:spChg>
-        <pc:picChg chg="mod">
-          <ac:chgData name="Netanel Shalev" userId="9b1bf0c7-f5a5-4008-84b1-60774bebe1d6" providerId="ADAL" clId="{8133341F-6290-7B4E-9016-ECA25BBD24D6}" dt="2025-06-22T13:49:12.713" v="1799" actId="1076"/>
+            <ac:picMk id="3" creationId="{FDC6F5BE-5717-1EA9-0707-AC35707E46BB}"/>
+          </ac:picMkLst>
+        </pc:picChg>
+        <pc:picChg chg="del mod">
+          <ac:chgData name="Netanel Shalev" userId="9b1bf0c7-f5a5-4008-84b1-60774bebe1d6" providerId="ADAL" clId="{8133341F-6290-7B4E-9016-ECA25BBD24D6}" dt="2025-07-06T14:23:48.360" v="2415" actId="478"/>
           <ac:picMkLst>
             <pc:docMk/>
             <pc:sldMk cId="1905198450" sldId="279"/>
@@ -1008,7 +968,7 @@
         </pc:picChg>
       </pc:sldChg>
       <pc:sldChg chg="addSp delSp modSp add mod">
-        <pc:chgData name="Netanel Shalev" userId="9b1bf0c7-f5a5-4008-84b1-60774bebe1d6" providerId="ADAL" clId="{8133341F-6290-7B4E-9016-ECA25BBD24D6}" dt="2025-06-22T14:06:41.997" v="1869" actId="14100"/>
+        <pc:chgData name="Netanel Shalev" userId="9b1bf0c7-f5a5-4008-84b1-60774bebe1d6" providerId="ADAL" clId="{8133341F-6290-7B4E-9016-ECA25BBD24D6}" dt="2025-07-06T14:09:52.868" v="2350" actId="1076"/>
         <pc:sldMkLst>
           <pc:docMk/>
           <pc:sldMk cId="261594163" sldId="280"/>
@@ -1019,30 +979,6 @@
             <pc:docMk/>
             <pc:sldMk cId="261594163" sldId="280"/>
             <ac:spMk id="2" creationId="{E2BB5889-28CF-F2EB-1029-06FAAE72819E}"/>
-          </ac:spMkLst>
-        </pc:spChg>
-        <pc:spChg chg="del">
-          <ac:chgData name="Netanel Shalev" userId="9b1bf0c7-f5a5-4008-84b1-60774bebe1d6" providerId="ADAL" clId="{8133341F-6290-7B4E-9016-ECA25BBD24D6}" dt="2025-06-22T14:04:34.472" v="1851" actId="26606"/>
-          <ac:spMkLst>
-            <pc:docMk/>
-            <pc:sldMk cId="261594163" sldId="280"/>
-            <ac:spMk id="8" creationId="{BB19595C-610A-895E-DB68-29A794F0B04C}"/>
-          </ac:spMkLst>
-        </pc:spChg>
-        <pc:spChg chg="del">
-          <ac:chgData name="Netanel Shalev" userId="9b1bf0c7-f5a5-4008-84b1-60774bebe1d6" providerId="ADAL" clId="{8133341F-6290-7B4E-9016-ECA25BBD24D6}" dt="2025-06-22T14:04:34.472" v="1851" actId="26606"/>
-          <ac:spMkLst>
-            <pc:docMk/>
-            <pc:sldMk cId="261594163" sldId="280"/>
-            <ac:spMk id="10" creationId="{E2BC83EF-DD86-2BB0-B595-6D82FC894C37}"/>
-          </ac:spMkLst>
-        </pc:spChg>
-        <pc:spChg chg="del">
-          <ac:chgData name="Netanel Shalev" userId="9b1bf0c7-f5a5-4008-84b1-60774bebe1d6" providerId="ADAL" clId="{8133341F-6290-7B4E-9016-ECA25BBD24D6}" dt="2025-06-22T14:04:34.472" v="1851" actId="26606"/>
-          <ac:spMkLst>
-            <pc:docMk/>
-            <pc:sldMk cId="261594163" sldId="280"/>
-            <ac:spMk id="12" creationId="{945B69CD-72F4-1ABB-AA15-F9037E88AD3D}"/>
           </ac:spMkLst>
         </pc:spChg>
         <pc:spChg chg="add">
@@ -1061,32 +997,16 @@
             <ac:spMk id="19" creationId="{CA677DB7-5829-45BD-9754-5EC484CC4253}"/>
           </ac:spMkLst>
         </pc:spChg>
-        <pc:picChg chg="add del mod">
-          <ac:chgData name="Netanel Shalev" userId="9b1bf0c7-f5a5-4008-84b1-60774bebe1d6" providerId="ADAL" clId="{8133341F-6290-7B4E-9016-ECA25BBD24D6}" dt="2025-06-22T14:05:02.092" v="1856" actId="478"/>
+        <pc:picChg chg="add mod">
+          <ac:chgData name="Netanel Shalev" userId="9b1bf0c7-f5a5-4008-84b1-60774bebe1d6" providerId="ADAL" clId="{8133341F-6290-7B4E-9016-ECA25BBD24D6}" dt="2025-07-06T14:09:52.868" v="2350" actId="1076"/>
           <ac:picMkLst>
             <pc:docMk/>
             <pc:sldMk cId="261594163" sldId="280"/>
-            <ac:picMk id="3" creationId="{8E506E02-DB4B-5A7F-66CF-227D81832BFA}"/>
-          </ac:picMkLst>
-        </pc:picChg>
-        <pc:picChg chg="del">
-          <ac:chgData name="Netanel Shalev" userId="9b1bf0c7-f5a5-4008-84b1-60774bebe1d6" providerId="ADAL" clId="{8133341F-6290-7B4E-9016-ECA25BBD24D6}" dt="2025-06-22T13:57:27.883" v="1847" actId="478"/>
-          <ac:picMkLst>
-            <pc:docMk/>
-            <pc:sldMk cId="261594163" sldId="280"/>
-            <ac:picMk id="4" creationId="{542785A8-6A25-DB06-5A0D-FF449617AECC}"/>
+            <ac:picMk id="3" creationId="{E683C9A1-A2DF-FE10-2427-76C4B011C38B}"/>
           </ac:picMkLst>
         </pc:picChg>
         <pc:picChg chg="add del mod">
-          <ac:chgData name="Netanel Shalev" userId="9b1bf0c7-f5a5-4008-84b1-60774bebe1d6" providerId="ADAL" clId="{8133341F-6290-7B4E-9016-ECA25BBD24D6}" dt="2025-06-22T14:06:15.990" v="1863" actId="478"/>
-          <ac:picMkLst>
-            <pc:docMk/>
-            <pc:sldMk cId="261594163" sldId="280"/>
-            <ac:picMk id="5" creationId="{3929D17B-0A0F-7C7D-558C-1FCD0D70E16D}"/>
-          </ac:picMkLst>
-        </pc:picChg>
-        <pc:picChg chg="add mod">
-          <ac:chgData name="Netanel Shalev" userId="9b1bf0c7-f5a5-4008-84b1-60774bebe1d6" providerId="ADAL" clId="{8133341F-6290-7B4E-9016-ECA25BBD24D6}" dt="2025-06-22T14:06:41.997" v="1869" actId="14100"/>
+          <ac:chgData name="Netanel Shalev" userId="9b1bf0c7-f5a5-4008-84b1-60774bebe1d6" providerId="ADAL" clId="{8133341F-6290-7B4E-9016-ECA25BBD24D6}" dt="2025-07-06T14:09:21.572" v="2344" actId="478"/>
           <ac:picMkLst>
             <pc:docMk/>
             <pc:sldMk cId="261594163" sldId="280"/>
@@ -1116,23 +1036,15 @@
             <ac:spMk id="3" creationId="{330F8D8F-3BDC-472B-DB5E-8FFC5F699B68}"/>
           </ac:spMkLst>
         </pc:spChg>
-        <pc:spChg chg="add del mod">
-          <ac:chgData name="Netanel Shalev" userId="9b1bf0c7-f5a5-4008-84b1-60774bebe1d6" providerId="ADAL" clId="{8133341F-6290-7B4E-9016-ECA25BBD24D6}" dt="2025-06-22T14:18:48.312" v="1905"/>
-          <ac:spMkLst>
-            <pc:docMk/>
-            <pc:sldMk cId="1436251023" sldId="281"/>
-            <ac:spMk id="4" creationId="{D42C62D8-8A21-37B0-FBE8-9329F13E6994}"/>
-          </ac:spMkLst>
-        </pc:spChg>
       </pc:sldChg>
       <pc:sldChg chg="modSp add mod">
-        <pc:chgData name="Netanel Shalev" userId="9b1bf0c7-f5a5-4008-84b1-60774bebe1d6" providerId="ADAL" clId="{8133341F-6290-7B4E-9016-ECA25BBD24D6}" dt="2025-06-22T14:23:43.540" v="2085" actId="15"/>
+        <pc:chgData name="Netanel Shalev" userId="9b1bf0c7-f5a5-4008-84b1-60774bebe1d6" providerId="ADAL" clId="{8133341F-6290-7B4E-9016-ECA25BBD24D6}" dt="2025-07-06T14:23:41.467" v="2414" actId="20577"/>
         <pc:sldMkLst>
           <pc:docMk/>
           <pc:sldMk cId="3150910265" sldId="282"/>
         </pc:sldMkLst>
         <pc:spChg chg="mod">
-          <ac:chgData name="Netanel Shalev" userId="9b1bf0c7-f5a5-4008-84b1-60774bebe1d6" providerId="ADAL" clId="{8133341F-6290-7B4E-9016-ECA25BBD24D6}" dt="2025-06-22T14:23:43.540" v="2085" actId="15"/>
+          <ac:chgData name="Netanel Shalev" userId="9b1bf0c7-f5a5-4008-84b1-60774bebe1d6" providerId="ADAL" clId="{8133341F-6290-7B4E-9016-ECA25BBD24D6}" dt="2025-07-06T14:23:41.467" v="2414" actId="20577"/>
           <ac:spMkLst>
             <pc:docMk/>
             <pc:sldMk cId="3150910265" sldId="282"/>
@@ -1141,7 +1053,7 @@
         </pc:spChg>
       </pc:sldChg>
       <pc:sldChg chg="modSp add mod">
-        <pc:chgData name="Netanel Shalev" userId="9b1bf0c7-f5a5-4008-84b1-60774bebe1d6" providerId="ADAL" clId="{8133341F-6290-7B4E-9016-ECA25BBD24D6}" dt="2025-06-22T14:31:31.852" v="2343" actId="20577"/>
+        <pc:chgData name="Netanel Shalev" userId="9b1bf0c7-f5a5-4008-84b1-60774bebe1d6" providerId="ADAL" clId="{8133341F-6290-7B4E-9016-ECA25BBD24D6}" dt="2025-07-06T14:30:04.176" v="2426" actId="20577"/>
         <pc:sldMkLst>
           <pc:docMk/>
           <pc:sldMk cId="828613008" sldId="283"/>
@@ -1155,7 +1067,7 @@
           </ac:spMkLst>
         </pc:spChg>
         <pc:spChg chg="mod">
-          <ac:chgData name="Netanel Shalev" userId="9b1bf0c7-f5a5-4008-84b1-60774bebe1d6" providerId="ADAL" clId="{8133341F-6290-7B4E-9016-ECA25BBD24D6}" dt="2025-06-22T14:31:31.852" v="2343" actId="20577"/>
+          <ac:chgData name="Netanel Shalev" userId="9b1bf0c7-f5a5-4008-84b1-60774bebe1d6" providerId="ADAL" clId="{8133341F-6290-7B4E-9016-ECA25BBD24D6}" dt="2025-07-06T14:30:04.176" v="2426" actId="20577"/>
           <ac:spMkLst>
             <pc:docMk/>
             <pc:sldMk cId="828613008" sldId="283"/>
@@ -1169,30 +1081,6 @@
           <pc:docMk/>
           <pc:sldMk cId="4132195655" sldId="283"/>
         </pc:sldMkLst>
-        <pc:spChg chg="add del">
-          <ac:chgData name="Netanel Shalev" userId="9b1bf0c7-f5a5-4008-84b1-60774bebe1d6" providerId="ADAL" clId="{8133341F-6290-7B4E-9016-ECA25BBD24D6}" dt="2025-06-22T14:24:22.386" v="2098"/>
-          <ac:spMkLst>
-            <pc:docMk/>
-            <pc:sldMk cId="4132195655" sldId="283"/>
-            <ac:spMk id="8" creationId="{2CB1D0ED-A48C-5E24-F0A6-509607EAA903}"/>
-          </ac:spMkLst>
-        </pc:spChg>
-        <pc:spChg chg="add del">
-          <ac:chgData name="Netanel Shalev" userId="9b1bf0c7-f5a5-4008-84b1-60774bebe1d6" providerId="ADAL" clId="{8133341F-6290-7B4E-9016-ECA25BBD24D6}" dt="2025-06-22T14:24:22.386" v="2098"/>
-          <ac:spMkLst>
-            <pc:docMk/>
-            <pc:sldMk cId="4132195655" sldId="283"/>
-            <ac:spMk id="10" creationId="{0FCB4812-3069-BB41-E133-1A486C805C84}"/>
-          </ac:spMkLst>
-        </pc:spChg>
-        <pc:spChg chg="add del">
-          <ac:chgData name="Netanel Shalev" userId="9b1bf0c7-f5a5-4008-84b1-60774bebe1d6" providerId="ADAL" clId="{8133341F-6290-7B4E-9016-ECA25BBD24D6}" dt="2025-06-22T14:24:22.386" v="2098"/>
-          <ac:spMkLst>
-            <pc:docMk/>
-            <pc:sldMk cId="4132195655" sldId="283"/>
-            <ac:spMk id="12" creationId="{BBD92DFB-20B7-A9CC-695A-2D87F687A854}"/>
-          </ac:spMkLst>
-        </pc:spChg>
       </pc:sldChg>
     </pc:docChg>
   </pc:docChgLst>
@@ -1609,7 +1497,7 @@
           <a:p>
             <a:fld id="{789357D1-E93F-0D43-9762-ABB9B3967190}" type="datetimeFigureOut">
               <a:rPr lang="he-IL" smtClean="0"/>
-              <a:t>כ"ו.סיון.תשפ"ה</a:t>
+              <a:t>י'.תמוז.תשפ"ה</a:t>
             </a:fld>
             <a:endParaRPr lang="he-IL"/>
           </a:p>
@@ -2732,7 +2620,7 @@
             <a:fld id="{900D4ED2-6730-A546-A3F7-FD709A31C73D}" type="datetime1">
               <a:rPr lang="en-US" smtClean="0"/>
               <a:pPr lvl="0"/>
-              <a:t>6/22/25</a:t>
+              <a:t>7/6/25</a:t>
             </a:fld>
             <a:endParaRPr lang="en-US"/>
           </a:p>
@@ -2906,7 +2794,7 @@
             <a:fld id="{900D4ED2-6730-A546-A3F7-FD709A31C73D}" type="datetime1">
               <a:rPr lang="en-US" smtClean="0"/>
               <a:pPr lvl="0"/>
-              <a:t>6/22/25</a:t>
+              <a:t>7/6/25</a:t>
             </a:fld>
             <a:endParaRPr lang="en-US"/>
           </a:p>
@@ -3090,7 +2978,7 @@
             <a:fld id="{900D4ED2-6730-A546-A3F7-FD709A31C73D}" type="datetime1">
               <a:rPr lang="en-US" smtClean="0"/>
               <a:pPr lvl="0"/>
-              <a:t>6/22/25</a:t>
+              <a:t>7/6/25</a:t>
             </a:fld>
             <a:endParaRPr lang="en-US"/>
           </a:p>
@@ -3264,7 +3152,7 @@
             <a:fld id="{900D4ED2-6730-A546-A3F7-FD709A31C73D}" type="datetime1">
               <a:rPr lang="en-US" smtClean="0"/>
               <a:pPr lvl="0"/>
-              <a:t>6/22/25</a:t>
+              <a:t>7/6/25</a:t>
             </a:fld>
             <a:endParaRPr lang="en-US"/>
           </a:p>
@@ -3536,7 +3424,7 @@
             <a:fld id="{900D4ED2-6730-A546-A3F7-FD709A31C73D}" type="datetime1">
               <a:rPr lang="en-US" smtClean="0"/>
               <a:pPr lvl="0"/>
-              <a:t>6/22/25</a:t>
+              <a:t>7/6/25</a:t>
             </a:fld>
             <a:endParaRPr lang="en-US"/>
           </a:p>
@@ -3772,7 +3660,7 @@
             <a:fld id="{900D4ED2-6730-A546-A3F7-FD709A31C73D}" type="datetime1">
               <a:rPr lang="en-US" smtClean="0"/>
               <a:pPr lvl="0"/>
-              <a:t>6/22/25</a:t>
+              <a:t>7/6/25</a:t>
             </a:fld>
             <a:endParaRPr lang="en-US"/>
           </a:p>
@@ -4135,7 +4023,7 @@
             <a:fld id="{900D4ED2-6730-A546-A3F7-FD709A31C73D}" type="datetime1">
               <a:rPr lang="en-US" smtClean="0"/>
               <a:pPr lvl="0"/>
-              <a:t>6/22/25</a:t>
+              <a:t>7/6/25</a:t>
             </a:fld>
             <a:endParaRPr lang="en-US"/>
           </a:p>
@@ -4280,7 +4168,7 @@
             <a:fld id="{900D4ED2-6730-A546-A3F7-FD709A31C73D}" type="datetime1">
               <a:rPr lang="en-US" smtClean="0"/>
               <a:pPr lvl="0"/>
-              <a:t>6/22/25</a:t>
+              <a:t>7/6/25</a:t>
             </a:fld>
             <a:endParaRPr lang="en-US"/>
           </a:p>
@@ -4379,7 +4267,7 @@
             <a:fld id="{900D4ED2-6730-A546-A3F7-FD709A31C73D}" type="datetime1">
               <a:rPr lang="en-US" smtClean="0"/>
               <a:pPr lvl="0"/>
-              <a:t>6/22/25</a:t>
+              <a:t>7/6/25</a:t>
             </a:fld>
             <a:endParaRPr lang="en-US"/>
           </a:p>
@@ -4740,7 +4628,7 @@
             <a:fld id="{900D4ED2-6730-A546-A3F7-FD709A31C73D}" type="datetime1">
               <a:rPr lang="en-US" smtClean="0"/>
               <a:pPr lvl="0"/>
-              <a:t>6/22/25</a:t>
+              <a:t>7/6/25</a:t>
             </a:fld>
             <a:endParaRPr lang="en-US"/>
           </a:p>
@@ -5101,7 +4989,7 @@
             <a:fld id="{900D4ED2-6730-A546-A3F7-FD709A31C73D}" type="datetime1">
               <a:rPr lang="en-US" smtClean="0"/>
               <a:pPr lvl="0"/>
-              <a:t>6/22/25</a:t>
+              <a:t>7/6/25</a:t>
             </a:fld>
             <a:endParaRPr lang="en-US"/>
           </a:p>
@@ -5347,7 +5235,7 @@
             <a:fld id="{900D4ED2-6730-A546-A3F7-FD709A31C73D}" type="datetime1">
               <a:rPr lang="en-US" smtClean="0"/>
               <a:pPr lvl="0"/>
-              <a:t>6/22/25</a:t>
+              <a:t>7/6/25</a:t>
             </a:fld>
             <a:endParaRPr lang="en-US"/>
           </a:p>
@@ -10157,7 +10045,7 @@
         </p:spPr>
         <p:txBody>
           <a:bodyPr vert="horz" lIns="91440" tIns="45720" rIns="91440" bIns="45720" rtlCol="0">
-            <a:normAutofit lnSpcReduction="10000"/>
+            <a:normAutofit fontScale="92500"/>
           </a:bodyPr>
           <a:lstStyle/>
           <a:p>
@@ -10170,13 +10058,16 @@
               </a:spcBef>
               <a:buNone/>
             </a:pPr>
-            <a:r>
-              <a:rPr lang="en-US" sz="1100" dirty="0">
+            <a:br>
+              <a:rPr lang="en" dirty="0"/>
+            </a:br>
+            <a:r>
+              <a:rPr lang="en" sz="1100" dirty="0">
                 <a:solidFill>
                   <a:srgbClr val="404040"/>
                 </a:solidFill>
               </a:rPr>
-              <a:t>Given the following persona, generate nine short personal stories told by the character at the following ages:</a:t>
+              <a:t>Given the following persona, generate 5 short personal stories told by the character at the following ages:</a:t>
             </a:r>
           </a:p>
           <a:p>
@@ -10190,12 +10081,12 @@
               <a:buNone/>
             </a:pPr>
             <a:r>
-              <a:rPr lang="en-US" sz="1100" dirty="0">
+              <a:rPr lang="en" sz="1100" dirty="0">
                 <a:solidFill>
                   <a:srgbClr val="404040"/>
                 </a:solidFill>
               </a:rPr>
-              <a:t>40, 45, 50, 55, 60, 65, 70, 75, and 80.</a:t>
+              <a:t>50 or the minimum between the figure’s current age, 60, 70, 80, and 90.</a:t>
             </a:r>
           </a:p>
           <a:p>
@@ -10214,7 +10105,7 @@
                   <a:srgbClr val="404040"/>
                 </a:solidFill>
               </a:rPr>
-              <a:t>_____________________________________________________________________________________________________________</a:t>
+              <a:t>___________________________________________________________________________________________________________________________</a:t>
             </a:r>
           </a:p>
           <a:p>
@@ -10228,7 +10119,7 @@
               <a:buNone/>
             </a:pPr>
             <a:r>
-              <a:rPr lang="en-US" sz="1100" dirty="0">
+              <a:rPr lang="en" sz="1100" dirty="0">
                 <a:solidFill>
                   <a:srgbClr val="404040"/>
                 </a:solidFill>
@@ -10247,12 +10138,50 @@
               <a:buNone/>
             </a:pPr>
             <a:r>
-              <a:rPr lang="en-US" sz="1100" dirty="0">
+              <a:rPr lang="en" sz="1100" dirty="0">
                 <a:solidFill>
                   <a:srgbClr val="404040"/>
                 </a:solidFill>
               </a:rPr>
               <a:t>That means:</a:t>
+            </a:r>
+          </a:p>
+          <a:p>
+            <a:pPr marL="0" indent="0" algn="l" rtl="0" fontAlgn="base">
+              <a:lnSpc>
+                <a:spcPct val="120000"/>
+              </a:lnSpc>
+              <a:spcBef>
+                <a:spcPts val="0"/>
+              </a:spcBef>
+              <a:buNone/>
+            </a:pPr>
+            <a:r>
+              <a:rPr lang="en" sz="1100" dirty="0">
+                <a:solidFill>
+                  <a:srgbClr val="404040"/>
+                </a:solidFill>
+              </a:rPr>
+              <a:t>The core event and setting should remain consistent across all five retellings.</a:t>
+            </a:r>
+          </a:p>
+          <a:p>
+            <a:pPr marL="0" indent="0" algn="l" rtl="0" fontAlgn="base">
+              <a:lnSpc>
+                <a:spcPct val="120000"/>
+              </a:lnSpc>
+              <a:spcBef>
+                <a:spcPts val="0"/>
+              </a:spcBef>
+              <a:buNone/>
+            </a:pPr>
+            <a:r>
+              <a:rPr lang="en" sz="1100" dirty="0">
+                <a:solidFill>
+                  <a:srgbClr val="404040"/>
+                </a:solidFill>
+              </a:rPr>
+              <a:t>However, how the story is told — what is remembered, how it’s framed emotionally, what details are emphasized, omitted, or altered — should change naturally with age.</a:t>
             </a:r>
           </a:p>
           <a:p>
@@ -10271,7 +10200,7 @@
                   <a:srgbClr val="404040"/>
                 </a:solidFill>
               </a:rPr>
-              <a:t>The core event and setting should remain consistent across all nine retellings.</a:t>
+              <a:t>___________________________________________________________________________________________________________________________</a:t>
             </a:r>
           </a:p>
           <a:p>
@@ -10285,12 +10214,107 @@
               <a:buNone/>
             </a:pPr>
             <a:r>
-              <a:rPr lang="en-US" sz="1100" dirty="0">
+              <a:rPr lang="en" sz="1200" dirty="0">
                 <a:solidFill>
                   <a:srgbClr val="404040"/>
                 </a:solidFill>
               </a:rPr>
-              <a:t>However, how the story is told — what is remembered, how it’s framed emotionally, what details are emphasized, omitted, or altered — should change naturally with age.</a:t>
+              <a:t>Each story should:</a:t>
+            </a:r>
+          </a:p>
+          <a:p>
+            <a:pPr marL="0" indent="0" algn="l" rtl="0" fontAlgn="base">
+              <a:lnSpc>
+                <a:spcPct val="120000"/>
+              </a:lnSpc>
+              <a:spcBef>
+                <a:spcPts val="0"/>
+              </a:spcBef>
+              <a:buNone/>
+            </a:pPr>
+            <a:r>
+              <a:rPr lang="en" sz="1200" dirty="0">
+                <a:solidFill>
+                  <a:srgbClr val="404040"/>
+                </a:solidFill>
+              </a:rPr>
+              <a:t>Be written in first person, as if the character is telling the memory aloud.</a:t>
+            </a:r>
+          </a:p>
+          <a:p>
+            <a:pPr marL="0" indent="0" algn="l" rtl="0" fontAlgn="base">
+              <a:lnSpc>
+                <a:spcPct val="120000"/>
+              </a:lnSpc>
+              <a:spcBef>
+                <a:spcPts val="0"/>
+              </a:spcBef>
+              <a:buNone/>
+            </a:pPr>
+            <a:r>
+              <a:rPr lang="en" sz="1200" dirty="0">
+                <a:solidFill>
+                  <a:srgbClr val="404040"/>
+                </a:solidFill>
+              </a:rPr>
+              <a:t>Be approximately 150 words in length.</a:t>
+            </a:r>
+          </a:p>
+          <a:p>
+            <a:pPr marL="0" indent="0" algn="l" rtl="0" fontAlgn="base">
+              <a:lnSpc>
+                <a:spcPct val="120000"/>
+              </a:lnSpc>
+              <a:spcBef>
+                <a:spcPts val="0"/>
+              </a:spcBef>
+              <a:buNone/>
+            </a:pPr>
+            <a:r>
+              <a:rPr lang="en" sz="1200" dirty="0">
+                <a:solidFill>
+                  <a:srgbClr val="404040"/>
+                </a:solidFill>
+              </a:rPr>
+              <a:t>Show the evolution of storytelling over time: through shifts in language, tone, clarity, emotional insight, or memory reliability.</a:t>
+            </a:r>
+          </a:p>
+          <a:p>
+            <a:pPr marL="0" indent="0" algn="l" rtl="0" fontAlgn="base">
+              <a:lnSpc>
+                <a:spcPct val="120000"/>
+              </a:lnSpc>
+              <a:spcBef>
+                <a:spcPts val="0"/>
+              </a:spcBef>
+              <a:buNone/>
+            </a:pPr>
+            <a:r>
+              <a:rPr lang="en" sz="1200" dirty="0">
+                <a:solidFill>
+                  <a:srgbClr val="404040"/>
+                </a:solidFill>
+              </a:rPr>
+              <a:t>Do not summarize or repeat text — each retelling should feel like a unique, authentic moment of personal reflection.</a:t>
+            </a:r>
+          </a:p>
+          <a:p>
+            <a:pPr marL="0" indent="0" algn="l" rtl="0" fontAlgn="base">
+              <a:lnSpc>
+                <a:spcPct val="120000"/>
+              </a:lnSpc>
+              <a:spcBef>
+                <a:spcPts val="0"/>
+              </a:spcBef>
+              <a:buNone/>
+            </a:pPr>
+            <a:r>
+              <a:rPr lang="en" sz="1200" dirty="0">
+                <a:solidFill>
+                  <a:srgbClr val="404040"/>
+                </a:solidFill>
+              </a:rPr>
+              <a:t>Do not mention or explain Alzheimer’s or any diagnosis explicitly.</a:t>
             </a:r>
           </a:p>
           <a:p>
@@ -10304,12 +10328,12 @@
               <a:buNone/>
             </a:pPr>
             <a:r>
-              <a:rPr lang="en-US" sz="1100" dirty="0">
+              <a:rPr lang="en-US" sz="1200" dirty="0">
                 <a:solidFill>
                   <a:srgbClr val="404040"/>
                 </a:solidFill>
               </a:rPr>
-              <a:t>_____________________________________________________________________________________________________________</a:t>
+              <a:t>________________________________________________________________________________________________________________</a:t>
             </a:r>
           </a:p>
           <a:p>
@@ -10323,12 +10347,12 @@
               <a:buNone/>
             </a:pPr>
             <a:r>
-              <a:rPr lang="en-US" sz="1100" dirty="0">
+              <a:rPr lang="en-US" sz="1200" dirty="0">
                 <a:solidFill>
                   <a:srgbClr val="404040"/>
                 </a:solidFill>
               </a:rPr>
-              <a:t>Each story should:</a:t>
+              <a:t>The character begins to experience Alzheimer’s disease at the age of X</a:t>
             </a:r>
           </a:p>
           <a:p>
@@ -10342,180 +10366,12 @@
               <a:buNone/>
             </a:pPr>
             <a:r>
-              <a:rPr lang="en-US" sz="1100" dirty="0">
+              <a:rPr lang="en-US" sz="1200" dirty="0">
                 <a:solidFill>
                   <a:srgbClr val="404040"/>
                 </a:solidFill>
               </a:rPr>
-              <a:t>Be written in first person, as if the character is telling the memory aloud.</a:t>
-            </a:r>
-          </a:p>
-          <a:p>
-            <a:pPr marL="0" indent="0" algn="l" rtl="0">
-              <a:lnSpc>
-                <a:spcPct val="120000"/>
-              </a:lnSpc>
-              <a:spcBef>
-                <a:spcPts val="0"/>
-              </a:spcBef>
-              <a:buNone/>
-            </a:pPr>
-            <a:r>
-              <a:rPr lang="en-US" sz="1100" dirty="0">
-                <a:solidFill>
-                  <a:srgbClr val="404040"/>
-                </a:solidFill>
-              </a:rPr>
-              <a:t>Be approximately 250 words in length.</a:t>
-            </a:r>
-          </a:p>
-          <a:p>
-            <a:pPr marL="0" indent="0" algn="l" rtl="0">
-              <a:lnSpc>
-                <a:spcPct val="120000"/>
-              </a:lnSpc>
-              <a:spcBef>
-                <a:spcPts val="0"/>
-              </a:spcBef>
-              <a:buNone/>
-            </a:pPr>
-            <a:r>
-              <a:rPr lang="en-US" sz="1100" dirty="0">
-                <a:solidFill>
-                  <a:srgbClr val="404040"/>
-                </a:solidFill>
-              </a:rPr>
-              <a:t>Show the evolution of storytelling over time: through shifts in language, tone, clarity, emotional insight, or memory reliability.</a:t>
-            </a:r>
-          </a:p>
-          <a:p>
-            <a:pPr marL="0" indent="0" algn="l" rtl="0">
-              <a:lnSpc>
-                <a:spcPct val="120000"/>
-              </a:lnSpc>
-              <a:spcBef>
-                <a:spcPts val="0"/>
-              </a:spcBef>
-              <a:buNone/>
-            </a:pPr>
-            <a:r>
-              <a:rPr lang="en-US" sz="1100" dirty="0">
-                <a:solidFill>
-                  <a:srgbClr val="404040"/>
-                </a:solidFill>
-              </a:rPr>
-              <a:t>Do not summarize or repeat text — each retelling should feel like a unique, authentic moment of personal reflection.</a:t>
-            </a:r>
-          </a:p>
-          <a:p>
-            <a:pPr marL="0" indent="0" algn="l" rtl="0">
-              <a:lnSpc>
-                <a:spcPct val="120000"/>
-              </a:lnSpc>
-              <a:spcBef>
-                <a:spcPts val="0"/>
-              </a:spcBef>
-              <a:buNone/>
-            </a:pPr>
-            <a:r>
-              <a:rPr lang="en-US" sz="1100" dirty="0">
-                <a:solidFill>
-                  <a:srgbClr val="404040"/>
-                </a:solidFill>
-              </a:rPr>
-              <a:t>Do not mention or explain Alzheimer’s or any diagnosis explicitly.</a:t>
-            </a:r>
-          </a:p>
-          <a:p>
-            <a:pPr marL="0" indent="0" algn="l" rtl="0">
-              <a:lnSpc>
-                <a:spcPct val="120000"/>
-              </a:lnSpc>
-              <a:spcBef>
-                <a:spcPts val="0"/>
-              </a:spcBef>
-              <a:buNone/>
-            </a:pPr>
-            <a:r>
-              <a:rPr lang="en-US" sz="1100" dirty="0">
-                <a:solidFill>
-                  <a:srgbClr val="404040"/>
-                </a:solidFill>
-              </a:rPr>
-              <a:t>_____________________________________________________________________________________________________________</a:t>
-            </a:r>
-          </a:p>
-          <a:p>
-            <a:pPr marL="0" indent="0" algn="l" rtl="0">
-              <a:lnSpc>
-                <a:spcPct val="120000"/>
-              </a:lnSpc>
-              <a:spcBef>
-                <a:spcPts val="0"/>
-              </a:spcBef>
-              <a:buNone/>
-            </a:pPr>
-            <a:endParaRPr lang="en-US" sz="1100" dirty="0">
-              <a:solidFill>
-                <a:srgbClr val="404040"/>
-              </a:solidFill>
-            </a:endParaRPr>
-          </a:p>
-          <a:p>
-            <a:pPr marL="0" indent="0" algn="l" rtl="0">
-              <a:lnSpc>
-                <a:spcPct val="120000"/>
-              </a:lnSpc>
-              <a:spcBef>
-                <a:spcPts val="0"/>
-              </a:spcBef>
-              <a:buNone/>
-            </a:pPr>
-            <a:r>
-              <a:rPr lang="en-US" sz="1100" dirty="0">
-                <a:solidFill>
-                  <a:srgbClr val="404040"/>
-                </a:solidFill>
-              </a:rPr>
-              <a:t>At some point in his later years (you may decide when), the character begins to experience Alzheimer’s disease.</a:t>
-            </a:r>
-          </a:p>
-          <a:p>
-            <a:pPr marL="0" indent="0" algn="l" rtl="0">
-              <a:lnSpc>
-                <a:spcPct val="120000"/>
-              </a:lnSpc>
-              <a:spcBef>
-                <a:spcPts val="0"/>
-              </a:spcBef>
-              <a:buNone/>
-            </a:pPr>
-            <a:r>
-              <a:rPr lang="en-US" sz="1100" dirty="0">
-                <a:solidFill>
-                  <a:srgbClr val="404040"/>
-                </a:solidFill>
-              </a:rPr>
-              <a:t>Let this be reflected — subtly and naturally — in the storytelling itself: perhaps through inconsistencies, repetition, emotional drift, or fragmented recall.</a:t>
-            </a:r>
-          </a:p>
-          <a:p>
-            <a:pPr marL="0" indent="0" algn="l" rtl="0">
-              <a:lnSpc>
-                <a:spcPct val="120000"/>
-              </a:lnSpc>
-              <a:spcBef>
-                <a:spcPts val="0"/>
-              </a:spcBef>
-              <a:buNone/>
-            </a:pPr>
-            <a:r>
-              <a:rPr lang="en-US" sz="1100" dirty="0">
-                <a:solidFill>
-                  <a:srgbClr val="404040"/>
-                </a:solidFill>
-              </a:rPr>
-              <a:t>You are free to decide how and when these changes appear based on your understanding of the condition.</a:t>
+              <a:t>Let this be reflected — subtly and naturally — in the storytelling itself: You are free to decide how and when these changes appear based on your understanding of the condition. Give your answer in JSON. </a:t>
             </a:r>
           </a:p>
         </p:txBody>
@@ -11776,10 +11632,10 @@
       </p:sp>
       <p:pic>
         <p:nvPicPr>
-          <p:cNvPr id="4" name="תמונה 3">
+          <p:cNvPr id="3" name="תמונה 2">
             <a:extLst>
               <a:ext uri="{FF2B5EF4-FFF2-40B4-BE49-F238E27FC236}">
-                <a16:creationId xmlns:a16="http://schemas.microsoft.com/office/drawing/2014/main" id="{A3EB8EF7-74F8-1EC8-AFD4-4C264D9D7F91}"/>
+                <a16:creationId xmlns:a16="http://schemas.microsoft.com/office/drawing/2014/main" id="{FDC6F5BE-5717-1EA9-0707-AC35707E46BB}"/>
               </a:ext>
             </a:extLst>
           </p:cNvPr>
@@ -11796,8 +11652,8 @@
         </p:blipFill>
         <p:spPr>
           <a:xfrm>
-            <a:off x="2183704" y="1285002"/>
-            <a:ext cx="7777160" cy="4287996"/>
+            <a:off x="1347426" y="1308016"/>
+            <a:ext cx="9493264" cy="3421430"/>
           </a:xfrm>
           <a:prstGeom prst="rect">
             <a:avLst/>
@@ -12009,10 +11865,10 @@
       </p:sp>
       <p:pic>
         <p:nvPicPr>
-          <p:cNvPr id="6" name="תמונה 5">
+          <p:cNvPr id="3" name="תמונה 2">
             <a:extLst>
               <a:ext uri="{FF2B5EF4-FFF2-40B4-BE49-F238E27FC236}">
-                <a16:creationId xmlns:a16="http://schemas.microsoft.com/office/drawing/2014/main" id="{3B5BC6ED-ABAD-4184-D3C6-2BCD9C3C17AC}"/>
+                <a16:creationId xmlns:a16="http://schemas.microsoft.com/office/drawing/2014/main" id="{E683C9A1-A2DF-FE10-2427-76C4B011C38B}"/>
               </a:ext>
             </a:extLst>
           </p:cNvPr>
@@ -12029,8 +11885,8 @@
         </p:blipFill>
         <p:spPr>
           <a:xfrm>
-            <a:off x="4654293" y="358992"/>
-            <a:ext cx="7540084" cy="6079386"/>
+            <a:off x="4705442" y="455667"/>
+            <a:ext cx="7435412" cy="5946666"/>
           </a:xfrm>
           <a:prstGeom prst="rect">
             <a:avLst/>
@@ -12421,7 +12277,7 @@
         </p:spPr>
         <p:txBody>
           <a:bodyPr vert="horz" lIns="91440" tIns="45720" rIns="91440" bIns="45720" rtlCol="0">
-            <a:normAutofit fontScale="85000" lnSpcReduction="10000"/>
+            <a:normAutofit/>
           </a:bodyPr>
           <a:lstStyle/>
           <a:p>
@@ -12436,100 +12292,12 @@
             <a:pPr algn="l" rtl="0"/>
             <a:r>
               <a:rPr lang="en" b="1" dirty="0"/>
-              <a:t>Story consistency</a:t>
+              <a:t>Next step</a:t>
             </a:r>
             <a:r>
               <a:rPr lang="en" dirty="0"/>
-              <a:t> – Do we want each version to be the exact same narrative retold, or is a shared theme or setting (e.g., “trip to Greece”) sufficient?</a:t>
-            </a:r>
-          </a:p>
-          <a:p>
-            <a:pPr algn="l" rtl="0"/>
-            <a:r>
-              <a:rPr lang="en" b="1" dirty="0"/>
-              <a:t>Control condition</a:t>
-            </a:r>
-            <a:r>
-              <a:rPr lang="en" dirty="0"/>
-              <a:t> – The paper compares matched pairs (healthy vs. diagnosed). Should we mirror this within one persona—Mike before and after cognitive decline or HC group similar to the paper?</a:t>
-            </a:r>
-          </a:p>
-          <a:p>
-            <a:pPr algn="l" rtl="0"/>
-            <a:r>
-              <a:rPr lang="en" b="1" dirty="0"/>
-              <a:t>Rate of decline</a:t>
-            </a:r>
-            <a:r>
-              <a:rPr lang="en" dirty="0"/>
-              <a:t> – The current output shows a sharp drop-off. How much should we guide the pace and features of decline, versus letting the model decide?</a:t>
-            </a:r>
-          </a:p>
-          <a:p>
-            <a:pPr algn="l" rtl="0"/>
-            <a:r>
-              <a:rPr lang="en" b="1" dirty="0"/>
-              <a:t>Number of stories</a:t>
-            </a:r>
-            <a:r>
-              <a:rPr lang="en" dirty="0"/>
-              <a:t> – We now produce nine stories (ages 40–80, five-year intervals). Is that manageable, or should we trim the timeline to ease analysis?</a:t>
-            </a:r>
-          </a:p>
-          <a:p>
-            <a:pPr algn="l" rtl="0"/>
-            <a:r>
-              <a:rPr lang="en" b="1" dirty="0"/>
-              <a:t>Metric alignment</a:t>
-            </a:r>
-            <a:r>
-              <a:rPr lang="en" dirty="0"/>
-              <a:t> – After running our code, most metrics mirrored the original paper’s results, but the </a:t>
-            </a:r>
-            <a:r>
-              <a:rPr lang="en" i="1" dirty="0" err="1"/>
-              <a:t>subtl</a:t>
-            </a:r>
-            <a:r>
-              <a:rPr lang="en" i="1" dirty="0"/>
-              <a:t>,</a:t>
-            </a:r>
-            <a:r>
-              <a:rPr lang="en" dirty="0"/>
-              <a:t> </a:t>
-            </a:r>
-            <a:r>
-              <a:rPr lang="en" dirty="0" err="1"/>
-              <a:t>zipf</a:t>
-            </a:r>
-            <a:r>
-              <a:rPr lang="en" dirty="0"/>
-              <a:t> and brunet measures did not match. Chicken and egg – characters vs pace decline.</a:t>
-            </a:r>
-          </a:p>
-          <a:p>
-            <a:pPr algn="l" rtl="0"/>
-            <a:r>
-              <a:rPr lang="en" b="1" dirty="0"/>
-              <a:t>Next step</a:t>
-            </a:r>
-            <a:r>
-              <a:rPr lang="en" dirty="0"/>
-              <a:t> – Refine code</a:t>
-            </a:r>
-            <a:r>
-              <a:rPr lang="en"/>
-              <a:t>/Prompt </a:t>
-            </a:r>
-            <a:r>
-              <a:rPr lang="en" dirty="0"/>
-              <a:t>and repeat metric evaluation to </a:t>
-            </a:r>
-            <a:r>
-              <a:rPr lang="en"/>
-              <a:t>achieve better results.</a:t>
-            </a:r>
-            <a:endParaRPr lang="en" dirty="0"/>
+              <a:t> – Refine code/Prompt and repeat metric evaluation to achieve better results.</a:t>
+            </a:r>
           </a:p>
         </p:txBody>
       </p:sp>

--- a/paper_presentation.pptx
+++ b/paper_presentation.pptx
@@ -5,7 +5,7 @@
     <p:sldMasterId id="2147483696" r:id="rId1"/>
   </p:sldMasterIdLst>
   <p:notesMasterIdLst>
-    <p:notesMasterId r:id="rId24"/>
+    <p:notesMasterId r:id="rId30"/>
   </p:notesMasterIdLst>
   <p:sldIdLst>
     <p:sldId id="256" r:id="rId2"/>
@@ -27,9 +27,15 @@
     <p:sldId id="278" r:id="rId18"/>
     <p:sldId id="281" r:id="rId19"/>
     <p:sldId id="282" r:id="rId20"/>
-    <p:sldId id="279" r:id="rId21"/>
-    <p:sldId id="280" r:id="rId22"/>
-    <p:sldId id="283" r:id="rId23"/>
+    <p:sldId id="288" r:id="rId21"/>
+    <p:sldId id="279" r:id="rId22"/>
+    <p:sldId id="280" r:id="rId23"/>
+    <p:sldId id="285" r:id="rId24"/>
+    <p:sldId id="287" r:id="rId25"/>
+    <p:sldId id="283" r:id="rId26"/>
+    <p:sldId id="286" r:id="rId27"/>
+    <p:sldId id="284" r:id="rId28"/>
+    <p:sldId id="289" r:id="rId29"/>
   </p:sldIdLst>
   <p:sldSz cx="12192000" cy="6858000"/>
   <p:notesSz cx="6858000" cy="9144000"/>
@@ -139,7 +145,7 @@
 <file path=ppt/revisionInfo.xml><?xml version="1.0" encoding="utf-8"?>
 <p1510:revInfo xmlns:a="http://schemas.openxmlformats.org/drawingml/2006/main" xmlns:r="http://schemas.openxmlformats.org/officeDocument/2006/relationships" xmlns:p1510="http://schemas.microsoft.com/office/powerpoint/2015/10/main">
   <p1510:revLst>
-    <p1510:client id="{8133341F-6290-7B4E-9016-ECA25BBD24D6}" v="1588" dt="2025-07-06T14:25:49.501"/>
+    <p1510:client id="{8133341F-6290-7B4E-9016-ECA25BBD24D6}" v="3" dt="2025-07-29T05:55:19.560"/>
   </p1510:revLst>
 </p1510:revInfo>
 </file>
@@ -149,7 +155,7 @@
   <pc:docChgLst>
     <pc:chgData name="Netanel Shalev" userId="9b1bf0c7-f5a5-4008-84b1-60774bebe1d6" providerId="ADAL" clId="{8133341F-6290-7B4E-9016-ECA25BBD24D6}"/>
     <pc:docChg chg="undo redo custSel addSld delSld modSld sldOrd">
-      <pc:chgData name="Netanel Shalev" userId="9b1bf0c7-f5a5-4008-84b1-60774bebe1d6" providerId="ADAL" clId="{8133341F-6290-7B4E-9016-ECA25BBD24D6}" dt="2025-07-06T14:30:04.176" v="2426" actId="20577"/>
+      <pc:chgData name="Netanel Shalev" userId="9b1bf0c7-f5a5-4008-84b1-60774bebe1d6" providerId="ADAL" clId="{8133341F-6290-7B4E-9016-ECA25BBD24D6}" dt="2025-07-29T05:56:09.008" v="3911" actId="208"/>
       <pc:docMkLst>
         <pc:docMk/>
       </pc:docMkLst>
@@ -159,30 +165,6 @@
           <pc:docMk/>
           <pc:sldMk cId="0" sldId="256"/>
         </pc:sldMkLst>
-        <pc:spChg chg="mod">
-          <ac:chgData name="Netanel Shalev" userId="9b1bf0c7-f5a5-4008-84b1-60774bebe1d6" providerId="ADAL" clId="{8133341F-6290-7B4E-9016-ECA25BBD24D6}" dt="2025-05-04T14:16:47.093" v="201" actId="207"/>
-          <ac:spMkLst>
-            <pc:docMk/>
-            <pc:sldMk cId="0" sldId="256"/>
-            <ac:spMk id="2" creationId="{B704808B-E837-C6FF-9A25-2F5C8D15B484}"/>
-          </ac:spMkLst>
-        </pc:spChg>
-        <pc:spChg chg="mod">
-          <ac:chgData name="Netanel Shalev" userId="9b1bf0c7-f5a5-4008-84b1-60774bebe1d6" providerId="ADAL" clId="{8133341F-6290-7B4E-9016-ECA25BBD24D6}" dt="2025-05-04T14:16:58.102" v="203" actId="1076"/>
-          <ac:spMkLst>
-            <pc:docMk/>
-            <pc:sldMk cId="0" sldId="256"/>
-            <ac:spMk id="3" creationId="{48741ED6-5AF9-655C-72B9-80E8E0E1E555}"/>
-          </ac:spMkLst>
-        </pc:spChg>
-        <pc:spChg chg="add mod">
-          <ac:chgData name="Netanel Shalev" userId="9b1bf0c7-f5a5-4008-84b1-60774bebe1d6" providerId="ADAL" clId="{8133341F-6290-7B4E-9016-ECA25BBD24D6}" dt="2025-05-04T14:39:35.173" v="279" actId="20577"/>
-          <ac:spMkLst>
-            <pc:docMk/>
-            <pc:sldMk cId="0" sldId="256"/>
-            <ac:spMk id="4" creationId="{8D3E6D80-5892-473A-D254-D26DA4F67A84}"/>
-          </ac:spMkLst>
-        </pc:spChg>
       </pc:sldChg>
       <pc:sldChg chg="addSp delSp modSp mod setBg setClrOvrMap">
         <pc:chgData name="Netanel Shalev" userId="9b1bf0c7-f5a5-4008-84b1-60774bebe1d6" providerId="ADAL" clId="{8133341F-6290-7B4E-9016-ECA25BBD24D6}" dt="2025-05-04T16:54:00.786" v="1712" actId="27636"/>
@@ -190,86 +172,6 @@
           <pc:docMk/>
           <pc:sldMk cId="0" sldId="257"/>
         </pc:sldMkLst>
-        <pc:spChg chg="mod">
-          <ac:chgData name="Netanel Shalev" userId="9b1bf0c7-f5a5-4008-84b1-60774bebe1d6" providerId="ADAL" clId="{8133341F-6290-7B4E-9016-ECA25BBD24D6}" dt="2025-05-04T16:53:49.686" v="1710" actId="14100"/>
-          <ac:spMkLst>
-            <pc:docMk/>
-            <pc:sldMk cId="0" sldId="257"/>
-            <ac:spMk id="2" creationId="{06550235-BC72-D1BD-1EED-FE17FFA00949}"/>
-          </ac:spMkLst>
-        </pc:spChg>
-        <pc:spChg chg="mod">
-          <ac:chgData name="Netanel Shalev" userId="9b1bf0c7-f5a5-4008-84b1-60774bebe1d6" providerId="ADAL" clId="{8133341F-6290-7B4E-9016-ECA25BBD24D6}" dt="2025-05-04T16:54:00.786" v="1712" actId="27636"/>
-          <ac:spMkLst>
-            <pc:docMk/>
-            <pc:sldMk cId="0" sldId="257"/>
-            <ac:spMk id="3" creationId="{5DD48175-5FCE-DA85-412F-92B6D0BC5EC3}"/>
-          </ac:spMkLst>
-        </pc:spChg>
-        <pc:spChg chg="mod ord">
-          <ac:chgData name="Netanel Shalev" userId="9b1bf0c7-f5a5-4008-84b1-60774bebe1d6" providerId="ADAL" clId="{8133341F-6290-7B4E-9016-ECA25BBD24D6}" dt="2025-05-04T14:50:04.234" v="403" actId="26606"/>
-          <ac:spMkLst>
-            <pc:docMk/>
-            <pc:sldMk cId="0" sldId="257"/>
-            <ac:spMk id="6" creationId="{6B9EF8FA-757D-BE6C-653C-AA085C1DD9F3}"/>
-          </ac:spMkLst>
-        </pc:spChg>
-        <pc:spChg chg="add">
-          <ac:chgData name="Netanel Shalev" userId="9b1bf0c7-f5a5-4008-84b1-60774bebe1d6" providerId="ADAL" clId="{8133341F-6290-7B4E-9016-ECA25BBD24D6}" dt="2025-05-04T15:23:40.433" v="966" actId="26606"/>
-          <ac:spMkLst>
-            <pc:docMk/>
-            <pc:sldMk cId="0" sldId="257"/>
-            <ac:spMk id="66" creationId="{7D587F9F-3F48-4929-8532-62B82B3F66BE}"/>
-          </ac:spMkLst>
-        </pc:spChg>
-        <pc:spChg chg="add">
-          <ac:chgData name="Netanel Shalev" userId="9b1bf0c7-f5a5-4008-84b1-60774bebe1d6" providerId="ADAL" clId="{8133341F-6290-7B4E-9016-ECA25BBD24D6}" dt="2025-05-04T15:23:40.433" v="966" actId="26606"/>
-          <ac:spMkLst>
-            <pc:docMk/>
-            <pc:sldMk cId="0" sldId="257"/>
-            <ac:spMk id="68" creationId="{6DCB66B2-3729-41B6-8A12-AB8550189D5E}"/>
-          </ac:spMkLst>
-        </pc:spChg>
-        <pc:spChg chg="add">
-          <ac:chgData name="Netanel Shalev" userId="9b1bf0c7-f5a5-4008-84b1-60774bebe1d6" providerId="ADAL" clId="{8133341F-6290-7B4E-9016-ECA25BBD24D6}" dt="2025-05-04T15:23:40.433" v="966" actId="26606"/>
-          <ac:spMkLst>
-            <pc:docMk/>
-            <pc:sldMk cId="0" sldId="257"/>
-            <ac:spMk id="70" creationId="{ABA662FB-3DC6-4E93-98AC-B84BA41F4859}"/>
-          </ac:spMkLst>
-        </pc:spChg>
-        <pc:spChg chg="add">
-          <ac:chgData name="Netanel Shalev" userId="9b1bf0c7-f5a5-4008-84b1-60774bebe1d6" providerId="ADAL" clId="{8133341F-6290-7B4E-9016-ECA25BBD24D6}" dt="2025-05-04T15:23:40.433" v="966" actId="26606"/>
-          <ac:spMkLst>
-            <pc:docMk/>
-            <pc:sldMk cId="0" sldId="257"/>
-            <ac:spMk id="72" creationId="{FB9BE604-0CC0-41C8-9673-995F82DA0257}"/>
-          </ac:spMkLst>
-        </pc:spChg>
-        <pc:spChg chg="add">
-          <ac:chgData name="Netanel Shalev" userId="9b1bf0c7-f5a5-4008-84b1-60774bebe1d6" providerId="ADAL" clId="{8133341F-6290-7B4E-9016-ECA25BBD24D6}" dt="2025-05-04T15:23:40.433" v="966" actId="26606"/>
-          <ac:spMkLst>
-            <pc:docMk/>
-            <pc:sldMk cId="0" sldId="257"/>
-            <ac:spMk id="74" creationId="{2036372A-822B-498E-AD05-6BE85743A094}"/>
-          </ac:spMkLst>
-        </pc:spChg>
-        <pc:picChg chg="mod ord">
-          <ac:chgData name="Netanel Shalev" userId="9b1bf0c7-f5a5-4008-84b1-60774bebe1d6" providerId="ADAL" clId="{8133341F-6290-7B4E-9016-ECA25BBD24D6}" dt="2025-05-04T15:23:32.520" v="965" actId="26606"/>
-          <ac:picMkLst>
-            <pc:docMk/>
-            <pc:sldMk cId="0" sldId="257"/>
-            <ac:picMk id="4" creationId="{F0287977-3735-AA58-3CCE-4A37EB47F948}"/>
-          </ac:picMkLst>
-        </pc:picChg>
-        <pc:picChg chg="mod ord">
-          <ac:chgData name="Netanel Shalev" userId="9b1bf0c7-f5a5-4008-84b1-60774bebe1d6" providerId="ADAL" clId="{8133341F-6290-7B4E-9016-ECA25BBD24D6}" dt="2025-05-04T15:23:32.520" v="965" actId="26606"/>
-          <ac:picMkLst>
-            <pc:docMk/>
-            <pc:sldMk cId="0" sldId="257"/>
-            <ac:picMk id="8" creationId="{E656915A-8B12-DD79-E287-DFD7D5208B8B}"/>
-          </ac:picMkLst>
-        </pc:picChg>
       </pc:sldChg>
       <pc:sldChg chg="addSp delSp modSp mod ord setBg">
         <pc:chgData name="Netanel Shalev" userId="9b1bf0c7-f5a5-4008-84b1-60774bebe1d6" providerId="ADAL" clId="{8133341F-6290-7B4E-9016-ECA25BBD24D6}" dt="2025-05-04T15:33:59.057" v="1024" actId="20578"/>
@@ -277,54 +179,6 @@
           <pc:docMk/>
           <pc:sldMk cId="0" sldId="258"/>
         </pc:sldMkLst>
-        <pc:spChg chg="mod">
-          <ac:chgData name="Netanel Shalev" userId="9b1bf0c7-f5a5-4008-84b1-60774bebe1d6" providerId="ADAL" clId="{8133341F-6290-7B4E-9016-ECA25BBD24D6}" dt="2025-05-04T15:33:55.378" v="1023" actId="20577"/>
-          <ac:spMkLst>
-            <pc:docMk/>
-            <pc:sldMk cId="0" sldId="258"/>
-            <ac:spMk id="2" creationId="{B213303B-51D8-1F1D-1BB0-D1A94C1C4946}"/>
-          </ac:spMkLst>
-        </pc:spChg>
-        <pc:spChg chg="mod">
-          <ac:chgData name="Netanel Shalev" userId="9b1bf0c7-f5a5-4008-84b1-60774bebe1d6" providerId="ADAL" clId="{8133341F-6290-7B4E-9016-ECA25BBD24D6}" dt="2025-05-04T15:32:09.431" v="1017" actId="20577"/>
-          <ac:spMkLst>
-            <pc:docMk/>
-            <pc:sldMk cId="0" sldId="258"/>
-            <ac:spMk id="3" creationId="{FFDC0DBD-F0F7-9128-805D-AEAA9D94A48C}"/>
-          </ac:spMkLst>
-        </pc:spChg>
-        <pc:spChg chg="mod">
-          <ac:chgData name="Netanel Shalev" userId="9b1bf0c7-f5a5-4008-84b1-60774bebe1d6" providerId="ADAL" clId="{8133341F-6290-7B4E-9016-ECA25BBD24D6}" dt="2025-05-04T14:21:24.859" v="223" actId="26606"/>
-          <ac:spMkLst>
-            <pc:docMk/>
-            <pc:sldMk cId="0" sldId="258"/>
-            <ac:spMk id="5" creationId="{0FC92C07-4F40-104A-5F77-5AB2D941ED78}"/>
-          </ac:spMkLst>
-        </pc:spChg>
-        <pc:spChg chg="add">
-          <ac:chgData name="Netanel Shalev" userId="9b1bf0c7-f5a5-4008-84b1-60774bebe1d6" providerId="ADAL" clId="{8133341F-6290-7B4E-9016-ECA25BBD24D6}" dt="2025-05-04T14:21:24.859" v="223" actId="26606"/>
-          <ac:spMkLst>
-            <pc:docMk/>
-            <pc:sldMk cId="0" sldId="258"/>
-            <ac:spMk id="10" creationId="{C33976D1-3430-450C-A978-87A9A6E8E71F}"/>
-          </ac:spMkLst>
-        </pc:spChg>
-        <pc:spChg chg="add">
-          <ac:chgData name="Netanel Shalev" userId="9b1bf0c7-f5a5-4008-84b1-60774bebe1d6" providerId="ADAL" clId="{8133341F-6290-7B4E-9016-ECA25BBD24D6}" dt="2025-05-04T14:21:24.859" v="223" actId="26606"/>
-          <ac:spMkLst>
-            <pc:docMk/>
-            <pc:sldMk cId="0" sldId="258"/>
-            <ac:spMk id="12" creationId="{7D6AAC78-7D86-415A-ADC1-2B474807960C}"/>
-          </ac:spMkLst>
-        </pc:spChg>
-        <pc:spChg chg="add">
-          <ac:chgData name="Netanel Shalev" userId="9b1bf0c7-f5a5-4008-84b1-60774bebe1d6" providerId="ADAL" clId="{8133341F-6290-7B4E-9016-ECA25BBD24D6}" dt="2025-05-04T14:21:24.859" v="223" actId="26606"/>
-          <ac:spMkLst>
-            <pc:docMk/>
-            <pc:sldMk cId="0" sldId="258"/>
-            <ac:spMk id="14" creationId="{F2A658D9-F185-44F1-BA33-D50320D1D078}"/>
-          </ac:spMkLst>
-        </pc:spChg>
       </pc:sldChg>
       <pc:sldChg chg="addSp delSp modSp del mod setBg">
         <pc:chgData name="Netanel Shalev" userId="9b1bf0c7-f5a5-4008-84b1-60774bebe1d6" providerId="ADAL" clId="{8133341F-6290-7B4E-9016-ECA25BBD24D6}" dt="2025-05-04T16:45:09.594" v="1651" actId="2696"/>
@@ -346,54 +200,6 @@
           <pc:docMk/>
           <pc:sldMk cId="0" sldId="261"/>
         </pc:sldMkLst>
-        <pc:spChg chg="mod">
-          <ac:chgData name="Netanel Shalev" userId="9b1bf0c7-f5a5-4008-84b1-60774bebe1d6" providerId="ADAL" clId="{8133341F-6290-7B4E-9016-ECA25BBD24D6}" dt="2025-05-04T14:22:12.422" v="238" actId="26606"/>
-          <ac:spMkLst>
-            <pc:docMk/>
-            <pc:sldMk cId="0" sldId="261"/>
-            <ac:spMk id="2" creationId="{240D0C5A-E08D-CA16-18A6-50C777C75953}"/>
-          </ac:spMkLst>
-        </pc:spChg>
-        <pc:spChg chg="mod">
-          <ac:chgData name="Netanel Shalev" userId="9b1bf0c7-f5a5-4008-84b1-60774bebe1d6" providerId="ADAL" clId="{8133341F-6290-7B4E-9016-ECA25BBD24D6}" dt="2025-05-04T16:55:54.565" v="1718" actId="20577"/>
-          <ac:spMkLst>
-            <pc:docMk/>
-            <pc:sldMk cId="0" sldId="261"/>
-            <ac:spMk id="3" creationId="{714D559C-1FAF-2FD4-AE78-A968F081C451}"/>
-          </ac:spMkLst>
-        </pc:spChg>
-        <pc:spChg chg="mod">
-          <ac:chgData name="Netanel Shalev" userId="9b1bf0c7-f5a5-4008-84b1-60774bebe1d6" providerId="ADAL" clId="{8133341F-6290-7B4E-9016-ECA25BBD24D6}" dt="2025-05-04T14:22:12.422" v="238" actId="26606"/>
-          <ac:spMkLst>
-            <pc:docMk/>
-            <pc:sldMk cId="0" sldId="261"/>
-            <ac:spMk id="6" creationId="{EBA4003E-EB07-D130-AADD-C31DB423319E}"/>
-          </ac:spMkLst>
-        </pc:spChg>
-        <pc:spChg chg="add del">
-          <ac:chgData name="Netanel Shalev" userId="9b1bf0c7-f5a5-4008-84b1-60774bebe1d6" providerId="ADAL" clId="{8133341F-6290-7B4E-9016-ECA25BBD24D6}" dt="2025-05-04T14:22:12.422" v="238" actId="26606"/>
-          <ac:spMkLst>
-            <pc:docMk/>
-            <pc:sldMk cId="0" sldId="261"/>
-            <ac:spMk id="11" creationId="{C33976D1-3430-450C-A978-87A9A6E8E71F}"/>
-          </ac:spMkLst>
-        </pc:spChg>
-        <pc:spChg chg="add del">
-          <ac:chgData name="Netanel Shalev" userId="9b1bf0c7-f5a5-4008-84b1-60774bebe1d6" providerId="ADAL" clId="{8133341F-6290-7B4E-9016-ECA25BBD24D6}" dt="2025-05-04T14:22:12.422" v="238" actId="26606"/>
-          <ac:spMkLst>
-            <pc:docMk/>
-            <pc:sldMk cId="0" sldId="261"/>
-            <ac:spMk id="13" creationId="{7D6AAC78-7D86-415A-ADC1-2B474807960C}"/>
-          </ac:spMkLst>
-        </pc:spChg>
-        <pc:spChg chg="add del">
-          <ac:chgData name="Netanel Shalev" userId="9b1bf0c7-f5a5-4008-84b1-60774bebe1d6" providerId="ADAL" clId="{8133341F-6290-7B4E-9016-ECA25BBD24D6}" dt="2025-05-04T14:22:12.422" v="238" actId="26606"/>
-          <ac:spMkLst>
-            <pc:docMk/>
-            <pc:sldMk cId="0" sldId="261"/>
-            <ac:spMk id="15" creationId="{F2A658D9-F185-44F1-BA33-D50320D1D078}"/>
-          </ac:spMkLst>
-        </pc:spChg>
       </pc:sldChg>
       <pc:sldChg chg="addSp delSp modSp mod setBg">
         <pc:chgData name="Netanel Shalev" userId="9b1bf0c7-f5a5-4008-84b1-60774bebe1d6" providerId="ADAL" clId="{8133341F-6290-7B4E-9016-ECA25BBD24D6}" dt="2025-06-21T09:12:05.514" v="1725" actId="20577"/>
@@ -401,54 +207,6 @@
           <pc:docMk/>
           <pc:sldMk cId="0" sldId="262"/>
         </pc:sldMkLst>
-        <pc:spChg chg="mod">
-          <ac:chgData name="Netanel Shalev" userId="9b1bf0c7-f5a5-4008-84b1-60774bebe1d6" providerId="ADAL" clId="{8133341F-6290-7B4E-9016-ECA25BBD24D6}" dt="2025-05-04T16:25:51.142" v="1492" actId="1076"/>
-          <ac:spMkLst>
-            <pc:docMk/>
-            <pc:sldMk cId="0" sldId="262"/>
-            <ac:spMk id="2" creationId="{47998A6E-4999-E2C4-F4E5-D74C12B21D0C}"/>
-          </ac:spMkLst>
-        </pc:spChg>
-        <pc:spChg chg="mod">
-          <ac:chgData name="Netanel Shalev" userId="9b1bf0c7-f5a5-4008-84b1-60774bebe1d6" providerId="ADAL" clId="{8133341F-6290-7B4E-9016-ECA25BBD24D6}" dt="2025-05-04T15:43:27.703" v="1092" actId="1076"/>
-          <ac:spMkLst>
-            <pc:docMk/>
-            <pc:sldMk cId="0" sldId="262"/>
-            <ac:spMk id="3" creationId="{FC0F4856-1F69-AC23-656E-2CBB0FF27F16}"/>
-          </ac:spMkLst>
-        </pc:spChg>
-        <pc:spChg chg="mod">
-          <ac:chgData name="Netanel Shalev" userId="9b1bf0c7-f5a5-4008-84b1-60774bebe1d6" providerId="ADAL" clId="{8133341F-6290-7B4E-9016-ECA25BBD24D6}" dt="2025-05-04T14:21:32.023" v="225" actId="26606"/>
-          <ac:spMkLst>
-            <pc:docMk/>
-            <pc:sldMk cId="0" sldId="262"/>
-            <ac:spMk id="6" creationId="{EA0D5769-FD46-D526-083F-7FD6C0CF71AD}"/>
-          </ac:spMkLst>
-        </pc:spChg>
-        <pc:spChg chg="add">
-          <ac:chgData name="Netanel Shalev" userId="9b1bf0c7-f5a5-4008-84b1-60774bebe1d6" providerId="ADAL" clId="{8133341F-6290-7B4E-9016-ECA25BBD24D6}" dt="2025-05-04T15:41:28.240" v="1084" actId="26606"/>
-          <ac:spMkLst>
-            <pc:docMk/>
-            <pc:sldMk cId="0" sldId="262"/>
-            <ac:spMk id="71" creationId="{EC7FF834-B204-4967-8D47-8BB36EAF0EF5}"/>
-          </ac:spMkLst>
-        </pc:spChg>
-        <pc:spChg chg="add">
-          <ac:chgData name="Netanel Shalev" userId="9b1bf0c7-f5a5-4008-84b1-60774bebe1d6" providerId="ADAL" clId="{8133341F-6290-7B4E-9016-ECA25BBD24D6}" dt="2025-05-04T15:41:28.240" v="1084" actId="26606"/>
-          <ac:spMkLst>
-            <pc:docMk/>
-            <pc:sldMk cId="0" sldId="262"/>
-            <ac:spMk id="72" creationId="{F780A22D-61EA-43E3-BD94-3E39CF902160}"/>
-          </ac:spMkLst>
-        </pc:spChg>
-        <pc:graphicFrameChg chg="add mod modGraphic">
-          <ac:chgData name="Netanel Shalev" userId="9b1bf0c7-f5a5-4008-84b1-60774bebe1d6" providerId="ADAL" clId="{8133341F-6290-7B4E-9016-ECA25BBD24D6}" dt="2025-06-21T09:12:05.514" v="1725" actId="20577"/>
-          <ac:graphicFrameMkLst>
-            <pc:docMk/>
-            <pc:sldMk cId="0" sldId="262"/>
-            <ac:graphicFrameMk id="7" creationId="{9F97C90B-6E4F-8047-3FAF-937CC26DED7C}"/>
-          </ac:graphicFrameMkLst>
-        </pc:graphicFrameChg>
       </pc:sldChg>
       <pc:sldChg chg="addSp delSp modSp del mod setBg">
         <pc:chgData name="Netanel Shalev" userId="9b1bf0c7-f5a5-4008-84b1-60774bebe1d6" providerId="ADAL" clId="{8133341F-6290-7B4E-9016-ECA25BBD24D6}" dt="2025-05-04T16:51:35.397" v="1693" actId="2696"/>
@@ -463,46 +221,6 @@
           <pc:docMk/>
           <pc:sldMk cId="0" sldId="265"/>
         </pc:sldMkLst>
-        <pc:spChg chg="add del mod">
-          <ac:chgData name="Netanel Shalev" userId="9b1bf0c7-f5a5-4008-84b1-60774bebe1d6" providerId="ADAL" clId="{8133341F-6290-7B4E-9016-ECA25BBD24D6}" dt="2025-05-04T16:51:44.213" v="1696" actId="20577"/>
-          <ac:spMkLst>
-            <pc:docMk/>
-            <pc:sldMk cId="0" sldId="265"/>
-            <ac:spMk id="2" creationId="{1306C2C7-3E71-2D74-5CA8-A151C1D45543}"/>
-          </ac:spMkLst>
-        </pc:spChg>
-        <pc:spChg chg="add del mod">
-          <ac:chgData name="Netanel Shalev" userId="9b1bf0c7-f5a5-4008-84b1-60774bebe1d6" providerId="ADAL" clId="{8133341F-6290-7B4E-9016-ECA25BBD24D6}" dt="2025-05-04T14:22:12.062" v="237" actId="26606"/>
-          <ac:spMkLst>
-            <pc:docMk/>
-            <pc:sldMk cId="0" sldId="265"/>
-            <ac:spMk id="5" creationId="{01E6534F-95E4-BB7C-89C9-2E0187C60F9B}"/>
-          </ac:spMkLst>
-        </pc:spChg>
-        <pc:spChg chg="add">
-          <ac:chgData name="Netanel Shalev" userId="9b1bf0c7-f5a5-4008-84b1-60774bebe1d6" providerId="ADAL" clId="{8133341F-6290-7B4E-9016-ECA25BBD24D6}" dt="2025-05-04T16:38:42.698" v="1629" actId="26606"/>
-          <ac:spMkLst>
-            <pc:docMk/>
-            <pc:sldMk cId="0" sldId="265"/>
-            <ac:spMk id="17" creationId="{EC7FF834-B204-4967-8D47-8BB36EAF0EF5}"/>
-          </ac:spMkLst>
-        </pc:spChg>
-        <pc:spChg chg="add">
-          <ac:chgData name="Netanel Shalev" userId="9b1bf0c7-f5a5-4008-84b1-60774bebe1d6" providerId="ADAL" clId="{8133341F-6290-7B4E-9016-ECA25BBD24D6}" dt="2025-05-04T16:38:42.698" v="1629" actId="26606"/>
-          <ac:spMkLst>
-            <pc:docMk/>
-            <pc:sldMk cId="0" sldId="265"/>
-            <ac:spMk id="19" creationId="{F780A22D-61EA-43E3-BD94-3E39CF902160}"/>
-          </ac:spMkLst>
-        </pc:spChg>
-        <pc:picChg chg="add del mod">
-          <ac:chgData name="Netanel Shalev" userId="9b1bf0c7-f5a5-4008-84b1-60774bebe1d6" providerId="ADAL" clId="{8133341F-6290-7B4E-9016-ECA25BBD24D6}" dt="2025-05-04T16:38:58.105" v="1631" actId="1076"/>
-          <ac:picMkLst>
-            <pc:docMk/>
-            <pc:sldMk cId="0" sldId="265"/>
-            <ac:picMk id="3" creationId="{FD482C9B-55D4-B730-F4F2-BED8E3034F13}"/>
-          </ac:picMkLst>
-        </pc:picChg>
       </pc:sldChg>
       <pc:sldChg chg="addSp delSp modSp mod setBg">
         <pc:chgData name="Netanel Shalev" userId="9b1bf0c7-f5a5-4008-84b1-60774bebe1d6" providerId="ADAL" clId="{8133341F-6290-7B4E-9016-ECA25BBD24D6}" dt="2025-05-04T14:58:13.349" v="567" actId="20577"/>
@@ -510,54 +228,6 @@
           <pc:docMk/>
           <pc:sldMk cId="0" sldId="266"/>
         </pc:sldMkLst>
-        <pc:spChg chg="mod">
-          <ac:chgData name="Netanel Shalev" userId="9b1bf0c7-f5a5-4008-84b1-60774bebe1d6" providerId="ADAL" clId="{8133341F-6290-7B4E-9016-ECA25BBD24D6}" dt="2025-05-04T14:21:29.211" v="224" actId="26606"/>
-          <ac:spMkLst>
-            <pc:docMk/>
-            <pc:sldMk cId="0" sldId="266"/>
-            <ac:spMk id="2" creationId="{90E18AE8-6D73-6472-3DF4-39A72958CDBE}"/>
-          </ac:spMkLst>
-        </pc:spChg>
-        <pc:spChg chg="mod">
-          <ac:chgData name="Netanel Shalev" userId="9b1bf0c7-f5a5-4008-84b1-60774bebe1d6" providerId="ADAL" clId="{8133341F-6290-7B4E-9016-ECA25BBD24D6}" dt="2025-05-04T14:58:13.349" v="567" actId="20577"/>
-          <ac:spMkLst>
-            <pc:docMk/>
-            <pc:sldMk cId="0" sldId="266"/>
-            <ac:spMk id="3" creationId="{C3FCB837-9B16-DC07-DEAC-6E2965AA7223}"/>
-          </ac:spMkLst>
-        </pc:spChg>
-        <pc:spChg chg="mod">
-          <ac:chgData name="Netanel Shalev" userId="9b1bf0c7-f5a5-4008-84b1-60774bebe1d6" providerId="ADAL" clId="{8133341F-6290-7B4E-9016-ECA25BBD24D6}" dt="2025-05-04T14:21:29.211" v="224" actId="26606"/>
-          <ac:spMkLst>
-            <pc:docMk/>
-            <pc:sldMk cId="0" sldId="266"/>
-            <ac:spMk id="5" creationId="{45B7A3A7-DB09-A7BF-8C96-D7CAD690B17A}"/>
-          </ac:spMkLst>
-        </pc:spChg>
-        <pc:spChg chg="add">
-          <ac:chgData name="Netanel Shalev" userId="9b1bf0c7-f5a5-4008-84b1-60774bebe1d6" providerId="ADAL" clId="{8133341F-6290-7B4E-9016-ECA25BBD24D6}" dt="2025-05-04T14:21:29.211" v="224" actId="26606"/>
-          <ac:spMkLst>
-            <pc:docMk/>
-            <pc:sldMk cId="0" sldId="266"/>
-            <ac:spMk id="10" creationId="{C33976D1-3430-450C-A978-87A9A6E8E71F}"/>
-          </ac:spMkLst>
-        </pc:spChg>
-        <pc:spChg chg="add">
-          <ac:chgData name="Netanel Shalev" userId="9b1bf0c7-f5a5-4008-84b1-60774bebe1d6" providerId="ADAL" clId="{8133341F-6290-7B4E-9016-ECA25BBD24D6}" dt="2025-05-04T14:21:29.211" v="224" actId="26606"/>
-          <ac:spMkLst>
-            <pc:docMk/>
-            <pc:sldMk cId="0" sldId="266"/>
-            <ac:spMk id="12" creationId="{7D6AAC78-7D86-415A-ADC1-2B474807960C}"/>
-          </ac:spMkLst>
-        </pc:spChg>
-        <pc:spChg chg="add">
-          <ac:chgData name="Netanel Shalev" userId="9b1bf0c7-f5a5-4008-84b1-60774bebe1d6" providerId="ADAL" clId="{8133341F-6290-7B4E-9016-ECA25BBD24D6}" dt="2025-05-04T14:21:29.211" v="224" actId="26606"/>
-          <ac:spMkLst>
-            <pc:docMk/>
-            <pc:sldMk cId="0" sldId="266"/>
-            <ac:spMk id="14" creationId="{F2A658D9-F185-44F1-BA33-D50320D1D078}"/>
-          </ac:spMkLst>
-        </pc:spChg>
       </pc:sldChg>
       <pc:sldChg chg="addSp delSp modSp mod setBg addAnim delAnim">
         <pc:chgData name="Netanel Shalev" userId="9b1bf0c7-f5a5-4008-84b1-60774bebe1d6" providerId="ADAL" clId="{8133341F-6290-7B4E-9016-ECA25BBD24D6}" dt="2025-05-04T16:52:22.592" v="1700" actId="20577"/>
@@ -565,46 +235,6 @@
           <pc:docMk/>
           <pc:sldMk cId="0" sldId="268"/>
         </pc:sldMkLst>
-        <pc:spChg chg="mod">
-          <ac:chgData name="Netanel Shalev" userId="9b1bf0c7-f5a5-4008-84b1-60774bebe1d6" providerId="ADAL" clId="{8133341F-6290-7B4E-9016-ECA25BBD24D6}" dt="2025-05-04T16:52:22.592" v="1700" actId="20577"/>
-          <ac:spMkLst>
-            <pc:docMk/>
-            <pc:sldMk cId="0" sldId="268"/>
-            <ac:spMk id="2" creationId="{E9E40325-A58F-BCBC-A633-AD6F2DDF9EC6}"/>
-          </ac:spMkLst>
-        </pc:spChg>
-        <pc:spChg chg="mod">
-          <ac:chgData name="Netanel Shalev" userId="9b1bf0c7-f5a5-4008-84b1-60774bebe1d6" providerId="ADAL" clId="{8133341F-6290-7B4E-9016-ECA25BBD24D6}" dt="2025-05-04T15:28:38.032" v="1006" actId="26606"/>
-          <ac:spMkLst>
-            <pc:docMk/>
-            <pc:sldMk cId="0" sldId="268"/>
-            <ac:spMk id="6" creationId="{9113F29C-5755-D9E6-A7F5-57A078AEA9BA}"/>
-          </ac:spMkLst>
-        </pc:spChg>
-        <pc:spChg chg="add">
-          <ac:chgData name="Netanel Shalev" userId="9b1bf0c7-f5a5-4008-84b1-60774bebe1d6" providerId="ADAL" clId="{8133341F-6290-7B4E-9016-ECA25BBD24D6}" dt="2025-05-04T15:28:38.032" v="1006" actId="26606"/>
-          <ac:spMkLst>
-            <pc:docMk/>
-            <pc:sldMk cId="0" sldId="268"/>
-            <ac:spMk id="15" creationId="{419501C6-F015-4273-AF88-E0F6C853899F}"/>
-          </ac:spMkLst>
-        </pc:spChg>
-        <pc:spChg chg="add">
-          <ac:chgData name="Netanel Shalev" userId="9b1bf0c7-f5a5-4008-84b1-60774bebe1d6" providerId="ADAL" clId="{8133341F-6290-7B4E-9016-ECA25BBD24D6}" dt="2025-05-04T15:28:38.032" v="1006" actId="26606"/>
-          <ac:spMkLst>
-            <pc:docMk/>
-            <pc:sldMk cId="0" sldId="268"/>
-            <ac:spMk id="16" creationId="{CA677DB7-5829-45BD-9754-5EC484CC4253}"/>
-          </ac:spMkLst>
-        </pc:spChg>
-        <pc:picChg chg="mod ord">
-          <ac:chgData name="Netanel Shalev" userId="9b1bf0c7-f5a5-4008-84b1-60774bebe1d6" providerId="ADAL" clId="{8133341F-6290-7B4E-9016-ECA25BBD24D6}" dt="2025-05-04T16:39:31.346" v="1636" actId="14100"/>
-          <ac:picMkLst>
-            <pc:docMk/>
-            <pc:sldMk cId="0" sldId="268"/>
-            <ac:picMk id="3" creationId="{4833D772-E807-2029-AEC3-E8844D001840}"/>
-          </ac:picMkLst>
-        </pc:picChg>
       </pc:sldChg>
       <pc:sldChg chg="addSp delSp modSp mod setBg setClrOvrMap">
         <pc:chgData name="Netanel Shalev" userId="9b1bf0c7-f5a5-4008-84b1-60774bebe1d6" providerId="ADAL" clId="{8133341F-6290-7B4E-9016-ECA25BBD24D6}" dt="2025-05-04T14:23:03.762" v="252" actId="120"/>
@@ -619,30 +249,6 @@
           <pc:docMk/>
           <pc:sldMk cId="3133414758" sldId="270"/>
         </pc:sldMkLst>
-        <pc:spChg chg="mod">
-          <ac:chgData name="Netanel Shalev" userId="9b1bf0c7-f5a5-4008-84b1-60774bebe1d6" providerId="ADAL" clId="{8133341F-6290-7B4E-9016-ECA25BBD24D6}" dt="2025-05-04T15:36:12.786" v="1035" actId="20577"/>
-          <ac:spMkLst>
-            <pc:docMk/>
-            <pc:sldMk cId="3133414758" sldId="270"/>
-            <ac:spMk id="2" creationId="{54B3FE18-5A61-44A7-A0AE-BA39F508EF1E}"/>
-          </ac:spMkLst>
-        </pc:spChg>
-        <pc:spChg chg="mod">
-          <ac:chgData name="Netanel Shalev" userId="9b1bf0c7-f5a5-4008-84b1-60774bebe1d6" providerId="ADAL" clId="{8133341F-6290-7B4E-9016-ECA25BBD24D6}" dt="2025-05-04T16:54:51.235" v="1715" actId="207"/>
-          <ac:spMkLst>
-            <pc:docMk/>
-            <pc:sldMk cId="3133414758" sldId="270"/>
-            <ac:spMk id="3" creationId="{6A241429-76EA-41DF-B69D-FDFD0C64DB15}"/>
-          </ac:spMkLst>
-        </pc:spChg>
-        <pc:picChg chg="add mod">
-          <ac:chgData name="Netanel Shalev" userId="9b1bf0c7-f5a5-4008-84b1-60774bebe1d6" providerId="ADAL" clId="{8133341F-6290-7B4E-9016-ECA25BBD24D6}" dt="2025-05-04T16:42:49.059" v="1643" actId="1076"/>
-          <ac:picMkLst>
-            <pc:docMk/>
-            <pc:sldMk cId="3133414758" sldId="270"/>
-            <ac:picMk id="1026" creationId="{71739CFF-A21F-5691-0413-97E863C01B4A}"/>
-          </ac:picMkLst>
-        </pc:picChg>
       </pc:sldChg>
       <pc:sldChg chg="delSp modSp add del mod setBg delDesignElem">
         <pc:chgData name="Netanel Shalev" userId="9b1bf0c7-f5a5-4008-84b1-60774bebe1d6" providerId="ADAL" clId="{8133341F-6290-7B4E-9016-ECA25BBD24D6}" dt="2025-05-04T14:48:39.150" v="393" actId="2696"/>
@@ -657,14 +263,6 @@
           <pc:docMk/>
           <pc:sldMk cId="2217631342" sldId="271"/>
         </pc:sldMkLst>
-        <pc:spChg chg="mod">
-          <ac:chgData name="Netanel Shalev" userId="9b1bf0c7-f5a5-4008-84b1-60774bebe1d6" providerId="ADAL" clId="{8133341F-6290-7B4E-9016-ECA25BBD24D6}" dt="2025-05-04T15:22:41.776" v="964" actId="20577"/>
-          <ac:spMkLst>
-            <pc:docMk/>
-            <pc:sldMk cId="2217631342" sldId="271"/>
-            <ac:spMk id="3" creationId="{878044EA-BC7A-B11E-3FFA-B9BBDE0EC180}"/>
-          </ac:spMkLst>
-        </pc:spChg>
       </pc:sldChg>
       <pc:sldChg chg="modSp mod">
         <pc:chgData name="Netanel Shalev" userId="9b1bf0c7-f5a5-4008-84b1-60774bebe1d6" providerId="ADAL" clId="{8133341F-6290-7B4E-9016-ECA25BBD24D6}" dt="2025-05-04T15:33:26.360" v="1018" actId="20577"/>
@@ -672,22 +270,6 @@
           <pc:docMk/>
           <pc:sldMk cId="3973754772" sldId="272"/>
         </pc:sldMkLst>
-        <pc:spChg chg="mod">
-          <ac:chgData name="Netanel Shalev" userId="9b1bf0c7-f5a5-4008-84b1-60774bebe1d6" providerId="ADAL" clId="{8133341F-6290-7B4E-9016-ECA25BBD24D6}" dt="2025-05-04T15:33:26.360" v="1018" actId="20577"/>
-          <ac:spMkLst>
-            <pc:docMk/>
-            <pc:sldMk cId="3973754772" sldId="272"/>
-            <ac:spMk id="2" creationId="{F49500CB-2E89-AB02-9B9B-53AD70779EAD}"/>
-          </ac:spMkLst>
-        </pc:spChg>
-        <pc:spChg chg="mod">
-          <ac:chgData name="Netanel Shalev" userId="9b1bf0c7-f5a5-4008-84b1-60774bebe1d6" providerId="ADAL" clId="{8133341F-6290-7B4E-9016-ECA25BBD24D6}" dt="2025-05-04T15:15:24.883" v="894" actId="20577"/>
-          <ac:spMkLst>
-            <pc:docMk/>
-            <pc:sldMk cId="3973754772" sldId="272"/>
-            <ac:spMk id="3" creationId="{EE2BC746-88D6-9062-6E89-4818A87D82E9}"/>
-          </ac:spMkLst>
-        </pc:spChg>
       </pc:sldChg>
       <pc:sldChg chg="addSp delSp modSp mod">
         <pc:chgData name="Netanel Shalev" userId="9b1bf0c7-f5a5-4008-84b1-60774bebe1d6" providerId="ADAL" clId="{8133341F-6290-7B4E-9016-ECA25BBD24D6}" dt="2025-05-04T16:50:51.233" v="1692" actId="27636"/>
@@ -695,46 +277,6 @@
           <pc:docMk/>
           <pc:sldMk cId="3657300934" sldId="273"/>
         </pc:sldMkLst>
-        <pc:spChg chg="mod">
-          <ac:chgData name="Netanel Shalev" userId="9b1bf0c7-f5a5-4008-84b1-60774bebe1d6" providerId="ADAL" clId="{8133341F-6290-7B4E-9016-ECA25BBD24D6}" dt="2025-05-04T16:37:18.850" v="1624" actId="14100"/>
-          <ac:spMkLst>
-            <pc:docMk/>
-            <pc:sldMk cId="3657300934" sldId="273"/>
-            <ac:spMk id="2" creationId="{F7ABECFD-EAC7-88F0-EC38-2B5B8E826E53}"/>
-          </ac:spMkLst>
-        </pc:spChg>
-        <pc:spChg chg="mod">
-          <ac:chgData name="Netanel Shalev" userId="9b1bf0c7-f5a5-4008-84b1-60774bebe1d6" providerId="ADAL" clId="{8133341F-6290-7B4E-9016-ECA25BBD24D6}" dt="2025-05-04T16:50:51.233" v="1692" actId="27636"/>
-          <ac:spMkLst>
-            <pc:docMk/>
-            <pc:sldMk cId="3657300934" sldId="273"/>
-            <ac:spMk id="3" creationId="{9E20C4AF-B240-A5B5-11D5-2B576F84B533}"/>
-          </ac:spMkLst>
-        </pc:spChg>
-        <pc:spChg chg="mod">
-          <ac:chgData name="Netanel Shalev" userId="9b1bf0c7-f5a5-4008-84b1-60774bebe1d6" providerId="ADAL" clId="{8133341F-6290-7B4E-9016-ECA25BBD24D6}" dt="2025-05-04T16:49:35.517" v="1688" actId="1076"/>
-          <ac:spMkLst>
-            <pc:docMk/>
-            <pc:sldMk cId="3657300934" sldId="273"/>
-            <ac:spMk id="5" creationId="{8E3AD30C-14D7-9EB5-05E4-EB4546EA324D}"/>
-          </ac:spMkLst>
-        </pc:spChg>
-        <pc:spChg chg="mod">
-          <ac:chgData name="Netanel Shalev" userId="9b1bf0c7-f5a5-4008-84b1-60774bebe1d6" providerId="ADAL" clId="{8133341F-6290-7B4E-9016-ECA25BBD24D6}" dt="2025-05-04T15:27:35.150" v="1000" actId="120"/>
-          <ac:spMkLst>
-            <pc:docMk/>
-            <pc:sldMk cId="3657300934" sldId="273"/>
-            <ac:spMk id="6" creationId="{C43A5A60-C97A-ADBA-99E8-83118C12C95E}"/>
-          </ac:spMkLst>
-        </pc:spChg>
-        <pc:cxnChg chg="add mod">
-          <ac:chgData name="Netanel Shalev" userId="9b1bf0c7-f5a5-4008-84b1-60774bebe1d6" providerId="ADAL" clId="{8133341F-6290-7B4E-9016-ECA25BBD24D6}" dt="2025-05-04T16:50:32.375" v="1690" actId="1582"/>
-          <ac:cxnSpMkLst>
-            <pc:docMk/>
-            <pc:sldMk cId="3657300934" sldId="273"/>
-            <ac:cxnSpMk id="9" creationId="{4FAA69FD-B641-DFCF-1A0F-36BE3A51188A}"/>
-          </ac:cxnSpMkLst>
-        </pc:cxnChg>
       </pc:sldChg>
       <pc:sldChg chg="del">
         <pc:chgData name="Netanel Shalev" userId="9b1bf0c7-f5a5-4008-84b1-60774bebe1d6" providerId="ADAL" clId="{8133341F-6290-7B4E-9016-ECA25BBD24D6}" dt="2025-05-04T15:28:06.848" v="1002" actId="2696"/>
@@ -749,14 +291,6 @@
           <pc:docMk/>
           <pc:sldMk cId="2252319024" sldId="274"/>
         </pc:sldMkLst>
-        <pc:spChg chg="mod">
-          <ac:chgData name="Netanel Shalev" userId="9b1bf0c7-f5a5-4008-84b1-60774bebe1d6" providerId="ADAL" clId="{8133341F-6290-7B4E-9016-ECA25BBD24D6}" dt="2025-05-04T16:29:48.976" v="1560" actId="20577"/>
-          <ac:spMkLst>
-            <pc:docMk/>
-            <pc:sldMk cId="2252319024" sldId="274"/>
-            <ac:spMk id="3" creationId="{66AA3FB9-0367-E211-0A49-B7E7F4135A56}"/>
-          </ac:spMkLst>
-        </pc:spChg>
       </pc:sldChg>
       <pc:sldChg chg="addSp modSp mod setBg">
         <pc:chgData name="Netanel Shalev" userId="9b1bf0c7-f5a5-4008-84b1-60774bebe1d6" providerId="ADAL" clId="{8133341F-6290-7B4E-9016-ECA25BBD24D6}" dt="2025-06-22T13:43:22.011" v="1727" actId="20577"/>
@@ -764,46 +298,6 @@
           <pc:docMk/>
           <pc:sldMk cId="4006848402" sldId="275"/>
         </pc:sldMkLst>
-        <pc:spChg chg="mod">
-          <ac:chgData name="Netanel Shalev" userId="9b1bf0c7-f5a5-4008-84b1-60774bebe1d6" providerId="ADAL" clId="{8133341F-6290-7B4E-9016-ECA25BBD24D6}" dt="2025-05-04T16:27:04.182" v="1497" actId="20577"/>
-          <ac:spMkLst>
-            <pc:docMk/>
-            <pc:sldMk cId="4006848402" sldId="275"/>
-            <ac:spMk id="2" creationId="{44780974-1A81-BC49-9427-1C0572B988AF}"/>
-          </ac:spMkLst>
-        </pc:spChg>
-        <pc:spChg chg="mod">
-          <ac:chgData name="Netanel Shalev" userId="9b1bf0c7-f5a5-4008-84b1-60774bebe1d6" providerId="ADAL" clId="{8133341F-6290-7B4E-9016-ECA25BBD24D6}" dt="2025-06-22T13:43:22.011" v="1727" actId="20577"/>
-          <ac:spMkLst>
-            <pc:docMk/>
-            <pc:sldMk cId="4006848402" sldId="275"/>
-            <ac:spMk id="3" creationId="{2E16637A-B2E8-FB7A-D32B-B09709F275D6}"/>
-          </ac:spMkLst>
-        </pc:spChg>
-        <pc:spChg chg="add">
-          <ac:chgData name="Netanel Shalev" userId="9b1bf0c7-f5a5-4008-84b1-60774bebe1d6" providerId="ADAL" clId="{8133341F-6290-7B4E-9016-ECA25BBD24D6}" dt="2025-05-04T16:26:48.911" v="1495" actId="26606"/>
-          <ac:spMkLst>
-            <pc:docMk/>
-            <pc:sldMk cId="4006848402" sldId="275"/>
-            <ac:spMk id="8" creationId="{C33976D1-3430-450C-A978-87A9A6E8E71F}"/>
-          </ac:spMkLst>
-        </pc:spChg>
-        <pc:spChg chg="add">
-          <ac:chgData name="Netanel Shalev" userId="9b1bf0c7-f5a5-4008-84b1-60774bebe1d6" providerId="ADAL" clId="{8133341F-6290-7B4E-9016-ECA25BBD24D6}" dt="2025-05-04T16:26:48.911" v="1495" actId="26606"/>
-          <ac:spMkLst>
-            <pc:docMk/>
-            <pc:sldMk cId="4006848402" sldId="275"/>
-            <ac:spMk id="10" creationId="{7D6AAC78-7D86-415A-ADC1-2B474807960C}"/>
-          </ac:spMkLst>
-        </pc:spChg>
-        <pc:spChg chg="add">
-          <ac:chgData name="Netanel Shalev" userId="9b1bf0c7-f5a5-4008-84b1-60774bebe1d6" providerId="ADAL" clId="{8133341F-6290-7B4E-9016-ECA25BBD24D6}" dt="2025-05-04T16:26:48.911" v="1495" actId="26606"/>
-          <ac:spMkLst>
-            <pc:docMk/>
-            <pc:sldMk cId="4006848402" sldId="275"/>
-            <ac:spMk id="12" creationId="{F2A658D9-F185-44F1-BA33-D50320D1D078}"/>
-          </ac:spMkLst>
-        </pc:spChg>
       </pc:sldChg>
       <pc:sldChg chg="addSp modSp mod setBg">
         <pc:chgData name="Netanel Shalev" userId="9b1bf0c7-f5a5-4008-84b1-60774bebe1d6" providerId="ADAL" clId="{8133341F-6290-7B4E-9016-ECA25BBD24D6}" dt="2025-05-04T16:27:49.100" v="1503" actId="782"/>
@@ -811,46 +305,6 @@
           <pc:docMk/>
           <pc:sldMk cId="1835450716" sldId="276"/>
         </pc:sldMkLst>
-        <pc:spChg chg="mod">
-          <ac:chgData name="Netanel Shalev" userId="9b1bf0c7-f5a5-4008-84b1-60774bebe1d6" providerId="ADAL" clId="{8133341F-6290-7B4E-9016-ECA25BBD24D6}" dt="2025-05-04T16:27:42.095" v="1502" actId="26606"/>
-          <ac:spMkLst>
-            <pc:docMk/>
-            <pc:sldMk cId="1835450716" sldId="276"/>
-            <ac:spMk id="2" creationId="{B6106E51-E181-DB26-DB6A-60F912CDBF49}"/>
-          </ac:spMkLst>
-        </pc:spChg>
-        <pc:spChg chg="mod">
-          <ac:chgData name="Netanel Shalev" userId="9b1bf0c7-f5a5-4008-84b1-60774bebe1d6" providerId="ADAL" clId="{8133341F-6290-7B4E-9016-ECA25BBD24D6}" dt="2025-05-04T16:27:49.100" v="1503" actId="782"/>
-          <ac:spMkLst>
-            <pc:docMk/>
-            <pc:sldMk cId="1835450716" sldId="276"/>
-            <ac:spMk id="3" creationId="{D7CF80CC-082A-3CE2-688E-2F310027FD71}"/>
-          </ac:spMkLst>
-        </pc:spChg>
-        <pc:spChg chg="add">
-          <ac:chgData name="Netanel Shalev" userId="9b1bf0c7-f5a5-4008-84b1-60774bebe1d6" providerId="ADAL" clId="{8133341F-6290-7B4E-9016-ECA25BBD24D6}" dt="2025-05-04T16:27:42.095" v="1502" actId="26606"/>
-          <ac:spMkLst>
-            <pc:docMk/>
-            <pc:sldMk cId="1835450716" sldId="276"/>
-            <ac:spMk id="8" creationId="{C33976D1-3430-450C-A978-87A9A6E8E71F}"/>
-          </ac:spMkLst>
-        </pc:spChg>
-        <pc:spChg chg="add">
-          <ac:chgData name="Netanel Shalev" userId="9b1bf0c7-f5a5-4008-84b1-60774bebe1d6" providerId="ADAL" clId="{8133341F-6290-7B4E-9016-ECA25BBD24D6}" dt="2025-05-04T16:27:42.095" v="1502" actId="26606"/>
-          <ac:spMkLst>
-            <pc:docMk/>
-            <pc:sldMk cId="1835450716" sldId="276"/>
-            <ac:spMk id="10" creationId="{7D6AAC78-7D86-415A-ADC1-2B474807960C}"/>
-          </ac:spMkLst>
-        </pc:spChg>
-        <pc:spChg chg="add">
-          <ac:chgData name="Netanel Shalev" userId="9b1bf0c7-f5a5-4008-84b1-60774bebe1d6" providerId="ADAL" clId="{8133341F-6290-7B4E-9016-ECA25BBD24D6}" dt="2025-05-04T16:27:42.095" v="1502" actId="26606"/>
-          <ac:spMkLst>
-            <pc:docMk/>
-            <pc:sldMk cId="1835450716" sldId="276"/>
-            <ac:spMk id="12" creationId="{F2A658D9-F185-44F1-BA33-D50320D1D078}"/>
-          </ac:spMkLst>
-        </pc:spChg>
       </pc:sldChg>
       <pc:sldChg chg="addSp modSp mod setBg">
         <pc:chgData name="Netanel Shalev" userId="9b1bf0c7-f5a5-4008-84b1-60774bebe1d6" providerId="ADAL" clId="{8133341F-6290-7B4E-9016-ECA25BBD24D6}" dt="2025-06-22T13:44:01.323" v="1728" actId="20577"/>
@@ -858,46 +312,6 @@
           <pc:docMk/>
           <pc:sldMk cId="1440365378" sldId="277"/>
         </pc:sldMkLst>
-        <pc:spChg chg="mod">
-          <ac:chgData name="Netanel Shalev" userId="9b1bf0c7-f5a5-4008-84b1-60774bebe1d6" providerId="ADAL" clId="{8133341F-6290-7B4E-9016-ECA25BBD24D6}" dt="2025-05-04T16:28:23.962" v="1506" actId="26606"/>
-          <ac:spMkLst>
-            <pc:docMk/>
-            <pc:sldMk cId="1440365378" sldId="277"/>
-            <ac:spMk id="2" creationId="{8772D4B7-2BD9-120C-C13A-C301153E1E69}"/>
-          </ac:spMkLst>
-        </pc:spChg>
-        <pc:spChg chg="mod">
-          <ac:chgData name="Netanel Shalev" userId="9b1bf0c7-f5a5-4008-84b1-60774bebe1d6" providerId="ADAL" clId="{8133341F-6290-7B4E-9016-ECA25BBD24D6}" dt="2025-06-22T13:44:01.323" v="1728" actId="20577"/>
-          <ac:spMkLst>
-            <pc:docMk/>
-            <pc:sldMk cId="1440365378" sldId="277"/>
-            <ac:spMk id="3" creationId="{CD76FE49-685C-C821-9FF2-BC8EE6607C20}"/>
-          </ac:spMkLst>
-        </pc:spChg>
-        <pc:spChg chg="add">
-          <ac:chgData name="Netanel Shalev" userId="9b1bf0c7-f5a5-4008-84b1-60774bebe1d6" providerId="ADAL" clId="{8133341F-6290-7B4E-9016-ECA25BBD24D6}" dt="2025-05-04T16:28:23.962" v="1506" actId="26606"/>
-          <ac:spMkLst>
-            <pc:docMk/>
-            <pc:sldMk cId="1440365378" sldId="277"/>
-            <ac:spMk id="8" creationId="{C33976D1-3430-450C-A978-87A9A6E8E71F}"/>
-          </ac:spMkLst>
-        </pc:spChg>
-        <pc:spChg chg="add">
-          <ac:chgData name="Netanel Shalev" userId="9b1bf0c7-f5a5-4008-84b1-60774bebe1d6" providerId="ADAL" clId="{8133341F-6290-7B4E-9016-ECA25BBD24D6}" dt="2025-05-04T16:28:23.962" v="1506" actId="26606"/>
-          <ac:spMkLst>
-            <pc:docMk/>
-            <pc:sldMk cId="1440365378" sldId="277"/>
-            <ac:spMk id="10" creationId="{7D6AAC78-7D86-415A-ADC1-2B474807960C}"/>
-          </ac:spMkLst>
-        </pc:spChg>
-        <pc:spChg chg="add">
-          <ac:chgData name="Netanel Shalev" userId="9b1bf0c7-f5a5-4008-84b1-60774bebe1d6" providerId="ADAL" clId="{8133341F-6290-7B4E-9016-ECA25BBD24D6}" dt="2025-05-04T16:28:23.962" v="1506" actId="26606"/>
-          <ac:spMkLst>
-            <pc:docMk/>
-            <pc:sldMk cId="1440365378" sldId="277"/>
-            <ac:spMk id="12" creationId="{F2A658D9-F185-44F1-BA33-D50320D1D078}"/>
-          </ac:spMkLst>
-        </pc:spChg>
       </pc:sldChg>
       <pc:sldChg chg="addSp delSp modSp add mod">
         <pc:chgData name="Netanel Shalev" userId="9b1bf0c7-f5a5-4008-84b1-60774bebe1d6" providerId="ADAL" clId="{8133341F-6290-7B4E-9016-ECA25BBD24D6}" dt="2025-06-22T13:55:34.755" v="1804" actId="20577"/>
@@ -905,22 +319,6 @@
           <pc:docMk/>
           <pc:sldMk cId="223075621" sldId="278"/>
         </pc:sldMkLst>
-        <pc:spChg chg="mod">
-          <ac:chgData name="Netanel Shalev" userId="9b1bf0c7-f5a5-4008-84b1-60774bebe1d6" providerId="ADAL" clId="{8133341F-6290-7B4E-9016-ECA25BBD24D6}" dt="2025-06-22T13:44:42.239" v="1752" actId="20577"/>
-          <ac:spMkLst>
-            <pc:docMk/>
-            <pc:sldMk cId="223075621" sldId="278"/>
-            <ac:spMk id="2" creationId="{75180A5B-E8A8-4F99-D18F-E555C08EF44D}"/>
-          </ac:spMkLst>
-        </pc:spChg>
-        <pc:spChg chg="mod">
-          <ac:chgData name="Netanel Shalev" userId="9b1bf0c7-f5a5-4008-84b1-60774bebe1d6" providerId="ADAL" clId="{8133341F-6290-7B4E-9016-ECA25BBD24D6}" dt="2025-06-22T13:55:34.755" v="1804" actId="20577"/>
-          <ac:spMkLst>
-            <pc:docMk/>
-            <pc:sldMk cId="223075621" sldId="278"/>
-            <ac:spMk id="3" creationId="{942997A5-7027-5DB5-69D7-A6F9B596142F}"/>
-          </ac:spMkLst>
-        </pc:spChg>
       </pc:sldChg>
       <pc:sldChg chg="addSp delSp add del setBg delDesignElem">
         <pc:chgData name="Netanel Shalev" userId="9b1bf0c7-f5a5-4008-84b1-60774bebe1d6" providerId="ADAL" clId="{8133341F-6290-7B4E-9016-ECA25BBD24D6}" dt="2025-06-22T13:44:23.291" v="1733"/>
@@ -937,33 +335,17 @@
         </pc:sldMkLst>
       </pc:sldChg>
       <pc:sldChg chg="addSp delSp modSp add mod">
-        <pc:chgData name="Netanel Shalev" userId="9b1bf0c7-f5a5-4008-84b1-60774bebe1d6" providerId="ADAL" clId="{8133341F-6290-7B4E-9016-ECA25BBD24D6}" dt="2025-07-06T14:25:57.812" v="2419" actId="14100"/>
+        <pc:chgData name="Netanel Shalev" userId="9b1bf0c7-f5a5-4008-84b1-60774bebe1d6" providerId="ADAL" clId="{8133341F-6290-7B4E-9016-ECA25BBD24D6}" dt="2025-07-07T10:41:56.918" v="3582" actId="14100"/>
         <pc:sldMkLst>
           <pc:docMk/>
           <pc:sldMk cId="1905198450" sldId="279"/>
         </pc:sldMkLst>
-        <pc:spChg chg="mod">
-          <ac:chgData name="Netanel Shalev" userId="9b1bf0c7-f5a5-4008-84b1-60774bebe1d6" providerId="ADAL" clId="{8133341F-6290-7B4E-9016-ECA25BBD24D6}" dt="2025-06-22T14:23:59.066" v="2095" actId="20577"/>
-          <ac:spMkLst>
-            <pc:docMk/>
-            <pc:sldMk cId="1905198450" sldId="279"/>
-            <ac:spMk id="2" creationId="{52B477B3-4BEA-B508-EEA2-1D183B86B929}"/>
-          </ac:spMkLst>
-        </pc:spChg>
         <pc:picChg chg="add mod">
-          <ac:chgData name="Netanel Shalev" userId="9b1bf0c7-f5a5-4008-84b1-60774bebe1d6" providerId="ADAL" clId="{8133341F-6290-7B4E-9016-ECA25BBD24D6}" dt="2025-07-06T14:25:57.812" v="2419" actId="14100"/>
+          <ac:chgData name="Netanel Shalev" userId="9b1bf0c7-f5a5-4008-84b1-60774bebe1d6" providerId="ADAL" clId="{8133341F-6290-7B4E-9016-ECA25BBD24D6}" dt="2025-07-07T10:41:56.918" v="3582" actId="14100"/>
           <ac:picMkLst>
             <pc:docMk/>
             <pc:sldMk cId="1905198450" sldId="279"/>
-            <ac:picMk id="3" creationId="{FDC6F5BE-5717-1EA9-0707-AC35707E46BB}"/>
-          </ac:picMkLst>
-        </pc:picChg>
-        <pc:picChg chg="del mod">
-          <ac:chgData name="Netanel Shalev" userId="9b1bf0c7-f5a5-4008-84b1-60774bebe1d6" providerId="ADAL" clId="{8133341F-6290-7B4E-9016-ECA25BBD24D6}" dt="2025-07-06T14:23:48.360" v="2415" actId="478"/>
-          <ac:picMkLst>
-            <pc:docMk/>
-            <pc:sldMk cId="1905198450" sldId="279"/>
-            <ac:picMk id="4" creationId="{A3EB8EF7-74F8-1EC8-AFD4-4C264D9D7F91}"/>
+            <ac:picMk id="5" creationId="{EAC03C5B-2599-DED1-5A08-29AF55BF2E81}"/>
           </ac:picMkLst>
         </pc:picChg>
       </pc:sldChg>
@@ -973,44 +355,12 @@
           <pc:docMk/>
           <pc:sldMk cId="261594163" sldId="280"/>
         </pc:sldMkLst>
-        <pc:spChg chg="mod">
-          <ac:chgData name="Netanel Shalev" userId="9b1bf0c7-f5a5-4008-84b1-60774bebe1d6" providerId="ADAL" clId="{8133341F-6290-7B4E-9016-ECA25BBD24D6}" dt="2025-06-22T14:04:34.472" v="1851" actId="26606"/>
-          <ac:spMkLst>
-            <pc:docMk/>
-            <pc:sldMk cId="261594163" sldId="280"/>
-            <ac:spMk id="2" creationId="{E2BB5889-28CF-F2EB-1029-06FAAE72819E}"/>
-          </ac:spMkLst>
-        </pc:spChg>
-        <pc:spChg chg="add">
-          <ac:chgData name="Netanel Shalev" userId="9b1bf0c7-f5a5-4008-84b1-60774bebe1d6" providerId="ADAL" clId="{8133341F-6290-7B4E-9016-ECA25BBD24D6}" dt="2025-06-22T14:04:34.472" v="1851" actId="26606"/>
-          <ac:spMkLst>
-            <pc:docMk/>
-            <pc:sldMk cId="261594163" sldId="280"/>
-            <ac:spMk id="17" creationId="{419501C6-F015-4273-AF88-E0F6C853899F}"/>
-          </ac:spMkLst>
-        </pc:spChg>
-        <pc:spChg chg="add">
-          <ac:chgData name="Netanel Shalev" userId="9b1bf0c7-f5a5-4008-84b1-60774bebe1d6" providerId="ADAL" clId="{8133341F-6290-7B4E-9016-ECA25BBD24D6}" dt="2025-06-22T14:04:34.472" v="1851" actId="26606"/>
-          <ac:spMkLst>
-            <pc:docMk/>
-            <pc:sldMk cId="261594163" sldId="280"/>
-            <ac:spMk id="19" creationId="{CA677DB7-5829-45BD-9754-5EC484CC4253}"/>
-          </ac:spMkLst>
-        </pc:spChg>
         <pc:picChg chg="add mod">
           <ac:chgData name="Netanel Shalev" userId="9b1bf0c7-f5a5-4008-84b1-60774bebe1d6" providerId="ADAL" clId="{8133341F-6290-7B4E-9016-ECA25BBD24D6}" dt="2025-07-06T14:09:52.868" v="2350" actId="1076"/>
           <ac:picMkLst>
             <pc:docMk/>
             <pc:sldMk cId="261594163" sldId="280"/>
             <ac:picMk id="3" creationId="{E683C9A1-A2DF-FE10-2427-76C4B011C38B}"/>
-          </ac:picMkLst>
-        </pc:picChg>
-        <pc:picChg chg="add del mod">
-          <ac:chgData name="Netanel Shalev" userId="9b1bf0c7-f5a5-4008-84b1-60774bebe1d6" providerId="ADAL" clId="{8133341F-6290-7B4E-9016-ECA25BBD24D6}" dt="2025-07-06T14:09:21.572" v="2344" actId="478"/>
-          <ac:picMkLst>
-            <pc:docMk/>
-            <pc:sldMk cId="261594163" sldId="280"/>
-            <ac:picMk id="6" creationId="{3B5BC6ED-ABAD-4184-D3C6-2BCD9C3C17AC}"/>
           </ac:picMkLst>
         </pc:picChg>
       </pc:sldChg>
@@ -1020,22 +370,6 @@
           <pc:docMk/>
           <pc:sldMk cId="1436251023" sldId="281"/>
         </pc:sldMkLst>
-        <pc:spChg chg="mod">
-          <ac:chgData name="Netanel Shalev" userId="9b1bf0c7-f5a5-4008-84b1-60774bebe1d6" providerId="ADAL" clId="{8133341F-6290-7B4E-9016-ECA25BBD24D6}" dt="2025-06-22T14:18:32.284" v="1896" actId="14100"/>
-          <ac:spMkLst>
-            <pc:docMk/>
-            <pc:sldMk cId="1436251023" sldId="281"/>
-            <ac:spMk id="2" creationId="{291D6E55-9FDE-C170-3B1A-ADC60304B568}"/>
-          </ac:spMkLst>
-        </pc:spChg>
-        <pc:spChg chg="mod">
-          <ac:chgData name="Netanel Shalev" userId="9b1bf0c7-f5a5-4008-84b1-60774bebe1d6" providerId="ADAL" clId="{8133341F-6290-7B4E-9016-ECA25BBD24D6}" dt="2025-06-22T14:20:04.199" v="1929" actId="27636"/>
-          <ac:spMkLst>
-            <pc:docMk/>
-            <pc:sldMk cId="1436251023" sldId="281"/>
-            <ac:spMk id="3" creationId="{330F8D8F-3BDC-472B-DB5E-8FFC5F699B68}"/>
-          </ac:spMkLst>
-        </pc:spChg>
       </pc:sldChg>
       <pc:sldChg chg="modSp add mod">
         <pc:chgData name="Netanel Shalev" userId="9b1bf0c7-f5a5-4008-84b1-60774bebe1d6" providerId="ADAL" clId="{8133341F-6290-7B4E-9016-ECA25BBD24D6}" dt="2025-07-06T14:23:41.467" v="2414" actId="20577"/>
@@ -1053,13 +387,13 @@
         </pc:spChg>
       </pc:sldChg>
       <pc:sldChg chg="modSp add mod">
-        <pc:chgData name="Netanel Shalev" userId="9b1bf0c7-f5a5-4008-84b1-60774bebe1d6" providerId="ADAL" clId="{8133341F-6290-7B4E-9016-ECA25BBD24D6}" dt="2025-07-06T14:30:04.176" v="2426" actId="20577"/>
+        <pc:chgData name="Netanel Shalev" userId="9b1bf0c7-f5a5-4008-84b1-60774bebe1d6" providerId="ADAL" clId="{8133341F-6290-7B4E-9016-ECA25BBD24D6}" dt="2025-07-07T10:46:13.425" v="3787" actId="20577"/>
         <pc:sldMkLst>
           <pc:docMk/>
           <pc:sldMk cId="828613008" sldId="283"/>
         </pc:sldMkLst>
         <pc:spChg chg="mod">
-          <ac:chgData name="Netanel Shalev" userId="9b1bf0c7-f5a5-4008-84b1-60774bebe1d6" providerId="ADAL" clId="{8133341F-6290-7B4E-9016-ECA25BBD24D6}" dt="2025-06-22T14:25:10.064" v="2125" actId="14100"/>
+          <ac:chgData name="Netanel Shalev" userId="9b1bf0c7-f5a5-4008-84b1-60774bebe1d6" providerId="ADAL" clId="{8133341F-6290-7B4E-9016-ECA25BBD24D6}" dt="2025-07-06T15:36:43.550" v="2451" actId="20577"/>
           <ac:spMkLst>
             <pc:docMk/>
             <pc:sldMk cId="828613008" sldId="283"/>
@@ -1067,7 +401,7 @@
           </ac:spMkLst>
         </pc:spChg>
         <pc:spChg chg="mod">
-          <ac:chgData name="Netanel Shalev" userId="9b1bf0c7-f5a5-4008-84b1-60774bebe1d6" providerId="ADAL" clId="{8133341F-6290-7B4E-9016-ECA25BBD24D6}" dt="2025-07-06T14:30:04.176" v="2426" actId="20577"/>
+          <ac:chgData name="Netanel Shalev" userId="9b1bf0c7-f5a5-4008-84b1-60774bebe1d6" providerId="ADAL" clId="{8133341F-6290-7B4E-9016-ECA25BBD24D6}" dt="2025-07-07T10:46:13.425" v="3787" actId="20577"/>
           <ac:spMkLst>
             <pc:docMk/>
             <pc:sldMk cId="828613008" sldId="283"/>
@@ -1081,6 +415,133 @@
           <pc:docMk/>
           <pc:sldMk cId="4132195655" sldId="283"/>
         </pc:sldMkLst>
+      </pc:sldChg>
+      <pc:sldChg chg="modSp add mod">
+        <pc:chgData name="Netanel Shalev" userId="9b1bf0c7-f5a5-4008-84b1-60774bebe1d6" providerId="ADAL" clId="{8133341F-6290-7B4E-9016-ECA25BBD24D6}" dt="2025-07-29T05:40:29.735" v="3848" actId="20577"/>
+        <pc:sldMkLst>
+          <pc:docMk/>
+          <pc:sldMk cId="2100959142" sldId="284"/>
+        </pc:sldMkLst>
+        <pc:spChg chg="mod">
+          <ac:chgData name="Netanel Shalev" userId="9b1bf0c7-f5a5-4008-84b1-60774bebe1d6" providerId="ADAL" clId="{8133341F-6290-7B4E-9016-ECA25BBD24D6}" dt="2025-07-29T05:40:29.735" v="3848" actId="20577"/>
+          <ac:spMkLst>
+            <pc:docMk/>
+            <pc:sldMk cId="2100959142" sldId="284"/>
+            <ac:spMk id="3" creationId="{535DED87-4698-72B3-E699-AD11386A8D88}"/>
+          </ac:spMkLst>
+        </pc:spChg>
+      </pc:sldChg>
+      <pc:sldChg chg="addSp delSp add del setBg delDesignElem">
+        <pc:chgData name="Netanel Shalev" userId="9b1bf0c7-f5a5-4008-84b1-60774bebe1d6" providerId="ADAL" clId="{8133341F-6290-7B4E-9016-ECA25BBD24D6}" dt="2025-07-06T15:36:28.996" v="2429"/>
+        <pc:sldMkLst>
+          <pc:docMk/>
+          <pc:sldMk cId="3124372203" sldId="284"/>
+        </pc:sldMkLst>
+      </pc:sldChg>
+      <pc:sldChg chg="addSp delSp modSp add mod">
+        <pc:chgData name="Netanel Shalev" userId="9b1bf0c7-f5a5-4008-84b1-60774bebe1d6" providerId="ADAL" clId="{8133341F-6290-7B4E-9016-ECA25BBD24D6}" dt="2025-07-07T10:29:24.265" v="3532" actId="14100"/>
+        <pc:sldMkLst>
+          <pc:docMk/>
+          <pc:sldMk cId="4004490790" sldId="285"/>
+        </pc:sldMkLst>
+        <pc:spChg chg="mod">
+          <ac:chgData name="Netanel Shalev" userId="9b1bf0c7-f5a5-4008-84b1-60774bebe1d6" providerId="ADAL" clId="{8133341F-6290-7B4E-9016-ECA25BBD24D6}" dt="2025-07-07T10:29:12.844" v="3525" actId="20577"/>
+          <ac:spMkLst>
+            <pc:docMk/>
+            <pc:sldMk cId="4004490790" sldId="285"/>
+            <ac:spMk id="2" creationId="{856F321F-BA10-4BAD-6DEB-B25D9D0D477D}"/>
+          </ac:spMkLst>
+        </pc:spChg>
+        <pc:picChg chg="add mod">
+          <ac:chgData name="Netanel Shalev" userId="9b1bf0c7-f5a5-4008-84b1-60774bebe1d6" providerId="ADAL" clId="{8133341F-6290-7B4E-9016-ECA25BBD24D6}" dt="2025-07-07T10:29:24.265" v="3532" actId="14100"/>
+          <ac:picMkLst>
+            <pc:docMk/>
+            <pc:sldMk cId="4004490790" sldId="285"/>
+            <ac:picMk id="5" creationId="{21915F8E-3A06-5822-DE04-6D8F1A906935}"/>
+          </ac:picMkLst>
+        </pc:picChg>
+      </pc:sldChg>
+      <pc:sldChg chg="addSp delSp add del setBg delDesignElem">
+        <pc:chgData name="Netanel Shalev" userId="9b1bf0c7-f5a5-4008-84b1-60774bebe1d6" providerId="ADAL" clId="{8133341F-6290-7B4E-9016-ECA25BBD24D6}" dt="2025-07-06T16:41:11.273" v="3439"/>
+        <pc:sldMkLst>
+          <pc:docMk/>
+          <pc:sldMk cId="4183926928" sldId="285"/>
+        </pc:sldMkLst>
+      </pc:sldChg>
+      <pc:sldChg chg="addSp delSp add del setBg delDesignElem">
+        <pc:chgData name="Netanel Shalev" userId="9b1bf0c7-f5a5-4008-84b1-60774bebe1d6" providerId="ADAL" clId="{8133341F-6290-7B4E-9016-ECA25BBD24D6}" dt="2025-07-06T16:42:56.954" v="3464"/>
+        <pc:sldMkLst>
+          <pc:docMk/>
+          <pc:sldMk cId="476931343" sldId="286"/>
+        </pc:sldMkLst>
+      </pc:sldChg>
+      <pc:sldChg chg="modSp add mod">
+        <pc:chgData name="Netanel Shalev" userId="9b1bf0c7-f5a5-4008-84b1-60774bebe1d6" providerId="ADAL" clId="{8133341F-6290-7B4E-9016-ECA25BBD24D6}" dt="2025-07-07T10:46:39.491" v="3800" actId="20577"/>
+        <pc:sldMkLst>
+          <pc:docMk/>
+          <pc:sldMk cId="3248353801" sldId="286"/>
+        </pc:sldMkLst>
+        <pc:spChg chg="mod">
+          <ac:chgData name="Netanel Shalev" userId="9b1bf0c7-f5a5-4008-84b1-60774bebe1d6" providerId="ADAL" clId="{8133341F-6290-7B4E-9016-ECA25BBD24D6}" dt="2025-07-07T10:46:39.491" v="3800" actId="20577"/>
+          <ac:spMkLst>
+            <pc:docMk/>
+            <pc:sldMk cId="3248353801" sldId="286"/>
+            <ac:spMk id="3" creationId="{F7CC2DC2-E4D9-8B5F-7471-FE62965ACA69}"/>
+          </ac:spMkLst>
+        </pc:spChg>
+      </pc:sldChg>
+      <pc:sldChg chg="addSp modSp add mod">
+        <pc:chgData name="Netanel Shalev" userId="9b1bf0c7-f5a5-4008-84b1-60774bebe1d6" providerId="ADAL" clId="{8133341F-6290-7B4E-9016-ECA25BBD24D6}" dt="2025-07-29T05:56:09.008" v="3911" actId="208"/>
+        <pc:sldMkLst>
+          <pc:docMk/>
+          <pc:sldMk cId="127463850" sldId="287"/>
+        </pc:sldMkLst>
+        <pc:spChg chg="add mod">
+          <ac:chgData name="Netanel Shalev" userId="9b1bf0c7-f5a5-4008-84b1-60774bebe1d6" providerId="ADAL" clId="{8133341F-6290-7B4E-9016-ECA25BBD24D6}" dt="2025-07-29T05:56:09.008" v="3911" actId="208"/>
+          <ac:spMkLst>
+            <pc:docMk/>
+            <pc:sldMk cId="127463850" sldId="287"/>
+            <ac:spMk id="3" creationId="{61A40EC6-6FA0-0A6B-BC7B-01675FF75DE3}"/>
+          </ac:spMkLst>
+        </pc:spChg>
+      </pc:sldChg>
+      <pc:sldChg chg="modSp add mod">
+        <pc:chgData name="Netanel Shalev" userId="9b1bf0c7-f5a5-4008-84b1-60774bebe1d6" providerId="ADAL" clId="{8133341F-6290-7B4E-9016-ECA25BBD24D6}" dt="2025-07-07T10:41:10.189" v="3577" actId="207"/>
+        <pc:sldMkLst>
+          <pc:docMk/>
+          <pc:sldMk cId="2867343387" sldId="288"/>
+        </pc:sldMkLst>
+        <pc:spChg chg="mod">
+          <ac:chgData name="Netanel Shalev" userId="9b1bf0c7-f5a5-4008-84b1-60774bebe1d6" providerId="ADAL" clId="{8133341F-6290-7B4E-9016-ECA25BBD24D6}" dt="2025-07-07T10:41:10.189" v="3577" actId="207"/>
+          <ac:spMkLst>
+            <pc:docMk/>
+            <pc:sldMk cId="2867343387" sldId="288"/>
+            <ac:spMk id="2" creationId="{BC2ADCD3-71CC-5651-A5F0-E04F86317CE1}"/>
+          </ac:spMkLst>
+        </pc:spChg>
+        <pc:spChg chg="mod">
+          <ac:chgData name="Netanel Shalev" userId="9b1bf0c7-f5a5-4008-84b1-60774bebe1d6" providerId="ADAL" clId="{8133341F-6290-7B4E-9016-ECA25BBD24D6}" dt="2025-07-07T10:40:58.188" v="3566" actId="20577"/>
+          <ac:spMkLst>
+            <pc:docMk/>
+            <pc:sldMk cId="2867343387" sldId="288"/>
+            <ac:spMk id="3" creationId="{9752F4C2-FC8B-0333-D0F3-478895039403}"/>
+          </ac:spMkLst>
+        </pc:spChg>
+      </pc:sldChg>
+      <pc:sldChg chg="modSp add mod">
+        <pc:chgData name="Netanel Shalev" userId="9b1bf0c7-f5a5-4008-84b1-60774bebe1d6" providerId="ADAL" clId="{8133341F-6290-7B4E-9016-ECA25BBD24D6}" dt="2025-07-29T05:43:45.368" v="3895" actId="20577"/>
+        <pc:sldMkLst>
+          <pc:docMk/>
+          <pc:sldMk cId="2668038716" sldId="289"/>
+        </pc:sldMkLst>
+        <pc:spChg chg="mod">
+          <ac:chgData name="Netanel Shalev" userId="9b1bf0c7-f5a5-4008-84b1-60774bebe1d6" providerId="ADAL" clId="{8133341F-6290-7B4E-9016-ECA25BBD24D6}" dt="2025-07-29T05:43:45.368" v="3895" actId="20577"/>
+          <ac:spMkLst>
+            <pc:docMk/>
+            <pc:sldMk cId="2668038716" sldId="289"/>
+            <ac:spMk id="3" creationId="{ED202293-CEC4-D76E-F116-E73F8618B08E}"/>
+          </ac:spMkLst>
+        </pc:spChg>
       </pc:sldChg>
     </pc:docChg>
   </pc:docChgLst>
@@ -1097,54 +558,6 @@
           <pc:docMk/>
           <pc:sldMk cId="0" sldId="257"/>
         </pc:sldMkLst>
-        <pc:spChg chg="mod">
-          <ac:chgData name="Bar Redel" userId="S::bar.redel@campus.technion.ac.il::84f791c3-f2fe-4830-8ae6-98ee0e07b3fc" providerId="AD" clId="Web-{C6578103-8D1F-7B24-678A-05381A2FF0DB}" dt="2025-05-04T15:44:33.033" v="218" actId="1076"/>
-          <ac:spMkLst>
-            <pc:docMk/>
-            <pc:sldMk cId="0" sldId="257"/>
-            <ac:spMk id="2" creationId="{06550235-BC72-D1BD-1EED-FE17FFA00949}"/>
-          </ac:spMkLst>
-        </pc:spChg>
-        <pc:spChg chg="mod">
-          <ac:chgData name="Bar Redel" userId="S::bar.redel@campus.technion.ac.il::84f791c3-f2fe-4830-8ae6-98ee0e07b3fc" providerId="AD" clId="Web-{C6578103-8D1F-7B24-678A-05381A2FF0DB}" dt="2025-05-04T15:44:32.096" v="217" actId="14100"/>
-          <ac:spMkLst>
-            <pc:docMk/>
-            <pc:sldMk cId="0" sldId="257"/>
-            <ac:spMk id="3" creationId="{5DD48175-5FCE-DA85-412F-92B6D0BC5EC3}"/>
-          </ac:spMkLst>
-        </pc:spChg>
-        <pc:spChg chg="mod ord">
-          <ac:chgData name="Bar Redel" userId="S::bar.redel@campus.technion.ac.il::84f791c3-f2fe-4830-8ae6-98ee0e07b3fc" providerId="AD" clId="Web-{C6578103-8D1F-7B24-678A-05381A2FF0DB}" dt="2025-05-04T15:03:52.263" v="44"/>
-          <ac:spMkLst>
-            <pc:docMk/>
-            <pc:sldMk cId="0" sldId="257"/>
-            <ac:spMk id="6" creationId="{6B9EF8FA-757D-BE6C-653C-AA085C1DD9F3}"/>
-          </ac:spMkLst>
-        </pc:spChg>
-        <pc:picChg chg="add mod">
-          <ac:chgData name="Bar Redel" userId="S::bar.redel@campus.technion.ac.il::84f791c3-f2fe-4830-8ae6-98ee0e07b3fc" providerId="AD" clId="Web-{C6578103-8D1F-7B24-678A-05381A2FF0DB}" dt="2025-05-04T15:03:52.263" v="44"/>
-          <ac:picMkLst>
-            <pc:docMk/>
-            <pc:sldMk cId="0" sldId="257"/>
-            <ac:picMk id="4" creationId="{F0287977-3735-AA58-3CCE-4A37EB47F948}"/>
-          </ac:picMkLst>
-        </pc:picChg>
-        <pc:picChg chg="add mod">
-          <ac:chgData name="Bar Redel" userId="S::bar.redel@campus.technion.ac.il::84f791c3-f2fe-4830-8ae6-98ee0e07b3fc" providerId="AD" clId="Web-{C6578103-8D1F-7B24-678A-05381A2FF0DB}" dt="2025-05-04T15:02:55.027" v="35" actId="1076"/>
-          <ac:picMkLst>
-            <pc:docMk/>
-            <pc:sldMk cId="0" sldId="257"/>
-            <ac:picMk id="8" creationId="{E656915A-8B12-DD79-E287-DFD7D5208B8B}"/>
-          </ac:picMkLst>
-        </pc:picChg>
-        <pc:picChg chg="add mod">
-          <ac:chgData name="Bar Redel" userId="S::bar.redel@campus.technion.ac.il::84f791c3-f2fe-4830-8ae6-98ee0e07b3fc" providerId="AD" clId="Web-{C6578103-8D1F-7B24-678A-05381A2FF0DB}" dt="2025-05-04T15:03:16.777" v="42" actId="1076"/>
-          <ac:picMkLst>
-            <pc:docMk/>
-            <pc:sldMk cId="0" sldId="257"/>
-            <ac:picMk id="9" creationId="{577910BE-8E2D-C4A5-18EB-B6D749DA9457}"/>
-          </ac:picMkLst>
-        </pc:picChg>
       </pc:sldChg>
       <pc:sldChg chg="modSp">
         <pc:chgData name="Bar Redel" userId="S::bar.redel@campus.technion.ac.il::84f791c3-f2fe-4830-8ae6-98ee0e07b3fc" providerId="AD" clId="Web-{C6578103-8D1F-7B24-678A-05381A2FF0DB}" dt="2025-05-04T16:30:28.252" v="356" actId="20577"/>
@@ -1173,46 +586,6 @@
           <pc:docMk/>
           <pc:sldMk cId="3133414758" sldId="270"/>
         </pc:sldMkLst>
-        <pc:spChg chg="mod">
-          <ac:chgData name="Bar Redel" userId="S::bar.redel@campus.technion.ac.il::84f791c3-f2fe-4830-8ae6-98ee0e07b3fc" providerId="AD" clId="Web-{C6578103-8D1F-7B24-678A-05381A2FF0DB}" dt="2025-05-04T15:45:32.660" v="220"/>
-          <ac:spMkLst>
-            <pc:docMk/>
-            <pc:sldMk cId="3133414758" sldId="270"/>
-            <ac:spMk id="2" creationId="{54B3FE18-5A61-44A7-A0AE-BA39F508EF1E}"/>
-          </ac:spMkLst>
-        </pc:spChg>
-        <pc:spChg chg="mod">
-          <ac:chgData name="Bar Redel" userId="S::bar.redel@campus.technion.ac.il::84f791c3-f2fe-4830-8ae6-98ee0e07b3fc" providerId="AD" clId="Web-{C6578103-8D1F-7B24-678A-05381A2FF0DB}" dt="2025-05-04T15:45:50.270" v="224" actId="20577"/>
-          <ac:spMkLst>
-            <pc:docMk/>
-            <pc:sldMk cId="3133414758" sldId="270"/>
-            <ac:spMk id="3" creationId="{6A241429-76EA-41DF-B69D-FDFD0C64DB15}"/>
-          </ac:spMkLst>
-        </pc:spChg>
-        <pc:spChg chg="add">
-          <ac:chgData name="Bar Redel" userId="S::bar.redel@campus.technion.ac.il::84f791c3-f2fe-4830-8ae6-98ee0e07b3fc" providerId="AD" clId="Web-{C6578103-8D1F-7B24-678A-05381A2FF0DB}" dt="2025-05-04T15:45:32.660" v="220"/>
-          <ac:spMkLst>
-            <pc:docMk/>
-            <pc:sldMk cId="3133414758" sldId="270"/>
-            <ac:spMk id="35" creationId="{CF4680D4-DEE2-49EE-AF90-EFEAF50AEC23}"/>
-          </ac:spMkLst>
-        </pc:spChg>
-        <pc:spChg chg="add">
-          <ac:chgData name="Bar Redel" userId="S::bar.redel@campus.technion.ac.il::84f791c3-f2fe-4830-8ae6-98ee0e07b3fc" providerId="AD" clId="Web-{C6578103-8D1F-7B24-678A-05381A2FF0DB}" dt="2025-05-04T15:45:32.660" v="220"/>
-          <ac:spMkLst>
-            <pc:docMk/>
-            <pc:sldMk cId="3133414758" sldId="270"/>
-            <ac:spMk id="37" creationId="{50C52EE1-5085-4960-AD29-A926E62ECC9F}"/>
-          </ac:spMkLst>
-        </pc:spChg>
-        <pc:spChg chg="add">
-          <ac:chgData name="Bar Redel" userId="S::bar.redel@campus.technion.ac.il::84f791c3-f2fe-4830-8ae6-98ee0e07b3fc" providerId="AD" clId="Web-{C6578103-8D1F-7B24-678A-05381A2FF0DB}" dt="2025-05-04T15:45:32.660" v="220"/>
-          <ac:spMkLst>
-            <pc:docMk/>
-            <pc:sldMk cId="3133414758" sldId="270"/>
-            <ac:spMk id="39" creationId="{CD15AA94-C237-4412-B37B-EB317D2B05B7}"/>
-          </ac:spMkLst>
-        </pc:spChg>
       </pc:sldChg>
       <pc:sldChg chg="modSp add replId">
         <pc:chgData name="Bar Redel" userId="S::bar.redel@campus.technion.ac.il::84f791c3-f2fe-4830-8ae6-98ee0e07b3fc" providerId="AD" clId="Web-{C6578103-8D1F-7B24-678A-05381A2FF0DB}" dt="2025-05-05T05:25:52.278" v="358" actId="20577"/>
@@ -1220,14 +593,6 @@
           <pc:docMk/>
           <pc:sldMk cId="2217631342" sldId="271"/>
         </pc:sldMkLst>
-        <pc:spChg chg="mod">
-          <ac:chgData name="Bar Redel" userId="S::bar.redel@campus.technion.ac.il::84f791c3-f2fe-4830-8ae6-98ee0e07b3fc" providerId="AD" clId="Web-{C6578103-8D1F-7B24-678A-05381A2FF0DB}" dt="2025-05-05T05:25:52.278" v="358" actId="20577"/>
-          <ac:spMkLst>
-            <pc:docMk/>
-            <pc:sldMk cId="2217631342" sldId="271"/>
-            <ac:spMk id="3" creationId="{878044EA-BC7A-B11E-3FFA-B9BBDE0EC180}"/>
-          </ac:spMkLst>
-        </pc:spChg>
       </pc:sldChg>
       <pc:sldChg chg="modSp add replId">
         <pc:chgData name="Bar Redel" userId="S::bar.redel@campus.technion.ac.il::84f791c3-f2fe-4830-8ae6-98ee0e07b3fc" providerId="AD" clId="Web-{C6578103-8D1F-7B24-678A-05381A2FF0DB}" dt="2025-05-04T15:31:08.498" v="205"/>
@@ -1235,22 +600,6 @@
           <pc:docMk/>
           <pc:sldMk cId="3973754772" sldId="272"/>
         </pc:sldMkLst>
-        <pc:spChg chg="mod">
-          <ac:chgData name="Bar Redel" userId="S::bar.redel@campus.technion.ac.il::84f791c3-f2fe-4830-8ae6-98ee0e07b3fc" providerId="AD" clId="Web-{C6578103-8D1F-7B24-678A-05381A2FF0DB}" dt="2025-05-04T15:31:08.498" v="205"/>
-          <ac:spMkLst>
-            <pc:docMk/>
-            <pc:sldMk cId="3973754772" sldId="272"/>
-            <ac:spMk id="2" creationId="{F49500CB-2E89-AB02-9B9B-53AD70779EAD}"/>
-          </ac:spMkLst>
-        </pc:spChg>
-        <pc:spChg chg="mod">
-          <ac:chgData name="Bar Redel" userId="S::bar.redel@campus.technion.ac.il::84f791c3-f2fe-4830-8ae6-98ee0e07b3fc" providerId="AD" clId="Web-{C6578103-8D1F-7B24-678A-05381A2FF0DB}" dt="2025-05-04T15:12:10.778" v="76" actId="20577"/>
-          <ac:spMkLst>
-            <pc:docMk/>
-            <pc:sldMk cId="3973754772" sldId="272"/>
-            <ac:spMk id="3" creationId="{EE2BC746-88D6-9062-6E89-4818A87D82E9}"/>
-          </ac:spMkLst>
-        </pc:spChg>
       </pc:sldChg>
       <pc:sldChg chg="addSp modSp add replId">
         <pc:chgData name="Bar Redel" userId="S::bar.redel@campus.technion.ac.il::84f791c3-f2fe-4830-8ae6-98ee0e07b3fc" providerId="AD" clId="Web-{C6578103-8D1F-7B24-678A-05381A2FF0DB}" dt="2025-05-05T05:50:24.532" v="361" actId="20577"/>
@@ -1258,30 +607,6 @@
           <pc:docMk/>
           <pc:sldMk cId="3657300934" sldId="273"/>
         </pc:sldMkLst>
-        <pc:spChg chg="mod">
-          <ac:chgData name="Bar Redel" userId="S::bar.redel@campus.technion.ac.il::84f791c3-f2fe-4830-8ae6-98ee0e07b3fc" providerId="AD" clId="Web-{C6578103-8D1F-7B24-678A-05381A2FF0DB}" dt="2025-05-04T15:49:55.449" v="245" actId="20577"/>
-          <ac:spMkLst>
-            <pc:docMk/>
-            <pc:sldMk cId="3657300934" sldId="273"/>
-            <ac:spMk id="2" creationId="{F7ABECFD-EAC7-88F0-EC38-2B5B8E826E53}"/>
-          </ac:spMkLst>
-        </pc:spChg>
-        <pc:spChg chg="mod">
-          <ac:chgData name="Bar Redel" userId="S::bar.redel@campus.technion.ac.il::84f791c3-f2fe-4830-8ae6-98ee0e07b3fc" providerId="AD" clId="Web-{C6578103-8D1F-7B24-678A-05381A2FF0DB}" dt="2025-05-05T05:50:24.532" v="361" actId="20577"/>
-          <ac:spMkLst>
-            <pc:docMk/>
-            <pc:sldMk cId="3657300934" sldId="273"/>
-            <ac:spMk id="3" creationId="{9E20C4AF-B240-A5B5-11D5-2B576F84B533}"/>
-          </ac:spMkLst>
-        </pc:spChg>
-        <pc:spChg chg="add mod">
-          <ac:chgData name="Bar Redel" userId="S::bar.redel@campus.technion.ac.il::84f791c3-f2fe-4830-8ae6-98ee0e07b3fc" providerId="AD" clId="Web-{C6578103-8D1F-7B24-678A-05381A2FF0DB}" dt="2025-05-04T15:46:39.834" v="228" actId="20577"/>
-          <ac:spMkLst>
-            <pc:docMk/>
-            <pc:sldMk cId="3657300934" sldId="273"/>
-            <ac:spMk id="5" creationId="{8E3AD30C-14D7-9EB5-05E4-EB4546EA324D}"/>
-          </ac:spMkLst>
-        </pc:spChg>
       </pc:sldChg>
       <pc:sldChg chg="addSp delSp modSp add mod replId setBg">
         <pc:chgData name="Bar Redel" userId="S::bar.redel@campus.technion.ac.il::84f791c3-f2fe-4830-8ae6-98ee0e07b3fc" providerId="AD" clId="Web-{C6578103-8D1F-7B24-678A-05381A2FF0DB}" dt="2025-05-04T15:26:19.927" v="198" actId="14100"/>
@@ -1303,22 +628,6 @@
           <pc:docMk/>
           <pc:sldMk cId="2252319024" sldId="274"/>
         </pc:sldMkLst>
-        <pc:spChg chg="mod">
-          <ac:chgData name="Bar Redel" userId="S::bar.redel@campus.technion.ac.il::84f791c3-f2fe-4830-8ae6-98ee0e07b3fc" providerId="AD" clId="Web-{C6578103-8D1F-7B24-678A-05381A2FF0DB}" dt="2025-05-04T15:52:05.249" v="250" actId="20577"/>
-          <ac:spMkLst>
-            <pc:docMk/>
-            <pc:sldMk cId="2252319024" sldId="274"/>
-            <ac:spMk id="2" creationId="{BC39A60D-E06F-7A62-833C-FEC4D6844588}"/>
-          </ac:spMkLst>
-        </pc:spChg>
-        <pc:spChg chg="mod">
-          <ac:chgData name="Bar Redel" userId="S::bar.redel@campus.technion.ac.il::84f791c3-f2fe-4830-8ae6-98ee0e07b3fc" providerId="AD" clId="Web-{C6578103-8D1F-7B24-678A-05381A2FF0DB}" dt="2025-05-04T15:51:27.404" v="248" actId="20577"/>
-          <ac:spMkLst>
-            <pc:docMk/>
-            <pc:sldMk cId="2252319024" sldId="274"/>
-            <ac:spMk id="3" creationId="{66AA3FB9-0367-E211-0A49-B7E7F4135A56}"/>
-          </ac:spMkLst>
-        </pc:spChg>
       </pc:sldChg>
       <pc:sldChg chg="modSp add del replId">
         <pc:chgData name="Bar Redel" userId="S::bar.redel@campus.technion.ac.il::84f791c3-f2fe-4830-8ae6-98ee0e07b3fc" providerId="AD" clId="Web-{C6578103-8D1F-7B24-678A-05381A2FF0DB}" dt="2025-05-04T15:53:50.362" v="290"/>
@@ -1340,22 +649,6 @@
           <pc:docMk/>
           <pc:sldMk cId="4006848402" sldId="275"/>
         </pc:sldMkLst>
-        <pc:spChg chg="mod">
-          <ac:chgData name="Bar Redel" userId="S::bar.redel@campus.technion.ac.il::84f791c3-f2fe-4830-8ae6-98ee0e07b3fc" providerId="AD" clId="Web-{C6578103-8D1F-7B24-678A-05381A2FF0DB}" dt="2025-05-04T16:13:45.598" v="349" actId="20577"/>
-          <ac:spMkLst>
-            <pc:docMk/>
-            <pc:sldMk cId="4006848402" sldId="275"/>
-            <ac:spMk id="2" creationId="{44780974-1A81-BC49-9427-1C0572B988AF}"/>
-          </ac:spMkLst>
-        </pc:spChg>
-        <pc:spChg chg="mod">
-          <ac:chgData name="Bar Redel" userId="S::bar.redel@campus.technion.ac.il::84f791c3-f2fe-4830-8ae6-98ee0e07b3fc" providerId="AD" clId="Web-{C6578103-8D1F-7B24-678A-05381A2FF0DB}" dt="2025-05-04T16:13:09.801" v="345" actId="20577"/>
-          <ac:spMkLst>
-            <pc:docMk/>
-            <pc:sldMk cId="4006848402" sldId="275"/>
-            <ac:spMk id="3" creationId="{2E16637A-B2E8-FB7A-D32B-B09709F275D6}"/>
-          </ac:spMkLst>
-        </pc:spChg>
       </pc:sldChg>
       <pc:sldChg chg="modSp add del replId">
         <pc:chgData name="Bar Redel" userId="S::bar.redel@campus.technion.ac.il::84f791c3-f2fe-4830-8ae6-98ee0e07b3fc" providerId="AD" clId="Web-{C6578103-8D1F-7B24-678A-05381A2FF0DB}" dt="2025-05-04T15:22:22.233" v="151"/>
@@ -1370,22 +663,6 @@
           <pc:docMk/>
           <pc:sldMk cId="1835450716" sldId="276"/>
         </pc:sldMkLst>
-        <pc:spChg chg="mod">
-          <ac:chgData name="Bar Redel" userId="S::bar.redel@campus.technion.ac.il::84f791c3-f2fe-4830-8ae6-98ee0e07b3fc" providerId="AD" clId="Web-{C6578103-8D1F-7B24-678A-05381A2FF0DB}" dt="2025-05-04T16:13:28.098" v="347" actId="20577"/>
-          <ac:spMkLst>
-            <pc:docMk/>
-            <pc:sldMk cId="1835450716" sldId="276"/>
-            <ac:spMk id="2" creationId="{B6106E51-E181-DB26-DB6A-60F912CDBF49}"/>
-          </ac:spMkLst>
-        </pc:spChg>
-        <pc:spChg chg="mod">
-          <ac:chgData name="Bar Redel" userId="S::bar.redel@campus.technion.ac.il::84f791c3-f2fe-4830-8ae6-98ee0e07b3fc" providerId="AD" clId="Web-{C6578103-8D1F-7B24-678A-05381A2FF0DB}" dt="2025-05-04T16:12:47.237" v="341" actId="20577"/>
-          <ac:spMkLst>
-            <pc:docMk/>
-            <pc:sldMk cId="1835450716" sldId="276"/>
-            <ac:spMk id="3" creationId="{D7CF80CC-082A-3CE2-688E-2F310027FD71}"/>
-          </ac:spMkLst>
-        </pc:spChg>
       </pc:sldChg>
       <pc:sldChg chg="modSp add replId">
         <pc:chgData name="Bar Redel" userId="S::bar.redel@campus.technion.ac.il::84f791c3-f2fe-4830-8ae6-98ee0e07b3fc" providerId="AD" clId="Web-{C6578103-8D1F-7B24-678A-05381A2FF0DB}" dt="2025-05-04T16:13:39.755" v="348" actId="20577"/>
@@ -1393,22 +670,6 @@
           <pc:docMk/>
           <pc:sldMk cId="1440365378" sldId="277"/>
         </pc:sldMkLst>
-        <pc:spChg chg="mod">
-          <ac:chgData name="Bar Redel" userId="S::bar.redel@campus.technion.ac.il::84f791c3-f2fe-4830-8ae6-98ee0e07b3fc" providerId="AD" clId="Web-{C6578103-8D1F-7B24-678A-05381A2FF0DB}" dt="2025-05-04T16:13:39.755" v="348" actId="20577"/>
-          <ac:spMkLst>
-            <pc:docMk/>
-            <pc:sldMk cId="1440365378" sldId="277"/>
-            <ac:spMk id="2" creationId="{8772D4B7-2BD9-120C-C13A-C301153E1E69}"/>
-          </ac:spMkLst>
-        </pc:spChg>
-        <pc:spChg chg="mod">
-          <ac:chgData name="Bar Redel" userId="S::bar.redel@campus.technion.ac.il::84f791c3-f2fe-4830-8ae6-98ee0e07b3fc" providerId="AD" clId="Web-{C6578103-8D1F-7B24-678A-05381A2FF0DB}" dt="2025-05-04T16:12:58.253" v="344" actId="20577"/>
-          <ac:spMkLst>
-            <pc:docMk/>
-            <pc:sldMk cId="1440365378" sldId="277"/>
-            <ac:spMk id="3" creationId="{CD76FE49-685C-C821-9FF2-BC8EE6607C20}"/>
-          </ac:spMkLst>
-        </pc:spChg>
       </pc:sldChg>
     </pc:docChg>
   </pc:docChgLst>
@@ -1497,7 +758,7 @@
           <a:p>
             <a:fld id="{789357D1-E93F-0D43-9762-ABB9B3967190}" type="datetimeFigureOut">
               <a:rPr lang="he-IL" smtClean="0"/>
-              <a:t>י'.תמוז.תשפ"ה</a:t>
+              <a:t>ד'.אב.תשפ"ה</a:t>
             </a:fld>
             <a:endParaRPr lang="he-IL"/>
           </a:p>
@@ -1849,6 +1110,175 @@
 </p:notes>
 </file>
 
+<file path=ppt/notesSlides/notesSlide10.xml><?xml version="1.0" encoding="utf-8"?>
+<p:notes xmlns:a="http://schemas.openxmlformats.org/drawingml/2006/main" xmlns:r="http://schemas.openxmlformats.org/officeDocument/2006/relationships" xmlns:p="http://schemas.openxmlformats.org/presentationml/2006/main">
+  <p:cSld>
+    <p:spTree>
+      <p:nvGrpSpPr>
+        <p:cNvPr id="1" name="">
+          <a:extLst>
+            <a:ext uri="{FF2B5EF4-FFF2-40B4-BE49-F238E27FC236}">
+              <a16:creationId xmlns:a16="http://schemas.microsoft.com/office/drawing/2014/main" id="{9B67E66B-F184-FD03-C387-4F8A1CBF9496}"/>
+            </a:ext>
+          </a:extLst>
+        </p:cNvPr>
+        <p:cNvGrpSpPr/>
+        <p:nvPr/>
+      </p:nvGrpSpPr>
+      <p:grpSpPr>
+        <a:xfrm>
+          <a:off x="0" y="0"/>
+          <a:ext cx="0" cy="0"/>
+          <a:chOff x="0" y="0"/>
+          <a:chExt cx="0" cy="0"/>
+        </a:xfrm>
+      </p:grpSpPr>
+      <p:sp>
+        <p:nvSpPr>
+          <p:cNvPr id="2" name="מציין מיקום של תמונת שקופית 1">
+            <a:extLst>
+              <a:ext uri="{FF2B5EF4-FFF2-40B4-BE49-F238E27FC236}">
+                <a16:creationId xmlns:a16="http://schemas.microsoft.com/office/drawing/2014/main" id="{EE458723-E7D7-833F-0F8F-FCB986B69AA7}"/>
+              </a:ext>
+            </a:extLst>
+          </p:cNvPr>
+          <p:cNvSpPr>
+            <a:spLocks noGrp="1" noRot="1" noChangeAspect="1"/>
+          </p:cNvSpPr>
+          <p:nvPr>
+            <p:ph type="sldImg"/>
+          </p:nvPr>
+        </p:nvSpPr>
+        <p:spPr/>
+      </p:sp>
+      <p:sp>
+        <p:nvSpPr>
+          <p:cNvPr id="3" name="מציין מיקום של הערות 2">
+            <a:extLst>
+              <a:ext uri="{FF2B5EF4-FFF2-40B4-BE49-F238E27FC236}">
+                <a16:creationId xmlns:a16="http://schemas.microsoft.com/office/drawing/2014/main" id="{A6986122-B720-9BDD-3F13-6F790CB30138}"/>
+              </a:ext>
+            </a:extLst>
+          </p:cNvPr>
+          <p:cNvSpPr>
+            <a:spLocks noGrp="1"/>
+          </p:cNvSpPr>
+          <p:nvPr>
+            <p:ph type="body" idx="1"/>
+          </p:nvPr>
+        </p:nvSpPr>
+        <p:spPr/>
+        <p:txBody>
+          <a:bodyPr/>
+          <a:lstStyle/>
+          <a:p>
+            <a:pPr marL="0" algn="l" defTabSz="914400" rtl="0" eaLnBrk="1" latinLnBrk="0" hangingPunct="1"/>
+            <a:endParaRPr lang="he-IL" dirty="0"/>
+          </a:p>
+        </p:txBody>
+      </p:sp>
+      <p:sp>
+        <p:nvSpPr>
+          <p:cNvPr id="4" name="מציין מיקום של מספר שקופית 3">
+            <a:extLst>
+              <a:ext uri="{FF2B5EF4-FFF2-40B4-BE49-F238E27FC236}">
+                <a16:creationId xmlns:a16="http://schemas.microsoft.com/office/drawing/2014/main" id="{AE5672D0-2351-A882-7801-EE5E8F660450}"/>
+              </a:ext>
+            </a:extLst>
+          </p:cNvPr>
+          <p:cNvSpPr>
+            <a:spLocks noGrp="1"/>
+          </p:cNvSpPr>
+          <p:nvPr>
+            <p:ph type="sldNum" sz="quarter" idx="5"/>
+          </p:nvPr>
+        </p:nvSpPr>
+        <p:spPr/>
+        <p:txBody>
+          <a:bodyPr/>
+          <a:lstStyle/>
+          <a:p>
+            <a:pPr marL="0" marR="0" lvl="0" indent="0" algn="l" defTabSz="457200" rtl="0" eaLnBrk="1" fontAlgn="auto" latinLnBrk="0" hangingPunct="1">
+              <a:lnSpc>
+                <a:spcPct val="100000"/>
+              </a:lnSpc>
+              <a:spcBef>
+                <a:spcPts val="0"/>
+              </a:spcBef>
+              <a:spcAft>
+                <a:spcPts val="0"/>
+              </a:spcAft>
+              <a:buClrTx/>
+              <a:buSzTx/>
+              <a:buFontTx/>
+              <a:buNone/>
+              <a:tabLst/>
+              <a:defRPr/>
+            </a:pPr>
+            <a:fld id="{70855B5F-206C-8B47-BA3D-D41627C9701F}" type="slidenum">
+              <a:rPr kumimoji="0" lang="he-IL" sz="1200" b="0" i="0" u="none" strike="noStrike" kern="1200" cap="none" spc="0" normalizeH="0" baseline="0" noProof="0" smtClean="0">
+                <a:ln>
+                  <a:noFill/>
+                </a:ln>
+                <a:solidFill>
+                  <a:prstClr val="black"/>
+                </a:solidFill>
+                <a:effectLst/>
+                <a:uLnTx/>
+                <a:uFillTx/>
+                <a:latin typeface="Aptos" panose="02110004020202020204"/>
+                <a:ea typeface="+mn-ea"/>
+                <a:cs typeface="Arial" panose="020B0604020202020204" pitchFamily="34" charset="0"/>
+              </a:rPr>
+              <a:pPr marL="0" marR="0" lvl="0" indent="0" algn="l" defTabSz="457200" rtl="0" eaLnBrk="1" fontAlgn="auto" latinLnBrk="0" hangingPunct="1">
+                <a:lnSpc>
+                  <a:spcPct val="100000"/>
+                </a:lnSpc>
+                <a:spcBef>
+                  <a:spcPts val="0"/>
+                </a:spcBef>
+                <a:spcAft>
+                  <a:spcPts val="0"/>
+                </a:spcAft>
+                <a:buClrTx/>
+                <a:buSzTx/>
+                <a:buFontTx/>
+                <a:buNone/>
+                <a:tabLst/>
+                <a:defRPr/>
+              </a:pPr>
+              <a:t>24</a:t>
+            </a:fld>
+            <a:endParaRPr kumimoji="0" lang="he-IL" sz="1200" b="0" i="0" u="none" strike="noStrike" kern="1200" cap="none" spc="0" normalizeH="0" baseline="0" noProof="0">
+              <a:ln>
+                <a:noFill/>
+              </a:ln>
+              <a:solidFill>
+                <a:prstClr val="black"/>
+              </a:solidFill>
+              <a:effectLst/>
+              <a:uLnTx/>
+              <a:uFillTx/>
+              <a:latin typeface="Aptos" panose="02110004020202020204"/>
+              <a:ea typeface="+mn-ea"/>
+              <a:cs typeface="Arial" panose="020B0604020202020204" pitchFamily="34" charset="0"/>
+            </a:endParaRPr>
+          </a:p>
+        </p:txBody>
+      </p:sp>
+    </p:spTree>
+    <p:extLst>
+      <p:ext uri="{BB962C8B-B14F-4D97-AF65-F5344CB8AC3E}">
+        <p14:creationId xmlns:p14="http://schemas.microsoft.com/office/powerpoint/2010/main" val="1722049067"/>
+      </p:ext>
+    </p:extLst>
+  </p:cSld>
+  <p:clrMapOvr>
+    <a:masterClrMapping/>
+  </p:clrMapOvr>
+</p:notes>
+</file>
+
 <file path=ppt/notesSlides/notesSlide2.xml><?xml version="1.0" encoding="utf-8"?>
 <p:notes xmlns:a="http://schemas.openxmlformats.org/drawingml/2006/main" xmlns:r="http://schemas.openxmlformats.org/officeDocument/2006/relationships" xmlns:p="http://schemas.openxmlformats.org/presentationml/2006/main">
   <p:cSld>
@@ -2245,6 +1675,115 @@
         <p:cNvPr id="1" name="">
           <a:extLst>
             <a:ext uri="{FF2B5EF4-FFF2-40B4-BE49-F238E27FC236}">
+              <a16:creationId xmlns:a16="http://schemas.microsoft.com/office/drawing/2014/main" id="{15FC880B-5C8D-2B5F-7F38-716CA2101F6A}"/>
+            </a:ext>
+          </a:extLst>
+        </p:cNvPr>
+        <p:cNvGrpSpPr/>
+        <p:nvPr/>
+      </p:nvGrpSpPr>
+      <p:grpSpPr>
+        <a:xfrm>
+          <a:off x="0" y="0"/>
+          <a:ext cx="0" cy="0"/>
+          <a:chOff x="0" y="0"/>
+          <a:chExt cx="0" cy="0"/>
+        </a:xfrm>
+      </p:grpSpPr>
+      <p:sp>
+        <p:nvSpPr>
+          <p:cNvPr id="2" name="מציין מיקום של תמונת שקופית 1">
+            <a:extLst>
+              <a:ext uri="{FF2B5EF4-FFF2-40B4-BE49-F238E27FC236}">
+                <a16:creationId xmlns:a16="http://schemas.microsoft.com/office/drawing/2014/main" id="{6AF1ECBB-34C7-85FC-401E-5DF6F422246B}"/>
+              </a:ext>
+            </a:extLst>
+          </p:cNvPr>
+          <p:cNvSpPr>
+            <a:spLocks noGrp="1" noRot="1" noChangeAspect="1"/>
+          </p:cNvSpPr>
+          <p:nvPr>
+            <p:ph type="sldImg"/>
+          </p:nvPr>
+        </p:nvSpPr>
+        <p:spPr/>
+      </p:sp>
+      <p:sp>
+        <p:nvSpPr>
+          <p:cNvPr id="3" name="מציין מיקום של הערות 2">
+            <a:extLst>
+              <a:ext uri="{FF2B5EF4-FFF2-40B4-BE49-F238E27FC236}">
+                <a16:creationId xmlns:a16="http://schemas.microsoft.com/office/drawing/2014/main" id="{6AAD954C-DC84-D2FB-25F7-73B3C50E8DB4}"/>
+              </a:ext>
+            </a:extLst>
+          </p:cNvPr>
+          <p:cNvSpPr>
+            <a:spLocks noGrp="1"/>
+          </p:cNvSpPr>
+          <p:nvPr>
+            <p:ph type="body" idx="1"/>
+          </p:nvPr>
+        </p:nvSpPr>
+        <p:spPr/>
+        <p:txBody>
+          <a:bodyPr/>
+          <a:lstStyle/>
+          <a:p>
+            <a:pPr marL="0" algn="l" defTabSz="914400" rtl="0" eaLnBrk="1" latinLnBrk="0" hangingPunct="1"/>
+            <a:endParaRPr lang="he-IL" dirty="0"/>
+          </a:p>
+        </p:txBody>
+      </p:sp>
+      <p:sp>
+        <p:nvSpPr>
+          <p:cNvPr id="4" name="מציין מיקום של מספר שקופית 3">
+            <a:extLst>
+              <a:ext uri="{FF2B5EF4-FFF2-40B4-BE49-F238E27FC236}">
+                <a16:creationId xmlns:a16="http://schemas.microsoft.com/office/drawing/2014/main" id="{70961585-EFDE-1A36-923E-C75CCB1B7B6E}"/>
+              </a:ext>
+            </a:extLst>
+          </p:cNvPr>
+          <p:cNvSpPr>
+            <a:spLocks noGrp="1"/>
+          </p:cNvSpPr>
+          <p:nvPr>
+            <p:ph type="sldNum" sz="quarter" idx="5"/>
+          </p:nvPr>
+        </p:nvSpPr>
+        <p:spPr/>
+        <p:txBody>
+          <a:bodyPr/>
+          <a:lstStyle/>
+          <a:p>
+            <a:fld id="{70855B5F-206C-8B47-BA3D-D41627C9701F}" type="slidenum">
+              <a:rPr lang="he-IL" smtClean="0"/>
+              <a:t>20</a:t>
+            </a:fld>
+            <a:endParaRPr lang="he-IL"/>
+          </a:p>
+        </p:txBody>
+      </p:sp>
+    </p:spTree>
+    <p:extLst>
+      <p:ext uri="{BB962C8B-B14F-4D97-AF65-F5344CB8AC3E}">
+        <p14:creationId xmlns:p14="http://schemas.microsoft.com/office/powerpoint/2010/main" val="1252864693"/>
+      </p:ext>
+    </p:extLst>
+  </p:cSld>
+  <p:clrMapOvr>
+    <a:masterClrMapping/>
+  </p:clrMapOvr>
+</p:notes>
+</file>
+
+<file path=ppt/notesSlides/notesSlide7.xml><?xml version="1.0" encoding="utf-8"?>
+<p:notes xmlns:a="http://schemas.openxmlformats.org/drawingml/2006/main" xmlns:r="http://schemas.openxmlformats.org/officeDocument/2006/relationships" xmlns:p="http://schemas.openxmlformats.org/presentationml/2006/main">
+  <p:cSld>
+    <p:spTree>
+      <p:nvGrpSpPr>
+        <p:cNvPr id="1" name="">
+          <a:extLst>
+            <a:ext uri="{FF2B5EF4-FFF2-40B4-BE49-F238E27FC236}">
               <a16:creationId xmlns:a16="http://schemas.microsoft.com/office/drawing/2014/main" id="{4AC898DD-1DC9-49FE-8BDE-92351FB6448C}"/>
             </a:ext>
           </a:extLst>
@@ -2327,7 +1866,7 @@
           <a:p>
             <a:fld id="{70855B5F-206C-8B47-BA3D-D41627C9701F}" type="slidenum">
               <a:rPr lang="he-IL" smtClean="0"/>
-              <a:t>20</a:t>
+              <a:t>21</a:t>
             </a:fld>
             <a:endParaRPr lang="he-IL"/>
           </a:p>
@@ -2346,7 +1885,7 @@
 </p:notes>
 </file>
 
-<file path=ppt/notesSlides/notesSlide7.xml><?xml version="1.0" encoding="utf-8"?>
+<file path=ppt/notesSlides/notesSlide8.xml><?xml version="1.0" encoding="utf-8"?>
 <p:notes xmlns:a="http://schemas.openxmlformats.org/drawingml/2006/main" xmlns:r="http://schemas.openxmlformats.org/officeDocument/2006/relationships" xmlns:p="http://schemas.openxmlformats.org/presentationml/2006/main">
   <p:cSld>
     <p:spTree>
@@ -2436,7 +1975,7 @@
           <a:p>
             <a:fld id="{70855B5F-206C-8B47-BA3D-D41627C9701F}" type="slidenum">
               <a:rPr lang="he-IL" smtClean="0"/>
-              <a:t>21</a:t>
+              <a:t>22</a:t>
             </a:fld>
             <a:endParaRPr lang="he-IL"/>
           </a:p>
@@ -2446,6 +1985,175 @@
     <p:extLst>
       <p:ext uri="{BB962C8B-B14F-4D97-AF65-F5344CB8AC3E}">
         <p14:creationId xmlns:p14="http://schemas.microsoft.com/office/powerpoint/2010/main" val="1677751460"/>
+      </p:ext>
+    </p:extLst>
+  </p:cSld>
+  <p:clrMapOvr>
+    <a:masterClrMapping/>
+  </p:clrMapOvr>
+</p:notes>
+</file>
+
+<file path=ppt/notesSlides/notesSlide9.xml><?xml version="1.0" encoding="utf-8"?>
+<p:notes xmlns:a="http://schemas.openxmlformats.org/drawingml/2006/main" xmlns:r="http://schemas.openxmlformats.org/officeDocument/2006/relationships" xmlns:p="http://schemas.openxmlformats.org/presentationml/2006/main">
+  <p:cSld>
+    <p:spTree>
+      <p:nvGrpSpPr>
+        <p:cNvPr id="1" name="">
+          <a:extLst>
+            <a:ext uri="{FF2B5EF4-FFF2-40B4-BE49-F238E27FC236}">
+              <a16:creationId xmlns:a16="http://schemas.microsoft.com/office/drawing/2014/main" id="{5A306B46-381F-1CB4-58E4-6589D7837AB3}"/>
+            </a:ext>
+          </a:extLst>
+        </p:cNvPr>
+        <p:cNvGrpSpPr/>
+        <p:nvPr/>
+      </p:nvGrpSpPr>
+      <p:grpSpPr>
+        <a:xfrm>
+          <a:off x="0" y="0"/>
+          <a:ext cx="0" cy="0"/>
+          <a:chOff x="0" y="0"/>
+          <a:chExt cx="0" cy="0"/>
+        </a:xfrm>
+      </p:grpSpPr>
+      <p:sp>
+        <p:nvSpPr>
+          <p:cNvPr id="2" name="מציין מיקום של תמונת שקופית 1">
+            <a:extLst>
+              <a:ext uri="{FF2B5EF4-FFF2-40B4-BE49-F238E27FC236}">
+                <a16:creationId xmlns:a16="http://schemas.microsoft.com/office/drawing/2014/main" id="{CA3A6FE2-AF90-10DE-14A5-4E1EB146D989}"/>
+              </a:ext>
+            </a:extLst>
+          </p:cNvPr>
+          <p:cNvSpPr>
+            <a:spLocks noGrp="1" noRot="1" noChangeAspect="1"/>
+          </p:cNvSpPr>
+          <p:nvPr>
+            <p:ph type="sldImg"/>
+          </p:nvPr>
+        </p:nvSpPr>
+        <p:spPr/>
+      </p:sp>
+      <p:sp>
+        <p:nvSpPr>
+          <p:cNvPr id="3" name="מציין מיקום של הערות 2">
+            <a:extLst>
+              <a:ext uri="{FF2B5EF4-FFF2-40B4-BE49-F238E27FC236}">
+                <a16:creationId xmlns:a16="http://schemas.microsoft.com/office/drawing/2014/main" id="{EB38584D-6124-DE53-E08E-E25D3EA13572}"/>
+              </a:ext>
+            </a:extLst>
+          </p:cNvPr>
+          <p:cNvSpPr>
+            <a:spLocks noGrp="1"/>
+          </p:cNvSpPr>
+          <p:nvPr>
+            <p:ph type="body" idx="1"/>
+          </p:nvPr>
+        </p:nvSpPr>
+        <p:spPr/>
+        <p:txBody>
+          <a:bodyPr/>
+          <a:lstStyle/>
+          <a:p>
+            <a:pPr marL="0" algn="l" defTabSz="914400" rtl="0" eaLnBrk="1" latinLnBrk="0" hangingPunct="1"/>
+            <a:endParaRPr lang="he-IL" dirty="0"/>
+          </a:p>
+        </p:txBody>
+      </p:sp>
+      <p:sp>
+        <p:nvSpPr>
+          <p:cNvPr id="4" name="מציין מיקום של מספר שקופית 3">
+            <a:extLst>
+              <a:ext uri="{FF2B5EF4-FFF2-40B4-BE49-F238E27FC236}">
+                <a16:creationId xmlns:a16="http://schemas.microsoft.com/office/drawing/2014/main" id="{1E1690D5-703F-4C87-C87F-838960BDF206}"/>
+              </a:ext>
+            </a:extLst>
+          </p:cNvPr>
+          <p:cNvSpPr>
+            <a:spLocks noGrp="1"/>
+          </p:cNvSpPr>
+          <p:nvPr>
+            <p:ph type="sldNum" sz="quarter" idx="5"/>
+          </p:nvPr>
+        </p:nvSpPr>
+        <p:spPr/>
+        <p:txBody>
+          <a:bodyPr/>
+          <a:lstStyle/>
+          <a:p>
+            <a:pPr marL="0" marR="0" lvl="0" indent="0" algn="l" defTabSz="457200" rtl="0" eaLnBrk="1" fontAlgn="auto" latinLnBrk="0" hangingPunct="1">
+              <a:lnSpc>
+                <a:spcPct val="100000"/>
+              </a:lnSpc>
+              <a:spcBef>
+                <a:spcPts val="0"/>
+              </a:spcBef>
+              <a:spcAft>
+                <a:spcPts val="0"/>
+              </a:spcAft>
+              <a:buClrTx/>
+              <a:buSzTx/>
+              <a:buFontTx/>
+              <a:buNone/>
+              <a:tabLst/>
+              <a:defRPr/>
+            </a:pPr>
+            <a:fld id="{70855B5F-206C-8B47-BA3D-D41627C9701F}" type="slidenum">
+              <a:rPr kumimoji="0" lang="he-IL" sz="1200" b="0" i="0" u="none" strike="noStrike" kern="1200" cap="none" spc="0" normalizeH="0" baseline="0" noProof="0" smtClean="0">
+                <a:ln>
+                  <a:noFill/>
+                </a:ln>
+                <a:solidFill>
+                  <a:prstClr val="black"/>
+                </a:solidFill>
+                <a:effectLst/>
+                <a:uLnTx/>
+                <a:uFillTx/>
+                <a:latin typeface="Aptos" panose="02110004020202020204"/>
+                <a:ea typeface="+mn-ea"/>
+                <a:cs typeface="Arial" panose="020B0604020202020204" pitchFamily="34" charset="0"/>
+              </a:rPr>
+              <a:pPr marL="0" marR="0" lvl="0" indent="0" algn="l" defTabSz="457200" rtl="0" eaLnBrk="1" fontAlgn="auto" latinLnBrk="0" hangingPunct="1">
+                <a:lnSpc>
+                  <a:spcPct val="100000"/>
+                </a:lnSpc>
+                <a:spcBef>
+                  <a:spcPts val="0"/>
+                </a:spcBef>
+                <a:spcAft>
+                  <a:spcPts val="0"/>
+                </a:spcAft>
+                <a:buClrTx/>
+                <a:buSzTx/>
+                <a:buFontTx/>
+                <a:buNone/>
+                <a:tabLst/>
+                <a:defRPr/>
+              </a:pPr>
+              <a:t>23</a:t>
+            </a:fld>
+            <a:endParaRPr kumimoji="0" lang="he-IL" sz="1200" b="0" i="0" u="none" strike="noStrike" kern="1200" cap="none" spc="0" normalizeH="0" baseline="0" noProof="0">
+              <a:ln>
+                <a:noFill/>
+              </a:ln>
+              <a:solidFill>
+                <a:prstClr val="black"/>
+              </a:solidFill>
+              <a:effectLst/>
+              <a:uLnTx/>
+              <a:uFillTx/>
+              <a:latin typeface="Aptos" panose="02110004020202020204"/>
+              <a:ea typeface="+mn-ea"/>
+              <a:cs typeface="Arial" panose="020B0604020202020204" pitchFamily="34" charset="0"/>
+            </a:endParaRPr>
+          </a:p>
+        </p:txBody>
+      </p:sp>
+    </p:spTree>
+    <p:extLst>
+      <p:ext uri="{BB962C8B-B14F-4D97-AF65-F5344CB8AC3E}">
+        <p14:creationId xmlns:p14="http://schemas.microsoft.com/office/powerpoint/2010/main" val="146230453"/>
       </p:ext>
     </p:extLst>
   </p:cSld>
@@ -2620,7 +2328,7 @@
             <a:fld id="{900D4ED2-6730-A546-A3F7-FD709A31C73D}" type="datetime1">
               <a:rPr lang="en-US" smtClean="0"/>
               <a:pPr lvl="0"/>
-              <a:t>7/6/25</a:t>
+              <a:t>7/29/25</a:t>
             </a:fld>
             <a:endParaRPr lang="en-US"/>
           </a:p>
@@ -2794,7 +2502,7 @@
             <a:fld id="{900D4ED2-6730-A546-A3F7-FD709A31C73D}" type="datetime1">
               <a:rPr lang="en-US" smtClean="0"/>
               <a:pPr lvl="0"/>
-              <a:t>7/6/25</a:t>
+              <a:t>7/29/25</a:t>
             </a:fld>
             <a:endParaRPr lang="en-US"/>
           </a:p>
@@ -2978,7 +2686,7 @@
             <a:fld id="{900D4ED2-6730-A546-A3F7-FD709A31C73D}" type="datetime1">
               <a:rPr lang="en-US" smtClean="0"/>
               <a:pPr lvl="0"/>
-              <a:t>7/6/25</a:t>
+              <a:t>7/29/25</a:t>
             </a:fld>
             <a:endParaRPr lang="en-US"/>
           </a:p>
@@ -3152,7 +2860,7 @@
             <a:fld id="{900D4ED2-6730-A546-A3F7-FD709A31C73D}" type="datetime1">
               <a:rPr lang="en-US" smtClean="0"/>
               <a:pPr lvl="0"/>
-              <a:t>7/6/25</a:t>
+              <a:t>7/29/25</a:t>
             </a:fld>
             <a:endParaRPr lang="en-US"/>
           </a:p>
@@ -3424,7 +3132,7 @@
             <a:fld id="{900D4ED2-6730-A546-A3F7-FD709A31C73D}" type="datetime1">
               <a:rPr lang="en-US" smtClean="0"/>
               <a:pPr lvl="0"/>
-              <a:t>7/6/25</a:t>
+              <a:t>7/29/25</a:t>
             </a:fld>
             <a:endParaRPr lang="en-US"/>
           </a:p>
@@ -3660,7 +3368,7 @@
             <a:fld id="{900D4ED2-6730-A546-A3F7-FD709A31C73D}" type="datetime1">
               <a:rPr lang="en-US" smtClean="0"/>
               <a:pPr lvl="0"/>
-              <a:t>7/6/25</a:t>
+              <a:t>7/29/25</a:t>
             </a:fld>
             <a:endParaRPr lang="en-US"/>
           </a:p>
@@ -4023,7 +3731,7 @@
             <a:fld id="{900D4ED2-6730-A546-A3F7-FD709A31C73D}" type="datetime1">
               <a:rPr lang="en-US" smtClean="0"/>
               <a:pPr lvl="0"/>
-              <a:t>7/6/25</a:t>
+              <a:t>7/29/25</a:t>
             </a:fld>
             <a:endParaRPr lang="en-US"/>
           </a:p>
@@ -4168,7 +3876,7 @@
             <a:fld id="{900D4ED2-6730-A546-A3F7-FD709A31C73D}" type="datetime1">
               <a:rPr lang="en-US" smtClean="0"/>
               <a:pPr lvl="0"/>
-              <a:t>7/6/25</a:t>
+              <a:t>7/29/25</a:t>
             </a:fld>
             <a:endParaRPr lang="en-US"/>
           </a:p>
@@ -4267,7 +3975,7 @@
             <a:fld id="{900D4ED2-6730-A546-A3F7-FD709A31C73D}" type="datetime1">
               <a:rPr lang="en-US" smtClean="0"/>
               <a:pPr lvl="0"/>
-              <a:t>7/6/25</a:t>
+              <a:t>7/29/25</a:t>
             </a:fld>
             <a:endParaRPr lang="en-US"/>
           </a:p>
@@ -4628,7 +4336,7 @@
             <a:fld id="{900D4ED2-6730-A546-A3F7-FD709A31C73D}" type="datetime1">
               <a:rPr lang="en-US" smtClean="0"/>
               <a:pPr lvl="0"/>
-              <a:t>7/6/25</a:t>
+              <a:t>7/29/25</a:t>
             </a:fld>
             <a:endParaRPr lang="en-US"/>
           </a:p>
@@ -4989,7 +4697,7 @@
             <a:fld id="{900D4ED2-6730-A546-A3F7-FD709A31C73D}" type="datetime1">
               <a:rPr lang="en-US" smtClean="0"/>
               <a:pPr lvl="0"/>
-              <a:t>7/6/25</a:t>
+              <a:t>7/29/25</a:t>
             </a:fld>
             <a:endParaRPr lang="en-US"/>
           </a:p>
@@ -5235,7 +4943,7 @@
             <a:fld id="{900D4ED2-6730-A546-A3F7-FD709A31C73D}" type="datetime1">
               <a:rPr lang="en-US" smtClean="0"/>
               <a:pPr lvl="0"/>
-              <a:t>7/6/25</a:t>
+              <a:t>7/29/25</a:t>
             </a:fld>
             <a:endParaRPr lang="en-US"/>
           </a:p>
@@ -11295,7 +11003,7 @@
         <p:cNvPr id="1" name="">
           <a:extLst>
             <a:ext uri="{FF2B5EF4-FFF2-40B4-BE49-F238E27FC236}">
-              <a16:creationId xmlns:a16="http://schemas.microsoft.com/office/drawing/2014/main" id="{6E916925-7F96-4806-AA96-5520FB01CA19}"/>
+              <a16:creationId xmlns:a16="http://schemas.microsoft.com/office/drawing/2014/main" id="{DC9887B0-25EB-2B8E-C46C-EAB56047C7AE}"/>
             </a:ext>
           </a:extLst>
         </p:cNvPr>
@@ -11315,7 +11023,7 @@
           <p:cNvPr id="8" name="Rectangle 7">
             <a:extLst>
               <a:ext uri="{FF2B5EF4-FFF2-40B4-BE49-F238E27FC236}">
-                <a16:creationId xmlns:a16="http://schemas.microsoft.com/office/drawing/2014/main" id="{F0DBF2FB-D11E-798D-DA11-A1F1F6089323}"/>
+                <a16:creationId xmlns:a16="http://schemas.microsoft.com/office/drawing/2014/main" id="{0735DD5A-265D-A8D1-3E4D-0D406BCD8EBA}"/>
               </a:ext>
               <a:ext uri="{C183D7F6-B498-43B3-948B-1728B52AA6E4}">
                 <adec:decorative xmlns:adec="http://schemas.microsoft.com/office/drawing/2017/decorative" val="1"/>
@@ -11407,7 +11115,7 @@
           <p:cNvPr id="10" name="Rectangle 9">
             <a:extLst>
               <a:ext uri="{FF2B5EF4-FFF2-40B4-BE49-F238E27FC236}">
-                <a16:creationId xmlns:a16="http://schemas.microsoft.com/office/drawing/2014/main" id="{7BB408AC-ADD1-B8FA-267A-9E804AA2779D}"/>
+                <a16:creationId xmlns:a16="http://schemas.microsoft.com/office/drawing/2014/main" id="{DEA2E603-7885-7754-92B7-F96F26935C17}"/>
               </a:ext>
               <a:ext uri="{C183D7F6-B498-43B3-948B-1728B52AA6E4}">
                 <adec:decorative xmlns:adec="http://schemas.microsoft.com/office/drawing/2017/decorative" val="1"/>
@@ -11499,7 +11207,7 @@
           <p:cNvPr id="12" name="Rectangle 11">
             <a:extLst>
               <a:ext uri="{FF2B5EF4-FFF2-40B4-BE49-F238E27FC236}">
-                <a16:creationId xmlns:a16="http://schemas.microsoft.com/office/drawing/2014/main" id="{93A1446F-89D4-34BD-DA3A-B02F5EC7BC18}"/>
+                <a16:creationId xmlns:a16="http://schemas.microsoft.com/office/drawing/2014/main" id="{34FA057B-CC30-628A-715B-F8246311F2DA}"/>
               </a:ext>
               <a:ext uri="{C183D7F6-B498-43B3-948B-1728B52AA6E4}">
                 <adec:decorative xmlns:adec="http://schemas.microsoft.com/office/drawing/2017/decorative" val="1"/>
@@ -11592,6 +11300,710 @@
           <p:cNvPr id="2" name="Title 1">
             <a:extLst>
               <a:ext uri="{FF2B5EF4-FFF2-40B4-BE49-F238E27FC236}">
+                <a16:creationId xmlns:a16="http://schemas.microsoft.com/office/drawing/2014/main" id="{BC2ADCD3-71CC-5651-A5F0-E04F86317CE1}"/>
+              </a:ext>
+            </a:extLst>
+          </p:cNvPr>
+          <p:cNvSpPr>
+            <a:spLocks noGrp="1"/>
+          </p:cNvSpPr>
+          <p:nvPr>
+            <p:ph type="title"/>
+          </p:nvPr>
+        </p:nvSpPr>
+        <p:spPr>
+          <a:xfrm>
+            <a:off x="2231136" y="290670"/>
+            <a:ext cx="7729728" cy="1160349"/>
+          </a:xfrm>
+          <a:solidFill>
+            <a:srgbClr val="FFFFFF"/>
+          </a:solidFill>
+        </p:spPr>
+        <p:txBody>
+          <a:bodyPr>
+            <a:normAutofit fontScale="90000"/>
+          </a:bodyPr>
+          <a:lstStyle/>
+          <a:p>
+            <a:r>
+              <a:rPr lang="en-US" b="1" dirty="0"/>
+              <a:t>Two-Step Prompt Design: Persona Construction and Temporal Storytelling </a:t>
+            </a:r>
+            <a:r>
+              <a:rPr lang="en-US" b="1" dirty="0">
+                <a:solidFill>
+                  <a:srgbClr val="FF0000"/>
+                </a:solidFill>
+              </a:rPr>
+              <a:t>new</a:t>
+            </a:r>
+            <a:endParaRPr lang="en-US" dirty="0">
+              <a:solidFill>
+                <a:srgbClr val="FF0000"/>
+              </a:solidFill>
+            </a:endParaRPr>
+          </a:p>
+        </p:txBody>
+      </p:sp>
+      <p:sp>
+        <p:nvSpPr>
+          <p:cNvPr id="3" name="Content Placeholder 2">
+            <a:extLst>
+              <a:ext uri="{FF2B5EF4-FFF2-40B4-BE49-F238E27FC236}">
+                <a16:creationId xmlns:a16="http://schemas.microsoft.com/office/drawing/2014/main" id="{9752F4C2-FC8B-0333-D0F3-478895039403}"/>
+              </a:ext>
+            </a:extLst>
+          </p:cNvPr>
+          <p:cNvSpPr>
+            <a:spLocks noGrp="1"/>
+          </p:cNvSpPr>
+          <p:nvPr>
+            <p:ph idx="1"/>
+          </p:nvPr>
+        </p:nvSpPr>
+        <p:spPr>
+          <a:xfrm>
+            <a:off x="1398851" y="1513907"/>
+            <a:ext cx="9362002" cy="4014882"/>
+          </a:xfrm>
+        </p:spPr>
+        <p:txBody>
+          <a:bodyPr vert="horz" lIns="91440" tIns="45720" rIns="91440" bIns="45720" rtlCol="0">
+            <a:normAutofit fontScale="92500"/>
+          </a:bodyPr>
+          <a:lstStyle/>
+          <a:p>
+            <a:pPr marL="0" indent="0" algn="l" rtl="0">
+              <a:lnSpc>
+                <a:spcPct val="120000"/>
+              </a:lnSpc>
+              <a:spcBef>
+                <a:spcPts val="0"/>
+              </a:spcBef>
+              <a:buNone/>
+            </a:pPr>
+            <a:br>
+              <a:rPr lang="en" dirty="0"/>
+            </a:br>
+            <a:r>
+              <a:rPr lang="en" sz="1100" dirty="0">
+                <a:solidFill>
+                  <a:srgbClr val="404040"/>
+                </a:solidFill>
+              </a:rPr>
+              <a:t>Given the following persona, generate 5 short personal stories told by the character at the following ages:</a:t>
+            </a:r>
+          </a:p>
+          <a:p>
+            <a:pPr marL="0" indent="0" algn="l" rtl="0">
+              <a:lnSpc>
+                <a:spcPct val="120000"/>
+              </a:lnSpc>
+              <a:spcBef>
+                <a:spcPts val="0"/>
+              </a:spcBef>
+              <a:buNone/>
+            </a:pPr>
+            <a:r>
+              <a:rPr lang="en" sz="1100" dirty="0">
+                <a:solidFill>
+                  <a:srgbClr val="404040"/>
+                </a:solidFill>
+              </a:rPr>
+              <a:t>60, 63, 66, 69, 75</a:t>
+            </a:r>
+            <a:br>
+              <a:rPr lang="en" sz="1100" dirty="0">
+                <a:solidFill>
+                  <a:srgbClr val="404040"/>
+                </a:solidFill>
+              </a:rPr>
+            </a:br>
+            <a:r>
+              <a:rPr lang="en-US" sz="1100" dirty="0">
+                <a:solidFill>
+                  <a:srgbClr val="404040"/>
+                </a:solidFill>
+              </a:rPr>
+              <a:t>___________________________________________________________________________________________________________________________</a:t>
+            </a:r>
+          </a:p>
+          <a:p>
+            <a:pPr marL="0" indent="0" algn="l" rtl="0">
+              <a:lnSpc>
+                <a:spcPct val="120000"/>
+              </a:lnSpc>
+              <a:spcBef>
+                <a:spcPts val="0"/>
+              </a:spcBef>
+              <a:buNone/>
+            </a:pPr>
+            <a:r>
+              <a:rPr lang="en" sz="1100" dirty="0">
+                <a:solidFill>
+                  <a:srgbClr val="404040"/>
+                </a:solidFill>
+              </a:rPr>
+              <a:t>The character is attempting to retell the exact same specific memory at each of these ages.</a:t>
+            </a:r>
+          </a:p>
+          <a:p>
+            <a:pPr marL="0" indent="0" algn="l" rtl="0">
+              <a:lnSpc>
+                <a:spcPct val="120000"/>
+              </a:lnSpc>
+              <a:spcBef>
+                <a:spcPts val="0"/>
+              </a:spcBef>
+              <a:buNone/>
+            </a:pPr>
+            <a:r>
+              <a:rPr lang="en" sz="1100" dirty="0">
+                <a:solidFill>
+                  <a:srgbClr val="404040"/>
+                </a:solidFill>
+              </a:rPr>
+              <a:t>That means:</a:t>
+            </a:r>
+          </a:p>
+          <a:p>
+            <a:pPr marL="0" indent="0" algn="l" rtl="0">
+              <a:lnSpc>
+                <a:spcPct val="120000"/>
+              </a:lnSpc>
+              <a:spcBef>
+                <a:spcPts val="0"/>
+              </a:spcBef>
+              <a:buNone/>
+            </a:pPr>
+            <a:r>
+              <a:rPr lang="en" sz="1100" dirty="0">
+                <a:solidFill>
+                  <a:srgbClr val="404040"/>
+                </a:solidFill>
+              </a:rPr>
+              <a:t>The core event and setting should remain consistent across all five retellings.</a:t>
+            </a:r>
+          </a:p>
+          <a:p>
+            <a:pPr marL="0" indent="0" algn="l" rtl="0">
+              <a:lnSpc>
+                <a:spcPct val="120000"/>
+              </a:lnSpc>
+              <a:spcBef>
+                <a:spcPts val="0"/>
+              </a:spcBef>
+              <a:buNone/>
+            </a:pPr>
+            <a:r>
+              <a:rPr lang="en" sz="1100" dirty="0">
+                <a:solidFill>
+                  <a:srgbClr val="404040"/>
+                </a:solidFill>
+              </a:rPr>
+              <a:t>However, how the story is told — what is remembered, how it’s framed emotionally, what details are emphasized, omitted, or altered — should change naturally with age.</a:t>
+            </a:r>
+          </a:p>
+          <a:p>
+            <a:pPr marL="0" indent="0" algn="l" rtl="0">
+              <a:lnSpc>
+                <a:spcPct val="120000"/>
+              </a:lnSpc>
+              <a:spcBef>
+                <a:spcPts val="0"/>
+              </a:spcBef>
+              <a:buNone/>
+            </a:pPr>
+            <a:r>
+              <a:rPr lang="en-US" sz="1100" dirty="0">
+                <a:solidFill>
+                  <a:srgbClr val="404040"/>
+                </a:solidFill>
+              </a:rPr>
+              <a:t>___________________________________________________________________________________________________________________________</a:t>
+            </a:r>
+          </a:p>
+          <a:p>
+            <a:pPr marL="0" indent="0" algn="l" rtl="0">
+              <a:lnSpc>
+                <a:spcPct val="120000"/>
+              </a:lnSpc>
+              <a:spcBef>
+                <a:spcPts val="0"/>
+              </a:spcBef>
+              <a:buNone/>
+            </a:pPr>
+            <a:r>
+              <a:rPr lang="en-US" sz="1200" dirty="0">
+                <a:solidFill>
+                  <a:srgbClr val="404040"/>
+                </a:solidFill>
+              </a:rPr>
+              <a:t>Each story should:</a:t>
+            </a:r>
+          </a:p>
+          <a:p>
+            <a:pPr marL="0" indent="0" algn="l" rtl="0">
+              <a:lnSpc>
+                <a:spcPct val="120000"/>
+              </a:lnSpc>
+              <a:spcBef>
+                <a:spcPts val="0"/>
+              </a:spcBef>
+              <a:buNone/>
+            </a:pPr>
+            <a:r>
+              <a:rPr lang="en-US" sz="1200" dirty="0">
+                <a:solidFill>
+                  <a:srgbClr val="404040"/>
+                </a:solidFill>
+              </a:rPr>
+              <a:t>Be written in first person, as if the character is telling the memory aloud.</a:t>
+            </a:r>
+          </a:p>
+          <a:p>
+            <a:pPr marL="0" indent="0" algn="l" rtl="0">
+              <a:lnSpc>
+                <a:spcPct val="120000"/>
+              </a:lnSpc>
+              <a:spcBef>
+                <a:spcPts val="0"/>
+              </a:spcBef>
+              <a:buNone/>
+            </a:pPr>
+            <a:r>
+              <a:rPr lang="en-US" sz="1200" dirty="0">
+                <a:solidFill>
+                  <a:srgbClr val="404040"/>
+                </a:solidFill>
+              </a:rPr>
+              <a:t>Be approximately 150 words in length.</a:t>
+            </a:r>
+          </a:p>
+          <a:p>
+            <a:pPr marL="0" indent="0" algn="l" rtl="0">
+              <a:lnSpc>
+                <a:spcPct val="120000"/>
+              </a:lnSpc>
+              <a:spcBef>
+                <a:spcPts val="0"/>
+              </a:spcBef>
+              <a:buNone/>
+            </a:pPr>
+            <a:r>
+              <a:rPr lang="en-US" sz="1200" dirty="0">
+                <a:solidFill>
+                  <a:srgbClr val="404040"/>
+                </a:solidFill>
+              </a:rPr>
+              <a:t>Do not mention or explain Alzheimer’s or any diagnosis explicitly.</a:t>
+            </a:r>
+          </a:p>
+          <a:p>
+            <a:pPr marL="0" indent="0" algn="l" rtl="0">
+              <a:lnSpc>
+                <a:spcPct val="120000"/>
+              </a:lnSpc>
+              <a:spcBef>
+                <a:spcPts val="0"/>
+              </a:spcBef>
+              <a:buNone/>
+            </a:pPr>
+            <a:r>
+              <a:rPr lang="en-US" sz="1200" dirty="0">
+                <a:solidFill>
+                  <a:srgbClr val="404040"/>
+                </a:solidFill>
+              </a:rPr>
+              <a:t>________________________________________________________________________________________________________________</a:t>
+            </a:r>
+          </a:p>
+          <a:p>
+            <a:pPr marL="0" indent="0" algn="l" rtl="0">
+              <a:lnSpc>
+                <a:spcPct val="120000"/>
+              </a:lnSpc>
+              <a:spcBef>
+                <a:spcPts val="0"/>
+              </a:spcBef>
+              <a:buNone/>
+            </a:pPr>
+            <a:r>
+              <a:rPr lang="en-US" sz="1200" dirty="0">
+                <a:solidFill>
+                  <a:srgbClr val="404040"/>
+                </a:solidFill>
+              </a:rPr>
+              <a:t>The character begins to experience Alzheimer’s disease at the age of X</a:t>
+            </a:r>
+          </a:p>
+          <a:p>
+            <a:pPr marL="0" indent="0" algn="l" rtl="0">
+              <a:lnSpc>
+                <a:spcPct val="120000"/>
+              </a:lnSpc>
+              <a:spcBef>
+                <a:spcPts val="0"/>
+              </a:spcBef>
+              <a:buNone/>
+            </a:pPr>
+            <a:r>
+              <a:rPr lang="en-US" sz="1200" dirty="0">
+                <a:solidFill>
+                  <a:srgbClr val="404040"/>
+                </a:solidFill>
+              </a:rPr>
+              <a:t>Let this be reflected — subtly and naturally — in the storytelling itself: You are free to decide how these changes appear based on your understanding of the condition. Please approach this task with intellectual depth and seriousness. Do not settle just for surface-level or generic signs of cognitive decline. Instead, research the subject thoroughly and let the deterioration emerge in subtle, realistic, and progressively complex ways, informed by real understanding.</a:t>
+            </a:r>
+          </a:p>
+          <a:p>
+            <a:pPr marL="0" indent="0" algn="l" rtl="0">
+              <a:lnSpc>
+                <a:spcPct val="120000"/>
+              </a:lnSpc>
+              <a:spcBef>
+                <a:spcPts val="0"/>
+              </a:spcBef>
+              <a:buNone/>
+            </a:pPr>
+            <a:r>
+              <a:rPr lang="en-US" sz="1200" dirty="0">
+                <a:solidFill>
+                  <a:srgbClr val="404040"/>
+                </a:solidFill>
+              </a:rPr>
+              <a:t> Give your answer in JSON. </a:t>
+            </a:r>
+          </a:p>
+        </p:txBody>
+      </p:sp>
+    </p:spTree>
+    <p:extLst>
+      <p:ext uri="{BB962C8B-B14F-4D97-AF65-F5344CB8AC3E}">
+        <p14:creationId xmlns:p14="http://schemas.microsoft.com/office/powerpoint/2010/main" val="2867343387"/>
+      </p:ext>
+    </p:extLst>
+  </p:cSld>
+  <p:clrMapOvr>
+    <a:masterClrMapping/>
+  </p:clrMapOvr>
+</p:sld>
+</file>
+
+<file path=ppt/slides/slide21.xml><?xml version="1.0" encoding="utf-8"?>
+<p:sld xmlns:a="http://schemas.openxmlformats.org/drawingml/2006/main" xmlns:r="http://schemas.openxmlformats.org/officeDocument/2006/relationships" xmlns:p="http://schemas.openxmlformats.org/presentationml/2006/main">
+  <p:cSld>
+    <p:bg>
+      <p:bgPr>
+        <a:solidFill>
+          <a:schemeClr val="bg1"/>
+        </a:solidFill>
+        <a:effectLst/>
+      </p:bgPr>
+    </p:bg>
+    <p:spTree>
+      <p:nvGrpSpPr>
+        <p:cNvPr id="1" name="">
+          <a:extLst>
+            <a:ext uri="{FF2B5EF4-FFF2-40B4-BE49-F238E27FC236}">
+              <a16:creationId xmlns:a16="http://schemas.microsoft.com/office/drawing/2014/main" id="{6E916925-7F96-4806-AA96-5520FB01CA19}"/>
+            </a:ext>
+          </a:extLst>
+        </p:cNvPr>
+        <p:cNvGrpSpPr/>
+        <p:nvPr/>
+      </p:nvGrpSpPr>
+      <p:grpSpPr>
+        <a:xfrm>
+          <a:off x="0" y="0"/>
+          <a:ext cx="0" cy="0"/>
+          <a:chOff x="0" y="0"/>
+          <a:chExt cx="0" cy="0"/>
+        </a:xfrm>
+      </p:grpSpPr>
+      <p:sp>
+        <p:nvSpPr>
+          <p:cNvPr id="8" name="Rectangle 7">
+            <a:extLst>
+              <a:ext uri="{FF2B5EF4-FFF2-40B4-BE49-F238E27FC236}">
+                <a16:creationId xmlns:a16="http://schemas.microsoft.com/office/drawing/2014/main" id="{F0DBF2FB-D11E-798D-DA11-A1F1F6089323}"/>
+              </a:ext>
+              <a:ext uri="{C183D7F6-B498-43B3-948B-1728B52AA6E4}">
+                <adec:decorative xmlns:adec="http://schemas.microsoft.com/office/drawing/2017/decorative" val="1"/>
+              </a:ext>
+            </a:extLst>
+          </p:cNvPr>
+          <p:cNvSpPr>
+            <a:spLocks noGrp="1" noRot="1" noChangeAspect="1" noMove="1" noResize="1" noEditPoints="1" noAdjustHandles="1" noChangeArrowheads="1" noChangeShapeType="1" noTextEdit="1"/>
+          </p:cNvSpPr>
+          <p:nvPr>
+            <p:extLst>
+              <p:ext uri="{386F3935-93C4-4BCD-93E2-E3B085C9AB24}">
+                <p16:designElem xmlns:p16="http://schemas.microsoft.com/office/powerpoint/2015/main" val="1"/>
+              </p:ext>
+            </p:extLst>
+          </p:nvPr>
+        </p:nvSpPr>
+        <p:spPr>
+          <a:xfrm>
+            <a:off x="0" y="0"/>
+            <a:ext cx="12192000" cy="6858000"/>
+          </a:xfrm>
+          <a:prstGeom prst="rect">
+            <a:avLst/>
+          </a:prstGeom>
+          <a:solidFill>
+            <a:schemeClr val="accent2"/>
+          </a:solidFill>
+          <a:ln>
+            <a:noFill/>
+          </a:ln>
+        </p:spPr>
+        <p:style>
+          <a:lnRef idx="2">
+            <a:schemeClr val="accent1">
+              <a:shade val="50000"/>
+            </a:schemeClr>
+          </a:lnRef>
+          <a:fillRef idx="1">
+            <a:schemeClr val="accent1"/>
+          </a:fillRef>
+          <a:effectRef idx="0">
+            <a:schemeClr val="accent1"/>
+          </a:effectRef>
+          <a:fontRef idx="minor">
+            <a:schemeClr val="lt1"/>
+          </a:fontRef>
+        </p:style>
+        <p:txBody>
+          <a:bodyPr rtlCol="0" anchor="ctr"/>
+          <a:lstStyle/>
+          <a:p>
+            <a:pPr marL="0" marR="0" lvl="0" indent="0" algn="ctr" defTabSz="457200" rtl="0" eaLnBrk="1" fontAlgn="auto" latinLnBrk="0" hangingPunct="1">
+              <a:lnSpc>
+                <a:spcPct val="100000"/>
+              </a:lnSpc>
+              <a:spcBef>
+                <a:spcPts val="0"/>
+              </a:spcBef>
+              <a:spcAft>
+                <a:spcPts val="0"/>
+              </a:spcAft>
+              <a:buClrTx/>
+              <a:buSzTx/>
+              <a:buFontTx/>
+              <a:buNone/>
+              <a:tabLst/>
+              <a:defRPr/>
+            </a:pPr>
+            <a:endParaRPr kumimoji="0" lang="en-US" sz="1800" b="0" i="0" u="none" strike="noStrike" kern="1200" cap="none" spc="0" normalizeH="0" baseline="0" noProof="0">
+              <a:ln>
+                <a:noFill/>
+              </a:ln>
+              <a:solidFill>
+                <a:srgbClr val="FFFFFF"/>
+              </a:solidFill>
+              <a:effectLst/>
+              <a:uLnTx/>
+              <a:uFillTx/>
+              <a:latin typeface="Gill Sans MT" panose="020B0502020104020203"/>
+              <a:ea typeface="+mn-ea"/>
+              <a:cs typeface="+mn-cs"/>
+            </a:endParaRPr>
+          </a:p>
+        </p:txBody>
+      </p:sp>
+      <p:sp>
+        <p:nvSpPr>
+          <p:cNvPr id="10" name="Rectangle 9">
+            <a:extLst>
+              <a:ext uri="{FF2B5EF4-FFF2-40B4-BE49-F238E27FC236}">
+                <a16:creationId xmlns:a16="http://schemas.microsoft.com/office/drawing/2014/main" id="{7BB408AC-ADD1-B8FA-267A-9E804AA2779D}"/>
+              </a:ext>
+              <a:ext uri="{C183D7F6-B498-43B3-948B-1728B52AA6E4}">
+                <adec:decorative xmlns:adec="http://schemas.microsoft.com/office/drawing/2017/decorative" val="1"/>
+              </a:ext>
+            </a:extLst>
+          </p:cNvPr>
+          <p:cNvSpPr>
+            <a:spLocks noGrp="1" noRot="1" noChangeAspect="1" noMove="1" noResize="1" noEditPoints="1" noAdjustHandles="1" noChangeArrowheads="1" noChangeShapeType="1" noTextEdit="1"/>
+          </p:cNvSpPr>
+          <p:nvPr>
+            <p:extLst>
+              <p:ext uri="{386F3935-93C4-4BCD-93E2-E3B085C9AB24}">
+                <p16:designElem xmlns:p16="http://schemas.microsoft.com/office/powerpoint/2015/main" val="1"/>
+              </p:ext>
+            </p:extLst>
+          </p:nvPr>
+        </p:nvSpPr>
+        <p:spPr>
+          <a:xfrm>
+            <a:off x="1249680" y="1248156"/>
+            <a:ext cx="9692640" cy="4361688"/>
+          </a:xfrm>
+          <a:prstGeom prst="rect">
+            <a:avLst/>
+          </a:prstGeom>
+          <a:solidFill>
+            <a:srgbClr val="FFFFFF"/>
+          </a:solidFill>
+          <a:ln>
+            <a:noFill/>
+          </a:ln>
+        </p:spPr>
+        <p:style>
+          <a:lnRef idx="2">
+            <a:schemeClr val="accent1">
+              <a:shade val="50000"/>
+            </a:schemeClr>
+          </a:lnRef>
+          <a:fillRef idx="1">
+            <a:schemeClr val="accent1"/>
+          </a:fillRef>
+          <a:effectRef idx="0">
+            <a:schemeClr val="accent1"/>
+          </a:effectRef>
+          <a:fontRef idx="minor">
+            <a:schemeClr val="lt1"/>
+          </a:fontRef>
+        </p:style>
+        <p:txBody>
+          <a:bodyPr rtlCol="0" anchor="ctr"/>
+          <a:lstStyle/>
+          <a:p>
+            <a:pPr marL="0" marR="0" lvl="0" indent="0" algn="ctr" defTabSz="457200" rtl="0" eaLnBrk="1" fontAlgn="auto" latinLnBrk="0" hangingPunct="1">
+              <a:lnSpc>
+                <a:spcPct val="100000"/>
+              </a:lnSpc>
+              <a:spcBef>
+                <a:spcPts val="0"/>
+              </a:spcBef>
+              <a:spcAft>
+                <a:spcPts val="0"/>
+              </a:spcAft>
+              <a:buClrTx/>
+              <a:buSzTx/>
+              <a:buFontTx/>
+              <a:buNone/>
+              <a:tabLst/>
+              <a:defRPr/>
+            </a:pPr>
+            <a:endParaRPr kumimoji="0" lang="en-US" sz="1800" b="0" i="0" u="none" strike="noStrike" kern="1200" cap="none" spc="0" normalizeH="0" baseline="0" noProof="0">
+              <a:ln>
+                <a:noFill/>
+              </a:ln>
+              <a:solidFill>
+                <a:srgbClr val="FFFFFF"/>
+              </a:solidFill>
+              <a:effectLst/>
+              <a:uLnTx/>
+              <a:uFillTx/>
+              <a:latin typeface="Gill Sans MT" panose="020B0502020104020203"/>
+              <a:ea typeface="+mn-ea"/>
+              <a:cs typeface="+mn-cs"/>
+            </a:endParaRPr>
+          </a:p>
+        </p:txBody>
+      </p:sp>
+      <p:sp>
+        <p:nvSpPr>
+          <p:cNvPr id="12" name="Rectangle 11">
+            <a:extLst>
+              <a:ext uri="{FF2B5EF4-FFF2-40B4-BE49-F238E27FC236}">
+                <a16:creationId xmlns:a16="http://schemas.microsoft.com/office/drawing/2014/main" id="{93A1446F-89D4-34BD-DA3A-B02F5EC7BC18}"/>
+              </a:ext>
+              <a:ext uri="{C183D7F6-B498-43B3-948B-1728B52AA6E4}">
+                <adec:decorative xmlns:adec="http://schemas.microsoft.com/office/drawing/2017/decorative" val="1"/>
+              </a:ext>
+            </a:extLst>
+          </p:cNvPr>
+          <p:cNvSpPr>
+            <a:spLocks noGrp="1" noRot="1" noChangeAspect="1" noMove="1" noResize="1" noEditPoints="1" noAdjustHandles="1" noChangeArrowheads="1" noChangeShapeType="1" noTextEdit="1"/>
+          </p:cNvSpPr>
+          <p:nvPr>
+            <p:extLst>
+              <p:ext uri="{386F3935-93C4-4BCD-93E2-E3B085C9AB24}">
+                <p16:designElem xmlns:p16="http://schemas.microsoft.com/office/powerpoint/2015/main" val="1"/>
+              </p:ext>
+            </p:extLst>
+          </p:nvPr>
+        </p:nvSpPr>
+        <p:spPr>
+          <a:xfrm>
+            <a:off x="1062228" y="1060704"/>
+            <a:ext cx="10067544" cy="4736592"/>
+          </a:xfrm>
+          <a:prstGeom prst="rect">
+            <a:avLst/>
+          </a:prstGeom>
+          <a:noFill/>
+          <a:ln w="31750" cap="sq">
+            <a:solidFill>
+              <a:srgbClr val="FFFFFF"/>
+            </a:solidFill>
+            <a:miter lim="800000"/>
+          </a:ln>
+        </p:spPr>
+        <p:style>
+          <a:lnRef idx="2">
+            <a:schemeClr val="accent1">
+              <a:shade val="50000"/>
+            </a:schemeClr>
+          </a:lnRef>
+          <a:fillRef idx="1">
+            <a:schemeClr val="accent1"/>
+          </a:fillRef>
+          <a:effectRef idx="0">
+            <a:schemeClr val="accent1"/>
+          </a:effectRef>
+          <a:fontRef idx="minor">
+            <a:schemeClr val="lt1"/>
+          </a:fontRef>
+        </p:style>
+        <p:txBody>
+          <a:bodyPr rtlCol="0" anchor="ctr"/>
+          <a:lstStyle/>
+          <a:p>
+            <a:pPr marL="0" marR="0" lvl="0" indent="0" algn="ctr" defTabSz="457200" rtl="0" eaLnBrk="1" fontAlgn="auto" latinLnBrk="0" hangingPunct="1">
+              <a:lnSpc>
+                <a:spcPct val="100000"/>
+              </a:lnSpc>
+              <a:spcBef>
+                <a:spcPts val="0"/>
+              </a:spcBef>
+              <a:spcAft>
+                <a:spcPts val="0"/>
+              </a:spcAft>
+              <a:buClrTx/>
+              <a:buSzTx/>
+              <a:buFontTx/>
+              <a:buNone/>
+              <a:tabLst/>
+              <a:defRPr/>
+            </a:pPr>
+            <a:endParaRPr kumimoji="0" lang="en-US" sz="1800" b="0" i="0" u="none" strike="noStrike" kern="1200" cap="none" spc="0" normalizeH="0" baseline="0" noProof="0">
+              <a:ln>
+                <a:noFill/>
+              </a:ln>
+              <a:solidFill>
+                <a:srgbClr val="FFFFFF"/>
+              </a:solidFill>
+              <a:effectLst/>
+              <a:uLnTx/>
+              <a:uFillTx/>
+              <a:latin typeface="Gill Sans MT" panose="020B0502020104020203"/>
+              <a:ea typeface="+mn-ea"/>
+              <a:cs typeface="+mn-cs"/>
+            </a:endParaRPr>
+          </a:p>
+        </p:txBody>
+      </p:sp>
+      <p:sp>
+        <p:nvSpPr>
+          <p:cNvPr id="2" name="Title 1">
+            <a:extLst>
+              <a:ext uri="{FF2B5EF4-FFF2-40B4-BE49-F238E27FC236}">
                 <a16:creationId xmlns:a16="http://schemas.microsoft.com/office/drawing/2014/main" id="{52B477B3-4BEA-B508-EEA2-1D183B86B929}"/>
               </a:ext>
             </a:extLst>
@@ -11632,10 +12044,10 @@
       </p:sp>
       <p:pic>
         <p:nvPicPr>
-          <p:cNvPr id="3" name="תמונה 2">
+          <p:cNvPr id="5" name="תמונה 4">
             <a:extLst>
               <a:ext uri="{FF2B5EF4-FFF2-40B4-BE49-F238E27FC236}">
-                <a16:creationId xmlns:a16="http://schemas.microsoft.com/office/drawing/2014/main" id="{FDC6F5BE-5717-1EA9-0707-AC35707E46BB}"/>
+                <a16:creationId xmlns:a16="http://schemas.microsoft.com/office/drawing/2014/main" id="{EAC03C5B-2599-DED1-5A08-29AF55BF2E81}"/>
               </a:ext>
             </a:extLst>
           </p:cNvPr>
@@ -11652,8 +12064,8 @@
         </p:blipFill>
         <p:spPr>
           <a:xfrm>
-            <a:off x="1347426" y="1308016"/>
-            <a:ext cx="9493264" cy="3421430"/>
+            <a:off x="1584158" y="1374289"/>
+            <a:ext cx="8871284" cy="4174722"/>
           </a:xfrm>
           <a:prstGeom prst="rect">
             <a:avLst/>
@@ -11673,7 +12085,7 @@
 </p:sld>
 </file>
 
-<file path=ppt/slides/slide21.xml><?xml version="1.0" encoding="utf-8"?>
+<file path=ppt/slides/slide22.xml><?xml version="1.0" encoding="utf-8"?>
 <p:sld xmlns:a="http://schemas.openxmlformats.org/drawingml/2006/main" xmlns:r="http://schemas.openxmlformats.org/officeDocument/2006/relationships" xmlns:p="http://schemas.openxmlformats.org/presentationml/2006/main">
   <p:cSld>
     <p:bg>
@@ -11906,7 +12318,665 @@
 </p:sld>
 </file>
 
-<file path=ppt/slides/slide22.xml><?xml version="1.0" encoding="utf-8"?>
+<file path=ppt/slides/slide23.xml><?xml version="1.0" encoding="utf-8"?>
+<p:sld xmlns:a="http://schemas.openxmlformats.org/drawingml/2006/main" xmlns:r="http://schemas.openxmlformats.org/officeDocument/2006/relationships" xmlns:p="http://schemas.openxmlformats.org/presentationml/2006/main">
+  <p:cSld>
+    <p:bg>
+      <p:bgPr>
+        <a:solidFill>
+          <a:schemeClr val="bg1"/>
+        </a:solidFill>
+        <a:effectLst/>
+      </p:bgPr>
+    </p:bg>
+    <p:spTree>
+      <p:nvGrpSpPr>
+        <p:cNvPr id="1" name="">
+          <a:extLst>
+            <a:ext uri="{FF2B5EF4-FFF2-40B4-BE49-F238E27FC236}">
+              <a16:creationId xmlns:a16="http://schemas.microsoft.com/office/drawing/2014/main" id="{ECFBE41F-297D-84E7-5E85-4CE9B8025788}"/>
+            </a:ext>
+          </a:extLst>
+        </p:cNvPr>
+        <p:cNvGrpSpPr/>
+        <p:nvPr/>
+      </p:nvGrpSpPr>
+      <p:grpSpPr>
+        <a:xfrm>
+          <a:off x="0" y="0"/>
+          <a:ext cx="0" cy="0"/>
+          <a:chOff x="0" y="0"/>
+          <a:chExt cx="0" cy="0"/>
+        </a:xfrm>
+      </p:grpSpPr>
+      <p:sp useBgFill="1">
+        <p:nvSpPr>
+          <p:cNvPr id="17" name="Rectangle 16">
+            <a:extLst>
+              <a:ext uri="{FF2B5EF4-FFF2-40B4-BE49-F238E27FC236}">
+                <a16:creationId xmlns:a16="http://schemas.microsoft.com/office/drawing/2014/main" id="{78912742-7BCA-9B12-2161-64D5F7E988C9}"/>
+              </a:ext>
+              <a:ext uri="{C183D7F6-B498-43B3-948B-1728B52AA6E4}">
+                <adec:decorative xmlns:adec="http://schemas.microsoft.com/office/drawing/2017/decorative" val="1"/>
+              </a:ext>
+            </a:extLst>
+          </p:cNvPr>
+          <p:cNvSpPr>
+            <a:spLocks noGrp="1" noRot="1" noChangeAspect="1" noMove="1" noResize="1" noEditPoints="1" noAdjustHandles="1" noChangeArrowheads="1" noChangeShapeType="1" noTextEdit="1"/>
+          </p:cNvSpPr>
+          <p:nvPr>
+            <p:extLst>
+              <p:ext uri="{386F3935-93C4-4BCD-93E2-E3B085C9AB24}">
+                <p16:designElem xmlns:p16="http://schemas.microsoft.com/office/powerpoint/2015/main" val="1"/>
+              </p:ext>
+            </p:extLst>
+          </p:nvPr>
+        </p:nvSpPr>
+        <p:spPr>
+          <a:xfrm>
+            <a:off x="0" y="0"/>
+            <a:ext cx="12191999" cy="6858000"/>
+          </a:xfrm>
+          <a:prstGeom prst="rect">
+            <a:avLst/>
+          </a:prstGeom>
+          <a:ln>
+            <a:noFill/>
+          </a:ln>
+        </p:spPr>
+        <p:style>
+          <a:lnRef idx="2">
+            <a:schemeClr val="accent1">
+              <a:shade val="50000"/>
+            </a:schemeClr>
+          </a:lnRef>
+          <a:fillRef idx="1">
+            <a:schemeClr val="accent1"/>
+          </a:fillRef>
+          <a:effectRef idx="0">
+            <a:schemeClr val="accent1"/>
+          </a:effectRef>
+          <a:fontRef idx="minor">
+            <a:schemeClr val="lt1"/>
+          </a:fontRef>
+        </p:style>
+        <p:txBody>
+          <a:bodyPr rtlCol="0" anchor="ctr"/>
+          <a:lstStyle/>
+          <a:p>
+            <a:pPr marL="0" marR="0" lvl="0" indent="0" algn="ctr" defTabSz="457200" rtl="0" eaLnBrk="1" fontAlgn="auto" latinLnBrk="0" hangingPunct="1">
+              <a:lnSpc>
+                <a:spcPct val="100000"/>
+              </a:lnSpc>
+              <a:spcBef>
+                <a:spcPts val="0"/>
+              </a:spcBef>
+              <a:spcAft>
+                <a:spcPts val="0"/>
+              </a:spcAft>
+              <a:buClrTx/>
+              <a:buSzTx/>
+              <a:buFontTx/>
+              <a:buNone/>
+              <a:tabLst/>
+              <a:defRPr/>
+            </a:pPr>
+            <a:endParaRPr kumimoji="0" lang="en-US" sz="1800" b="0" i="0" u="none" strike="noStrike" kern="1200" cap="none" spc="0" normalizeH="0" baseline="0" noProof="0">
+              <a:ln>
+                <a:noFill/>
+              </a:ln>
+              <a:solidFill>
+                <a:srgbClr val="FFFFFF"/>
+              </a:solidFill>
+              <a:effectLst/>
+              <a:uLnTx/>
+              <a:uFillTx/>
+              <a:latin typeface="Gill Sans MT" panose="020B0502020104020203"/>
+              <a:ea typeface="+mn-ea"/>
+              <a:cs typeface="+mn-cs"/>
+            </a:endParaRPr>
+          </a:p>
+        </p:txBody>
+      </p:sp>
+      <p:sp>
+        <p:nvSpPr>
+          <p:cNvPr id="19" name="Rectangle 18">
+            <a:extLst>
+              <a:ext uri="{FF2B5EF4-FFF2-40B4-BE49-F238E27FC236}">
+                <a16:creationId xmlns:a16="http://schemas.microsoft.com/office/drawing/2014/main" id="{FABF0D7A-5FF7-8023-0E0C-9BB99CCED906}"/>
+              </a:ext>
+              <a:ext uri="{C183D7F6-B498-43B3-948B-1728B52AA6E4}">
+                <adec:decorative xmlns:adec="http://schemas.microsoft.com/office/drawing/2017/decorative" val="1"/>
+              </a:ext>
+            </a:extLst>
+          </p:cNvPr>
+          <p:cNvSpPr>
+            <a:spLocks noGrp="1" noRot="1" noChangeAspect="1" noMove="1" noResize="1" noEditPoints="1" noAdjustHandles="1" noChangeArrowheads="1" noChangeShapeType="1" noTextEdit="1"/>
+          </p:cNvSpPr>
+          <p:nvPr>
+            <p:extLst>
+              <p:ext uri="{386F3935-93C4-4BCD-93E2-E3B085C9AB24}">
+                <p16:designElem xmlns:p16="http://schemas.microsoft.com/office/powerpoint/2015/main" val="1"/>
+              </p:ext>
+            </p:extLst>
+          </p:nvPr>
+        </p:nvSpPr>
+        <p:spPr>
+          <a:xfrm>
+            <a:off x="1" y="1"/>
+            <a:ext cx="4654296" cy="6858000"/>
+          </a:xfrm>
+          <a:prstGeom prst="rect">
+            <a:avLst/>
+          </a:prstGeom>
+          <a:solidFill>
+            <a:schemeClr val="accent2"/>
+          </a:solidFill>
+          <a:ln>
+            <a:noFill/>
+          </a:ln>
+        </p:spPr>
+        <p:style>
+          <a:lnRef idx="2">
+            <a:schemeClr val="accent1">
+              <a:shade val="50000"/>
+            </a:schemeClr>
+          </a:lnRef>
+          <a:fillRef idx="1">
+            <a:schemeClr val="accent1"/>
+          </a:fillRef>
+          <a:effectRef idx="0">
+            <a:schemeClr val="accent1"/>
+          </a:effectRef>
+          <a:fontRef idx="minor">
+            <a:schemeClr val="lt1"/>
+          </a:fontRef>
+        </p:style>
+        <p:txBody>
+          <a:bodyPr rtlCol="0" anchor="ctr"/>
+          <a:lstStyle/>
+          <a:p>
+            <a:pPr marL="0" marR="0" lvl="0" indent="0" algn="ctr" defTabSz="457200" rtl="0" eaLnBrk="1" fontAlgn="auto" latinLnBrk="0" hangingPunct="1">
+              <a:lnSpc>
+                <a:spcPct val="100000"/>
+              </a:lnSpc>
+              <a:spcBef>
+                <a:spcPts val="0"/>
+              </a:spcBef>
+              <a:spcAft>
+                <a:spcPts val="0"/>
+              </a:spcAft>
+              <a:buClrTx/>
+              <a:buSzTx/>
+              <a:buFontTx/>
+              <a:buNone/>
+              <a:tabLst/>
+              <a:defRPr/>
+            </a:pPr>
+            <a:endParaRPr kumimoji="0" lang="en-US" sz="1800" b="0" i="0" u="none" strike="noStrike" kern="1200" cap="none" spc="0" normalizeH="0" baseline="0" noProof="0">
+              <a:ln>
+                <a:noFill/>
+              </a:ln>
+              <a:solidFill>
+                <a:srgbClr val="FFFFFF"/>
+              </a:solidFill>
+              <a:effectLst/>
+              <a:uLnTx/>
+              <a:uFillTx/>
+              <a:latin typeface="Gill Sans MT" panose="020B0502020104020203"/>
+              <a:ea typeface="+mn-ea"/>
+              <a:cs typeface="+mn-cs"/>
+            </a:endParaRPr>
+          </a:p>
+        </p:txBody>
+      </p:sp>
+      <p:sp>
+        <p:nvSpPr>
+          <p:cNvPr id="2" name="Title 1">
+            <a:extLst>
+              <a:ext uri="{FF2B5EF4-FFF2-40B4-BE49-F238E27FC236}">
+                <a16:creationId xmlns:a16="http://schemas.microsoft.com/office/drawing/2014/main" id="{856F321F-BA10-4BAD-6DEB-B25D9D0D477D}"/>
+              </a:ext>
+            </a:extLst>
+          </p:cNvPr>
+          <p:cNvSpPr>
+            <a:spLocks noGrp="1"/>
+          </p:cNvSpPr>
+          <p:nvPr>
+            <p:ph type="title"/>
+          </p:nvPr>
+        </p:nvSpPr>
+        <p:spPr>
+          <a:xfrm>
+            <a:off x="804672" y="2404872"/>
+            <a:ext cx="3044950" cy="1627792"/>
+          </a:xfrm>
+        </p:spPr>
+        <p:txBody>
+          <a:bodyPr>
+            <a:normAutofit/>
+          </a:bodyPr>
+          <a:lstStyle/>
+          <a:p>
+            <a:r>
+              <a:rPr lang="en-US" b="1" dirty="0"/>
+              <a:t>Results in progress</a:t>
+            </a:r>
+            <a:br>
+              <a:rPr lang="en-US" b="1" dirty="0"/>
+            </a:br>
+            <a:r>
+              <a:rPr lang="en-US" b="1" dirty="0">
+                <a:solidFill>
+                  <a:srgbClr val="FF0000"/>
+                </a:solidFill>
+              </a:rPr>
+              <a:t>new</a:t>
+            </a:r>
+            <a:endParaRPr lang="en-US" dirty="0">
+              <a:solidFill>
+                <a:srgbClr val="FF0000"/>
+              </a:solidFill>
+            </a:endParaRPr>
+          </a:p>
+        </p:txBody>
+      </p:sp>
+      <p:pic>
+        <p:nvPicPr>
+          <p:cNvPr id="5" name="תמונה 4">
+            <a:extLst>
+              <a:ext uri="{FF2B5EF4-FFF2-40B4-BE49-F238E27FC236}">
+                <a16:creationId xmlns:a16="http://schemas.microsoft.com/office/drawing/2014/main" id="{21915F8E-3A06-5822-DE04-6D8F1A906935}"/>
+              </a:ext>
+            </a:extLst>
+          </p:cNvPr>
+          <p:cNvPicPr>
+            <a:picLocks noChangeAspect="1"/>
+          </p:cNvPicPr>
+          <p:nvPr/>
+        </p:nvPicPr>
+        <p:blipFill>
+          <a:blip r:embed="rId3"/>
+          <a:stretch>
+            <a:fillRect/>
+          </a:stretch>
+        </p:blipFill>
+        <p:spPr>
+          <a:xfrm>
+            <a:off x="4713105" y="502481"/>
+            <a:ext cx="7463334" cy="5962328"/>
+          </a:xfrm>
+          <a:prstGeom prst="rect">
+            <a:avLst/>
+          </a:prstGeom>
+        </p:spPr>
+      </p:pic>
+    </p:spTree>
+    <p:extLst>
+      <p:ext uri="{BB962C8B-B14F-4D97-AF65-F5344CB8AC3E}">
+        <p14:creationId xmlns:p14="http://schemas.microsoft.com/office/powerpoint/2010/main" val="4004490790"/>
+      </p:ext>
+    </p:extLst>
+  </p:cSld>
+  <p:clrMapOvr>
+    <a:masterClrMapping/>
+  </p:clrMapOvr>
+</p:sld>
+</file>
+
+<file path=ppt/slides/slide24.xml><?xml version="1.0" encoding="utf-8"?>
+<p:sld xmlns:a="http://schemas.openxmlformats.org/drawingml/2006/main" xmlns:r="http://schemas.openxmlformats.org/officeDocument/2006/relationships" xmlns:p="http://schemas.openxmlformats.org/presentationml/2006/main">
+  <p:cSld>
+    <p:bg>
+      <p:bgPr>
+        <a:solidFill>
+          <a:schemeClr val="bg1"/>
+        </a:solidFill>
+        <a:effectLst/>
+      </p:bgPr>
+    </p:bg>
+    <p:spTree>
+      <p:nvGrpSpPr>
+        <p:cNvPr id="1" name="">
+          <a:extLst>
+            <a:ext uri="{FF2B5EF4-FFF2-40B4-BE49-F238E27FC236}">
+              <a16:creationId xmlns:a16="http://schemas.microsoft.com/office/drawing/2014/main" id="{E1A236C8-FAD8-EEF7-B96A-E4818F6B7B8B}"/>
+            </a:ext>
+          </a:extLst>
+        </p:cNvPr>
+        <p:cNvGrpSpPr/>
+        <p:nvPr/>
+      </p:nvGrpSpPr>
+      <p:grpSpPr>
+        <a:xfrm>
+          <a:off x="0" y="0"/>
+          <a:ext cx="0" cy="0"/>
+          <a:chOff x="0" y="0"/>
+          <a:chExt cx="0" cy="0"/>
+        </a:xfrm>
+      </p:grpSpPr>
+      <p:sp useBgFill="1">
+        <p:nvSpPr>
+          <p:cNvPr id="17" name="Rectangle 16">
+            <a:extLst>
+              <a:ext uri="{FF2B5EF4-FFF2-40B4-BE49-F238E27FC236}">
+                <a16:creationId xmlns:a16="http://schemas.microsoft.com/office/drawing/2014/main" id="{CBB70ED3-4B9E-F0F2-4E67-AB658751D00D}"/>
+              </a:ext>
+              <a:ext uri="{C183D7F6-B498-43B3-948B-1728B52AA6E4}">
+                <adec:decorative xmlns:adec="http://schemas.microsoft.com/office/drawing/2017/decorative" val="1"/>
+              </a:ext>
+            </a:extLst>
+          </p:cNvPr>
+          <p:cNvSpPr>
+            <a:spLocks noGrp="1" noRot="1" noChangeAspect="1" noMove="1" noResize="1" noEditPoints="1" noAdjustHandles="1" noChangeArrowheads="1" noChangeShapeType="1" noTextEdit="1"/>
+          </p:cNvSpPr>
+          <p:nvPr>
+            <p:extLst>
+              <p:ext uri="{386F3935-93C4-4BCD-93E2-E3B085C9AB24}">
+                <p16:designElem xmlns:p16="http://schemas.microsoft.com/office/powerpoint/2015/main" val="1"/>
+              </p:ext>
+            </p:extLst>
+          </p:nvPr>
+        </p:nvSpPr>
+        <p:spPr>
+          <a:xfrm>
+            <a:off x="0" y="0"/>
+            <a:ext cx="12191999" cy="6858000"/>
+          </a:xfrm>
+          <a:prstGeom prst="rect">
+            <a:avLst/>
+          </a:prstGeom>
+          <a:ln>
+            <a:noFill/>
+          </a:ln>
+        </p:spPr>
+        <p:style>
+          <a:lnRef idx="2">
+            <a:schemeClr val="accent1">
+              <a:shade val="50000"/>
+            </a:schemeClr>
+          </a:lnRef>
+          <a:fillRef idx="1">
+            <a:schemeClr val="accent1"/>
+          </a:fillRef>
+          <a:effectRef idx="0">
+            <a:schemeClr val="accent1"/>
+          </a:effectRef>
+          <a:fontRef idx="minor">
+            <a:schemeClr val="lt1"/>
+          </a:fontRef>
+        </p:style>
+        <p:txBody>
+          <a:bodyPr rtlCol="0" anchor="ctr"/>
+          <a:lstStyle/>
+          <a:p>
+            <a:pPr marL="0" marR="0" lvl="0" indent="0" algn="ctr" defTabSz="457200" rtl="0" eaLnBrk="1" fontAlgn="auto" latinLnBrk="0" hangingPunct="1">
+              <a:lnSpc>
+                <a:spcPct val="100000"/>
+              </a:lnSpc>
+              <a:spcBef>
+                <a:spcPts val="0"/>
+              </a:spcBef>
+              <a:spcAft>
+                <a:spcPts val="0"/>
+              </a:spcAft>
+              <a:buClrTx/>
+              <a:buSzTx/>
+              <a:buFontTx/>
+              <a:buNone/>
+              <a:tabLst/>
+              <a:defRPr/>
+            </a:pPr>
+            <a:endParaRPr kumimoji="0" lang="en-US" sz="1800" b="0" i="0" u="none" strike="noStrike" kern="1200" cap="none" spc="0" normalizeH="0" baseline="0" noProof="0">
+              <a:ln>
+                <a:noFill/>
+              </a:ln>
+              <a:solidFill>
+                <a:srgbClr val="FFFFFF"/>
+              </a:solidFill>
+              <a:effectLst/>
+              <a:uLnTx/>
+              <a:uFillTx/>
+              <a:latin typeface="Gill Sans MT" panose="020B0502020104020203"/>
+              <a:ea typeface="+mn-ea"/>
+              <a:cs typeface="+mn-cs"/>
+            </a:endParaRPr>
+          </a:p>
+        </p:txBody>
+      </p:sp>
+      <p:sp>
+        <p:nvSpPr>
+          <p:cNvPr id="19" name="Rectangle 18">
+            <a:extLst>
+              <a:ext uri="{FF2B5EF4-FFF2-40B4-BE49-F238E27FC236}">
+                <a16:creationId xmlns:a16="http://schemas.microsoft.com/office/drawing/2014/main" id="{61E7B730-F52D-939B-ECE3-B04EC8B848F9}"/>
+              </a:ext>
+              <a:ext uri="{C183D7F6-B498-43B3-948B-1728B52AA6E4}">
+                <adec:decorative xmlns:adec="http://schemas.microsoft.com/office/drawing/2017/decorative" val="1"/>
+              </a:ext>
+            </a:extLst>
+          </p:cNvPr>
+          <p:cNvSpPr>
+            <a:spLocks noGrp="1" noRot="1" noChangeAspect="1" noMove="1" noResize="1" noEditPoints="1" noAdjustHandles="1" noChangeArrowheads="1" noChangeShapeType="1" noTextEdit="1"/>
+          </p:cNvSpPr>
+          <p:nvPr>
+            <p:extLst>
+              <p:ext uri="{386F3935-93C4-4BCD-93E2-E3B085C9AB24}">
+                <p16:designElem xmlns:p16="http://schemas.microsoft.com/office/powerpoint/2015/main" val="1"/>
+              </p:ext>
+            </p:extLst>
+          </p:nvPr>
+        </p:nvSpPr>
+        <p:spPr>
+          <a:xfrm>
+            <a:off x="1" y="1"/>
+            <a:ext cx="4654296" cy="6858000"/>
+          </a:xfrm>
+          <a:prstGeom prst="rect">
+            <a:avLst/>
+          </a:prstGeom>
+          <a:solidFill>
+            <a:schemeClr val="accent2"/>
+          </a:solidFill>
+          <a:ln>
+            <a:noFill/>
+          </a:ln>
+        </p:spPr>
+        <p:style>
+          <a:lnRef idx="2">
+            <a:schemeClr val="accent1">
+              <a:shade val="50000"/>
+            </a:schemeClr>
+          </a:lnRef>
+          <a:fillRef idx="1">
+            <a:schemeClr val="accent1"/>
+          </a:fillRef>
+          <a:effectRef idx="0">
+            <a:schemeClr val="accent1"/>
+          </a:effectRef>
+          <a:fontRef idx="minor">
+            <a:schemeClr val="lt1"/>
+          </a:fontRef>
+        </p:style>
+        <p:txBody>
+          <a:bodyPr rtlCol="0" anchor="ctr"/>
+          <a:lstStyle/>
+          <a:p>
+            <a:pPr marL="0" marR="0" lvl="0" indent="0" algn="ctr" defTabSz="457200" rtl="0" eaLnBrk="1" fontAlgn="auto" latinLnBrk="0" hangingPunct="1">
+              <a:lnSpc>
+                <a:spcPct val="100000"/>
+              </a:lnSpc>
+              <a:spcBef>
+                <a:spcPts val="0"/>
+              </a:spcBef>
+              <a:spcAft>
+                <a:spcPts val="0"/>
+              </a:spcAft>
+              <a:buClrTx/>
+              <a:buSzTx/>
+              <a:buFontTx/>
+              <a:buNone/>
+              <a:tabLst/>
+              <a:defRPr/>
+            </a:pPr>
+            <a:endParaRPr kumimoji="0" lang="en-US" sz="1800" b="0" i="0" u="none" strike="noStrike" kern="1200" cap="none" spc="0" normalizeH="0" baseline="0" noProof="0">
+              <a:ln>
+                <a:noFill/>
+              </a:ln>
+              <a:solidFill>
+                <a:srgbClr val="FFFFFF"/>
+              </a:solidFill>
+              <a:effectLst/>
+              <a:uLnTx/>
+              <a:uFillTx/>
+              <a:latin typeface="Gill Sans MT" panose="020B0502020104020203"/>
+              <a:ea typeface="+mn-ea"/>
+              <a:cs typeface="+mn-cs"/>
+            </a:endParaRPr>
+          </a:p>
+        </p:txBody>
+      </p:sp>
+      <p:sp>
+        <p:nvSpPr>
+          <p:cNvPr id="2" name="Title 1">
+            <a:extLst>
+              <a:ext uri="{FF2B5EF4-FFF2-40B4-BE49-F238E27FC236}">
+                <a16:creationId xmlns:a16="http://schemas.microsoft.com/office/drawing/2014/main" id="{FA1B2F0D-63B0-6A38-0482-22A687FEF31D}"/>
+              </a:ext>
+            </a:extLst>
+          </p:cNvPr>
+          <p:cNvSpPr>
+            <a:spLocks noGrp="1"/>
+          </p:cNvSpPr>
+          <p:nvPr>
+            <p:ph type="title"/>
+          </p:nvPr>
+        </p:nvSpPr>
+        <p:spPr>
+          <a:xfrm>
+            <a:off x="804672" y="2404872"/>
+            <a:ext cx="3044950" cy="1627792"/>
+          </a:xfrm>
+        </p:spPr>
+        <p:txBody>
+          <a:bodyPr>
+            <a:normAutofit/>
+          </a:bodyPr>
+          <a:lstStyle/>
+          <a:p>
+            <a:r>
+              <a:rPr lang="en-US" b="1" dirty="0"/>
+              <a:t>Results in progress</a:t>
+            </a:r>
+            <a:br>
+              <a:rPr lang="en-US" b="1" dirty="0"/>
+            </a:br>
+            <a:r>
+              <a:rPr lang="en-US" b="1" dirty="0">
+                <a:solidFill>
+                  <a:srgbClr val="FF0000"/>
+                </a:solidFill>
+              </a:rPr>
+              <a:t>Control</a:t>
+            </a:r>
+            <a:endParaRPr lang="en-US" dirty="0">
+              <a:solidFill>
+                <a:srgbClr val="FF0000"/>
+              </a:solidFill>
+            </a:endParaRPr>
+          </a:p>
+        </p:txBody>
+      </p:sp>
+      <p:pic>
+        <p:nvPicPr>
+          <p:cNvPr id="4" name="תמונה 3">
+            <a:extLst>
+              <a:ext uri="{FF2B5EF4-FFF2-40B4-BE49-F238E27FC236}">
+                <a16:creationId xmlns:a16="http://schemas.microsoft.com/office/drawing/2014/main" id="{2BCF6F09-FEA3-D835-1A73-EC28D8474738}"/>
+              </a:ext>
+            </a:extLst>
+          </p:cNvPr>
+          <p:cNvPicPr>
+            <a:picLocks noChangeAspect="1"/>
+          </p:cNvPicPr>
+          <p:nvPr/>
+        </p:nvPicPr>
+        <p:blipFill>
+          <a:blip r:embed="rId3"/>
+          <a:stretch>
+            <a:fillRect/>
+          </a:stretch>
+        </p:blipFill>
+        <p:spPr>
+          <a:xfrm>
+            <a:off x="4783946" y="405688"/>
+            <a:ext cx="7354057" cy="5881600"/>
+          </a:xfrm>
+          <a:prstGeom prst="rect">
+            <a:avLst/>
+          </a:prstGeom>
+        </p:spPr>
+      </p:pic>
+      <p:sp>
+        <p:nvSpPr>
+          <p:cNvPr id="3" name="תיבת טקסט 2">
+            <a:extLst>
+              <a:ext uri="{FF2B5EF4-FFF2-40B4-BE49-F238E27FC236}">
+                <a16:creationId xmlns:a16="http://schemas.microsoft.com/office/drawing/2014/main" id="{61A40EC6-6FA0-0A6B-BC7B-01675FF75DE3}"/>
+              </a:ext>
+            </a:extLst>
+          </p:cNvPr>
+          <p:cNvSpPr txBox="1"/>
+          <p:nvPr/>
+        </p:nvSpPr>
+        <p:spPr>
+          <a:xfrm>
+            <a:off x="641897" y="4414554"/>
+            <a:ext cx="3481986" cy="738664"/>
+          </a:xfrm>
+          <a:prstGeom prst="rect">
+            <a:avLst/>
+          </a:prstGeom>
+          <a:solidFill>
+            <a:schemeClr val="accent5">
+              <a:lumMod val="20000"/>
+              <a:lumOff val="80000"/>
+            </a:schemeClr>
+          </a:solidFill>
+          <a:ln>
+            <a:solidFill>
+              <a:schemeClr val="tx1"/>
+            </a:solidFill>
+          </a:ln>
+        </p:spPr>
+        <p:txBody>
+          <a:bodyPr wrap="square" rtlCol="1">
+            <a:spAutoFit/>
+          </a:bodyPr>
+          <a:lstStyle/>
+          <a:p>
+            <a:r>
+              <a:rPr lang="en" sz="1400" dirty="0"/>
+              <a:t>please write the same stories of  X as an healthy person without Alzheimer. use the same stories and send your answer in JSON</a:t>
+            </a:r>
+            <a:endParaRPr lang="he-IL" sz="1400" dirty="0"/>
+          </a:p>
+        </p:txBody>
+      </p:sp>
+    </p:spTree>
+    <p:extLst>
+      <p:ext uri="{BB962C8B-B14F-4D97-AF65-F5344CB8AC3E}">
+        <p14:creationId xmlns:p14="http://schemas.microsoft.com/office/powerpoint/2010/main" val="127463850"/>
+      </p:ext>
+    </p:extLst>
+  </p:cSld>
+  <p:clrMapOvr>
+    <a:masterClrMapping/>
+  </p:clrMapOvr>
+</p:sld>
+</file>
+
+<file path=ppt/slides/slide25.xml><?xml version="1.0" encoding="utf-8"?>
 <p:sld xmlns:a="http://schemas.openxmlformats.org/drawingml/2006/main" xmlns:r="http://schemas.openxmlformats.org/officeDocument/2006/relationships" xmlns:p="http://schemas.openxmlformats.org/presentationml/2006/main">
   <p:cSld>
     <p:bg>
@@ -12246,8 +13316,16 @@
           <a:lstStyle/>
           <a:p>
             <a:r>
+              <a:rPr lang="en" b="1" dirty="0"/>
+              <a:t>C</a:t>
+            </a:r>
+            <a:r>
+              <a:rPr lang="en-US" b="1" dirty="0" err="1"/>
+              <a:t>urrent</a:t>
+            </a:r>
+            <a:r>
               <a:rPr lang="en-US" b="1" dirty="0"/>
-              <a:t>What now?</a:t>
+              <a:t> progress</a:t>
             </a:r>
             <a:endParaRPr lang="en-US" dirty="0"/>
           </a:p>
@@ -12281,23 +13359,39 @@
           </a:bodyPr>
           <a:lstStyle/>
           <a:p>
+            <a:pPr marL="0" indent="0" algn="l" rtl="0">
+              <a:buNone/>
+            </a:pPr>
+            <a:r>
+              <a:rPr lang="en-US" b="1" dirty="0"/>
+              <a:t>Problems</a:t>
+            </a:r>
+            <a:r>
+              <a:rPr lang="en" b="1" dirty="0"/>
+              <a:t>:</a:t>
+            </a:r>
+          </a:p>
+          <a:p>
             <a:pPr algn="l" rtl="0"/>
             <a:r>
-              <a:rPr lang="en" b="1" dirty="0"/>
-              <a:t>Key Questions and Next Steps</a:t>
-            </a:r>
-            <a:endParaRPr lang="en" dirty="0"/>
+              <a:rPr lang="en" dirty="0"/>
+              <a:t>It seems that the chat expresses the deterioration mainly by adding words that superficially convey uncertainty, like "I think...", "It seems to me...", "Maybe...", or something like that.</a:t>
+            </a:r>
+            <a:br>
+              <a:rPr lang="en" dirty="0"/>
+            </a:br>
+            <a:r>
+              <a:rPr lang="en" dirty="0"/>
+              <a:t>We would like the chat to express the deterioration in a more realistic way.</a:t>
+            </a:r>
           </a:p>
           <a:p>
             <a:pPr algn="l" rtl="0"/>
-            <a:r>
-              <a:rPr lang="en" b="1" dirty="0"/>
-              <a:t>Next step</a:t>
-            </a:r>
-            <a:r>
-              <a:rPr lang="en" dirty="0"/>
-              <a:t> – Refine code/Prompt and repeat metric evaluation to achieve better results.</a:t>
-            </a:r>
+            <a:endParaRPr lang="en-US" dirty="0"/>
+          </a:p>
+          <a:p>
+            <a:pPr algn="l" rtl="0"/>
+            <a:endParaRPr lang="he-IL" dirty="0"/>
           </a:p>
         </p:txBody>
       </p:sp>
@@ -12305,6 +13399,1329 @@
     <p:extLst>
       <p:ext uri="{BB962C8B-B14F-4D97-AF65-F5344CB8AC3E}">
         <p14:creationId xmlns:p14="http://schemas.microsoft.com/office/powerpoint/2010/main" val="828613008"/>
+      </p:ext>
+    </p:extLst>
+  </p:cSld>
+  <p:clrMapOvr>
+    <a:masterClrMapping/>
+  </p:clrMapOvr>
+</p:sld>
+</file>
+
+<file path=ppt/slides/slide26.xml><?xml version="1.0" encoding="utf-8"?>
+<p:sld xmlns:a="http://schemas.openxmlformats.org/drawingml/2006/main" xmlns:r="http://schemas.openxmlformats.org/officeDocument/2006/relationships" xmlns:p="http://schemas.openxmlformats.org/presentationml/2006/main">
+  <p:cSld>
+    <p:bg>
+      <p:bgPr>
+        <a:solidFill>
+          <a:schemeClr val="bg1"/>
+        </a:solidFill>
+        <a:effectLst/>
+      </p:bgPr>
+    </p:bg>
+    <p:spTree>
+      <p:nvGrpSpPr>
+        <p:cNvPr id="1" name="">
+          <a:extLst>
+            <a:ext uri="{FF2B5EF4-FFF2-40B4-BE49-F238E27FC236}">
+              <a16:creationId xmlns:a16="http://schemas.microsoft.com/office/drawing/2014/main" id="{B681ADE5-158E-52A9-3CDD-3C88F4966EEC}"/>
+            </a:ext>
+          </a:extLst>
+        </p:cNvPr>
+        <p:cNvGrpSpPr/>
+        <p:nvPr/>
+      </p:nvGrpSpPr>
+      <p:grpSpPr>
+        <a:xfrm>
+          <a:off x="0" y="0"/>
+          <a:ext cx="0" cy="0"/>
+          <a:chOff x="0" y="0"/>
+          <a:chExt cx="0" cy="0"/>
+        </a:xfrm>
+      </p:grpSpPr>
+      <p:sp>
+        <p:nvSpPr>
+          <p:cNvPr id="8" name="Rectangle 7">
+            <a:extLst>
+              <a:ext uri="{FF2B5EF4-FFF2-40B4-BE49-F238E27FC236}">
+                <a16:creationId xmlns:a16="http://schemas.microsoft.com/office/drawing/2014/main" id="{66E608DC-1162-8045-F696-5C818D53D70D}"/>
+              </a:ext>
+              <a:ext uri="{C183D7F6-B498-43B3-948B-1728B52AA6E4}">
+                <adec:decorative xmlns:adec="http://schemas.microsoft.com/office/drawing/2017/decorative" val="1"/>
+              </a:ext>
+            </a:extLst>
+          </p:cNvPr>
+          <p:cNvSpPr>
+            <a:spLocks noGrp="1" noRot="1" noChangeAspect="1" noMove="1" noResize="1" noEditPoints="1" noAdjustHandles="1" noChangeArrowheads="1" noChangeShapeType="1" noTextEdit="1"/>
+          </p:cNvSpPr>
+          <p:nvPr>
+            <p:extLst>
+              <p:ext uri="{386F3935-93C4-4BCD-93E2-E3B085C9AB24}">
+                <p16:designElem xmlns:p16="http://schemas.microsoft.com/office/powerpoint/2015/main" val="1"/>
+              </p:ext>
+            </p:extLst>
+          </p:nvPr>
+        </p:nvSpPr>
+        <p:spPr>
+          <a:xfrm>
+            <a:off x="0" y="0"/>
+            <a:ext cx="12192000" cy="6858000"/>
+          </a:xfrm>
+          <a:prstGeom prst="rect">
+            <a:avLst/>
+          </a:prstGeom>
+          <a:solidFill>
+            <a:schemeClr val="accent2"/>
+          </a:solidFill>
+          <a:ln>
+            <a:noFill/>
+          </a:ln>
+        </p:spPr>
+        <p:style>
+          <a:lnRef idx="2">
+            <a:schemeClr val="accent1">
+              <a:shade val="50000"/>
+            </a:schemeClr>
+          </a:lnRef>
+          <a:fillRef idx="1">
+            <a:schemeClr val="accent1"/>
+          </a:fillRef>
+          <a:effectRef idx="0">
+            <a:schemeClr val="accent1"/>
+          </a:effectRef>
+          <a:fontRef idx="minor">
+            <a:schemeClr val="lt1"/>
+          </a:fontRef>
+        </p:style>
+        <p:txBody>
+          <a:bodyPr rtlCol="0" anchor="ctr"/>
+          <a:lstStyle/>
+          <a:p>
+            <a:pPr marL="0" marR="0" lvl="0" indent="0" algn="ctr" defTabSz="457200" rtl="0" eaLnBrk="1" fontAlgn="auto" latinLnBrk="0" hangingPunct="1">
+              <a:lnSpc>
+                <a:spcPct val="100000"/>
+              </a:lnSpc>
+              <a:spcBef>
+                <a:spcPts val="0"/>
+              </a:spcBef>
+              <a:spcAft>
+                <a:spcPts val="0"/>
+              </a:spcAft>
+              <a:buClrTx/>
+              <a:buSzTx/>
+              <a:buFontTx/>
+              <a:buNone/>
+              <a:tabLst/>
+              <a:defRPr/>
+            </a:pPr>
+            <a:endParaRPr kumimoji="0" lang="en-US" sz="1800" b="0" i="0" u="none" strike="noStrike" kern="1200" cap="none" spc="0" normalizeH="0" baseline="0" noProof="0">
+              <a:ln>
+                <a:noFill/>
+              </a:ln>
+              <a:solidFill>
+                <a:srgbClr val="FFFFFF"/>
+              </a:solidFill>
+              <a:effectLst/>
+              <a:uLnTx/>
+              <a:uFillTx/>
+              <a:latin typeface="Gill Sans MT" panose="020B0502020104020203"/>
+              <a:ea typeface="+mn-ea"/>
+              <a:cs typeface="+mn-cs"/>
+            </a:endParaRPr>
+          </a:p>
+        </p:txBody>
+      </p:sp>
+      <p:sp>
+        <p:nvSpPr>
+          <p:cNvPr id="10" name="Rectangle 9">
+            <a:extLst>
+              <a:ext uri="{FF2B5EF4-FFF2-40B4-BE49-F238E27FC236}">
+                <a16:creationId xmlns:a16="http://schemas.microsoft.com/office/drawing/2014/main" id="{4CE602E6-C76A-9348-4D82-0C3B5E1763F0}"/>
+              </a:ext>
+              <a:ext uri="{C183D7F6-B498-43B3-948B-1728B52AA6E4}">
+                <adec:decorative xmlns:adec="http://schemas.microsoft.com/office/drawing/2017/decorative" val="1"/>
+              </a:ext>
+            </a:extLst>
+          </p:cNvPr>
+          <p:cNvSpPr>
+            <a:spLocks noGrp="1" noRot="1" noChangeAspect="1" noMove="1" noResize="1" noEditPoints="1" noAdjustHandles="1" noChangeArrowheads="1" noChangeShapeType="1" noTextEdit="1"/>
+          </p:cNvSpPr>
+          <p:nvPr>
+            <p:extLst>
+              <p:ext uri="{386F3935-93C4-4BCD-93E2-E3B085C9AB24}">
+                <p16:designElem xmlns:p16="http://schemas.microsoft.com/office/powerpoint/2015/main" val="1"/>
+              </p:ext>
+            </p:extLst>
+          </p:nvPr>
+        </p:nvSpPr>
+        <p:spPr>
+          <a:xfrm>
+            <a:off x="1249680" y="1248156"/>
+            <a:ext cx="9692640" cy="4361688"/>
+          </a:xfrm>
+          <a:prstGeom prst="rect">
+            <a:avLst/>
+          </a:prstGeom>
+          <a:solidFill>
+            <a:srgbClr val="FFFFFF"/>
+          </a:solidFill>
+          <a:ln>
+            <a:noFill/>
+          </a:ln>
+        </p:spPr>
+        <p:style>
+          <a:lnRef idx="2">
+            <a:schemeClr val="accent1">
+              <a:shade val="50000"/>
+            </a:schemeClr>
+          </a:lnRef>
+          <a:fillRef idx="1">
+            <a:schemeClr val="accent1"/>
+          </a:fillRef>
+          <a:effectRef idx="0">
+            <a:schemeClr val="accent1"/>
+          </a:effectRef>
+          <a:fontRef idx="minor">
+            <a:schemeClr val="lt1"/>
+          </a:fontRef>
+        </p:style>
+        <p:txBody>
+          <a:bodyPr rtlCol="0" anchor="ctr"/>
+          <a:lstStyle/>
+          <a:p>
+            <a:pPr marL="0" marR="0" lvl="0" indent="0" algn="ctr" defTabSz="457200" rtl="0" eaLnBrk="1" fontAlgn="auto" latinLnBrk="0" hangingPunct="1">
+              <a:lnSpc>
+                <a:spcPct val="100000"/>
+              </a:lnSpc>
+              <a:spcBef>
+                <a:spcPts val="0"/>
+              </a:spcBef>
+              <a:spcAft>
+                <a:spcPts val="0"/>
+              </a:spcAft>
+              <a:buClrTx/>
+              <a:buSzTx/>
+              <a:buFontTx/>
+              <a:buNone/>
+              <a:tabLst/>
+              <a:defRPr/>
+            </a:pPr>
+            <a:endParaRPr kumimoji="0" lang="en-US" sz="1800" b="0" i="0" u="none" strike="noStrike" kern="1200" cap="none" spc="0" normalizeH="0" baseline="0" noProof="0">
+              <a:ln>
+                <a:noFill/>
+              </a:ln>
+              <a:solidFill>
+                <a:srgbClr val="FFFFFF"/>
+              </a:solidFill>
+              <a:effectLst/>
+              <a:uLnTx/>
+              <a:uFillTx/>
+              <a:latin typeface="Gill Sans MT" panose="020B0502020104020203"/>
+              <a:ea typeface="+mn-ea"/>
+              <a:cs typeface="+mn-cs"/>
+            </a:endParaRPr>
+          </a:p>
+        </p:txBody>
+      </p:sp>
+      <p:sp>
+        <p:nvSpPr>
+          <p:cNvPr id="12" name="Rectangle 11">
+            <a:extLst>
+              <a:ext uri="{FF2B5EF4-FFF2-40B4-BE49-F238E27FC236}">
+                <a16:creationId xmlns:a16="http://schemas.microsoft.com/office/drawing/2014/main" id="{1A5FBACB-D2A0-EA55-2893-04D3C2EB0C4B}"/>
+              </a:ext>
+              <a:ext uri="{C183D7F6-B498-43B3-948B-1728B52AA6E4}">
+                <adec:decorative xmlns:adec="http://schemas.microsoft.com/office/drawing/2017/decorative" val="1"/>
+              </a:ext>
+            </a:extLst>
+          </p:cNvPr>
+          <p:cNvSpPr>
+            <a:spLocks noGrp="1" noRot="1" noChangeAspect="1" noMove="1" noResize="1" noEditPoints="1" noAdjustHandles="1" noChangeArrowheads="1" noChangeShapeType="1" noTextEdit="1"/>
+          </p:cNvSpPr>
+          <p:nvPr>
+            <p:extLst>
+              <p:ext uri="{386F3935-93C4-4BCD-93E2-E3B085C9AB24}">
+                <p16:designElem xmlns:p16="http://schemas.microsoft.com/office/powerpoint/2015/main" val="1"/>
+              </p:ext>
+            </p:extLst>
+          </p:nvPr>
+        </p:nvSpPr>
+        <p:spPr>
+          <a:xfrm>
+            <a:off x="1062228" y="1060704"/>
+            <a:ext cx="10067544" cy="4736592"/>
+          </a:xfrm>
+          <a:prstGeom prst="rect">
+            <a:avLst/>
+          </a:prstGeom>
+          <a:noFill/>
+          <a:ln w="31750" cap="sq">
+            <a:solidFill>
+              <a:srgbClr val="FFFFFF"/>
+            </a:solidFill>
+            <a:miter lim="800000"/>
+          </a:ln>
+        </p:spPr>
+        <p:style>
+          <a:lnRef idx="2">
+            <a:schemeClr val="accent1">
+              <a:shade val="50000"/>
+            </a:schemeClr>
+          </a:lnRef>
+          <a:fillRef idx="1">
+            <a:schemeClr val="accent1"/>
+          </a:fillRef>
+          <a:effectRef idx="0">
+            <a:schemeClr val="accent1"/>
+          </a:effectRef>
+          <a:fontRef idx="minor">
+            <a:schemeClr val="lt1"/>
+          </a:fontRef>
+        </p:style>
+        <p:txBody>
+          <a:bodyPr rtlCol="0" anchor="ctr"/>
+          <a:lstStyle/>
+          <a:p>
+            <a:pPr marL="0" marR="0" lvl="0" indent="0" algn="ctr" defTabSz="457200" rtl="0" eaLnBrk="1" fontAlgn="auto" latinLnBrk="0" hangingPunct="1">
+              <a:lnSpc>
+                <a:spcPct val="100000"/>
+              </a:lnSpc>
+              <a:spcBef>
+                <a:spcPts val="0"/>
+              </a:spcBef>
+              <a:spcAft>
+                <a:spcPts val="0"/>
+              </a:spcAft>
+              <a:buClrTx/>
+              <a:buSzTx/>
+              <a:buFontTx/>
+              <a:buNone/>
+              <a:tabLst/>
+              <a:defRPr/>
+            </a:pPr>
+            <a:endParaRPr kumimoji="0" lang="en-US" sz="1800" b="0" i="0" u="none" strike="noStrike" kern="1200" cap="none" spc="0" normalizeH="0" baseline="0" noProof="0">
+              <a:ln>
+                <a:noFill/>
+              </a:ln>
+              <a:solidFill>
+                <a:srgbClr val="FFFFFF"/>
+              </a:solidFill>
+              <a:effectLst/>
+              <a:uLnTx/>
+              <a:uFillTx/>
+              <a:latin typeface="Gill Sans MT" panose="020B0502020104020203"/>
+              <a:ea typeface="+mn-ea"/>
+              <a:cs typeface="+mn-cs"/>
+            </a:endParaRPr>
+          </a:p>
+        </p:txBody>
+      </p:sp>
+      <p:sp>
+        <p:nvSpPr>
+          <p:cNvPr id="2" name="Title 1">
+            <a:extLst>
+              <a:ext uri="{FF2B5EF4-FFF2-40B4-BE49-F238E27FC236}">
+                <a16:creationId xmlns:a16="http://schemas.microsoft.com/office/drawing/2014/main" id="{55E0118C-B3F5-CC42-B7CA-D748390B1FF1}"/>
+              </a:ext>
+            </a:extLst>
+          </p:cNvPr>
+          <p:cNvSpPr>
+            <a:spLocks noGrp="1"/>
+          </p:cNvSpPr>
+          <p:nvPr>
+            <p:ph type="title"/>
+          </p:nvPr>
+        </p:nvSpPr>
+        <p:spPr>
+          <a:xfrm>
+            <a:off x="2231136" y="467418"/>
+            <a:ext cx="7729728" cy="870876"/>
+          </a:xfrm>
+          <a:solidFill>
+            <a:srgbClr val="FFFFFF"/>
+          </a:solidFill>
+        </p:spPr>
+        <p:txBody>
+          <a:bodyPr>
+            <a:normAutofit/>
+          </a:bodyPr>
+          <a:lstStyle/>
+          <a:p>
+            <a:r>
+              <a:rPr lang="en" b="1" dirty="0"/>
+              <a:t>C</a:t>
+            </a:r>
+            <a:r>
+              <a:rPr lang="en-US" b="1" dirty="0" err="1"/>
+              <a:t>urrent</a:t>
+            </a:r>
+            <a:r>
+              <a:rPr lang="en-US" b="1" dirty="0"/>
+              <a:t> progress</a:t>
+            </a:r>
+            <a:endParaRPr lang="en-US" dirty="0"/>
+          </a:p>
+        </p:txBody>
+      </p:sp>
+      <p:sp>
+        <p:nvSpPr>
+          <p:cNvPr id="3" name="Content Placeholder 2">
+            <a:extLst>
+              <a:ext uri="{FF2B5EF4-FFF2-40B4-BE49-F238E27FC236}">
+                <a16:creationId xmlns:a16="http://schemas.microsoft.com/office/drawing/2014/main" id="{F7CC2DC2-E4D9-8B5F-7471-FE62965ACA69}"/>
+              </a:ext>
+            </a:extLst>
+          </p:cNvPr>
+          <p:cNvSpPr>
+            <a:spLocks noGrp="1"/>
+          </p:cNvSpPr>
+          <p:nvPr>
+            <p:ph idx="1"/>
+          </p:nvPr>
+        </p:nvSpPr>
+        <p:spPr>
+          <a:xfrm>
+            <a:off x="1554278" y="1805712"/>
+            <a:ext cx="9083443" cy="3524376"/>
+          </a:xfrm>
+        </p:spPr>
+        <p:txBody>
+          <a:bodyPr vert="horz" lIns="91440" tIns="45720" rIns="91440" bIns="45720" rtlCol="0">
+            <a:normAutofit/>
+          </a:bodyPr>
+          <a:lstStyle/>
+          <a:p>
+            <a:pPr marL="0" indent="0" algn="l" rtl="0">
+              <a:buNone/>
+            </a:pPr>
+            <a:r>
+              <a:rPr lang="en-US" b="1" dirty="0"/>
+              <a:t>solutions</a:t>
+            </a:r>
+            <a:r>
+              <a:rPr lang="en" b="1" dirty="0"/>
+              <a:t>:</a:t>
+            </a:r>
+          </a:p>
+          <a:p>
+            <a:pPr algn="l" rtl="0"/>
+            <a:r>
+              <a:rPr lang="en" b="1" dirty="0"/>
+              <a:t>Age Selection Adjusted – 60-75.</a:t>
+            </a:r>
+          </a:p>
+          <a:p>
+            <a:pPr algn="l" rtl="0"/>
+            <a:r>
+              <a:rPr lang="en" b="1" dirty="0"/>
+              <a:t>Intellectual Depth and Seriousness - </a:t>
+            </a:r>
+            <a:r>
+              <a:rPr lang="en" dirty="0"/>
+              <a:t>The model is encouraged to approach the task with rigor and sensitivity, treating the character’s decline as a complex human process - not just a set of symptoms.</a:t>
+            </a:r>
+          </a:p>
+          <a:p>
+            <a:pPr algn="l" rtl="0"/>
+            <a:endParaRPr lang="en" dirty="0"/>
+          </a:p>
+          <a:p>
+            <a:pPr algn="l" rtl="0"/>
+            <a:endParaRPr lang="en-US" dirty="0"/>
+          </a:p>
+          <a:p>
+            <a:pPr algn="l" rtl="0"/>
+            <a:endParaRPr lang="he-IL" dirty="0"/>
+          </a:p>
+        </p:txBody>
+      </p:sp>
+    </p:spTree>
+    <p:extLst>
+      <p:ext uri="{BB962C8B-B14F-4D97-AF65-F5344CB8AC3E}">
+        <p14:creationId xmlns:p14="http://schemas.microsoft.com/office/powerpoint/2010/main" val="3248353801"/>
+      </p:ext>
+    </p:extLst>
+  </p:cSld>
+  <p:clrMapOvr>
+    <a:masterClrMapping/>
+  </p:clrMapOvr>
+</p:sld>
+</file>
+
+<file path=ppt/slides/slide27.xml><?xml version="1.0" encoding="utf-8"?>
+<p:sld xmlns:a="http://schemas.openxmlformats.org/drawingml/2006/main" xmlns:r="http://schemas.openxmlformats.org/officeDocument/2006/relationships" xmlns:p="http://schemas.openxmlformats.org/presentationml/2006/main">
+  <p:cSld>
+    <p:bg>
+      <p:bgPr>
+        <a:solidFill>
+          <a:schemeClr val="bg1"/>
+        </a:solidFill>
+        <a:effectLst/>
+      </p:bgPr>
+    </p:bg>
+    <p:spTree>
+      <p:nvGrpSpPr>
+        <p:cNvPr id="1" name="">
+          <a:extLst>
+            <a:ext uri="{FF2B5EF4-FFF2-40B4-BE49-F238E27FC236}">
+              <a16:creationId xmlns:a16="http://schemas.microsoft.com/office/drawing/2014/main" id="{DFD8C8E0-9B8C-76CD-01F5-DF2495F16595}"/>
+            </a:ext>
+          </a:extLst>
+        </p:cNvPr>
+        <p:cNvGrpSpPr/>
+        <p:nvPr/>
+      </p:nvGrpSpPr>
+      <p:grpSpPr>
+        <a:xfrm>
+          <a:off x="0" y="0"/>
+          <a:ext cx="0" cy="0"/>
+          <a:chOff x="0" y="0"/>
+          <a:chExt cx="0" cy="0"/>
+        </a:xfrm>
+      </p:grpSpPr>
+      <p:sp>
+        <p:nvSpPr>
+          <p:cNvPr id="8" name="Rectangle 7">
+            <a:extLst>
+              <a:ext uri="{FF2B5EF4-FFF2-40B4-BE49-F238E27FC236}">
+                <a16:creationId xmlns:a16="http://schemas.microsoft.com/office/drawing/2014/main" id="{A89579E9-243F-E83F-6DCC-DEC1FE3C7F0F}"/>
+              </a:ext>
+              <a:ext uri="{C183D7F6-B498-43B3-948B-1728B52AA6E4}">
+                <adec:decorative xmlns:adec="http://schemas.microsoft.com/office/drawing/2017/decorative" val="1"/>
+              </a:ext>
+            </a:extLst>
+          </p:cNvPr>
+          <p:cNvSpPr>
+            <a:spLocks noGrp="1" noRot="1" noChangeAspect="1" noMove="1" noResize="1" noEditPoints="1" noAdjustHandles="1" noChangeArrowheads="1" noChangeShapeType="1" noTextEdit="1"/>
+          </p:cNvSpPr>
+          <p:nvPr>
+            <p:extLst>
+              <p:ext uri="{386F3935-93C4-4BCD-93E2-E3B085C9AB24}">
+                <p16:designElem xmlns:p16="http://schemas.microsoft.com/office/powerpoint/2015/main" val="1"/>
+              </p:ext>
+            </p:extLst>
+          </p:nvPr>
+        </p:nvSpPr>
+        <p:spPr>
+          <a:xfrm>
+            <a:off x="0" y="0"/>
+            <a:ext cx="12192000" cy="6858000"/>
+          </a:xfrm>
+          <a:prstGeom prst="rect">
+            <a:avLst/>
+          </a:prstGeom>
+          <a:solidFill>
+            <a:schemeClr val="accent2"/>
+          </a:solidFill>
+          <a:ln>
+            <a:noFill/>
+          </a:ln>
+        </p:spPr>
+        <p:style>
+          <a:lnRef idx="2">
+            <a:schemeClr val="accent1">
+              <a:shade val="50000"/>
+            </a:schemeClr>
+          </a:lnRef>
+          <a:fillRef idx="1">
+            <a:schemeClr val="accent1"/>
+          </a:fillRef>
+          <a:effectRef idx="0">
+            <a:schemeClr val="accent1"/>
+          </a:effectRef>
+          <a:fontRef idx="minor">
+            <a:schemeClr val="lt1"/>
+          </a:fontRef>
+        </p:style>
+        <p:txBody>
+          <a:bodyPr rtlCol="0" anchor="ctr"/>
+          <a:lstStyle/>
+          <a:p>
+            <a:pPr marL="0" marR="0" lvl="0" indent="0" algn="ctr" defTabSz="457200" rtl="0" eaLnBrk="1" fontAlgn="auto" latinLnBrk="0" hangingPunct="1">
+              <a:lnSpc>
+                <a:spcPct val="100000"/>
+              </a:lnSpc>
+              <a:spcBef>
+                <a:spcPts val="0"/>
+              </a:spcBef>
+              <a:spcAft>
+                <a:spcPts val="0"/>
+              </a:spcAft>
+              <a:buClrTx/>
+              <a:buSzTx/>
+              <a:buFontTx/>
+              <a:buNone/>
+              <a:tabLst/>
+              <a:defRPr/>
+            </a:pPr>
+            <a:endParaRPr kumimoji="0" lang="en-US" sz="1800" b="0" i="0" u="none" strike="noStrike" kern="1200" cap="none" spc="0" normalizeH="0" baseline="0" noProof="0">
+              <a:ln>
+                <a:noFill/>
+              </a:ln>
+              <a:solidFill>
+                <a:srgbClr val="FFFFFF"/>
+              </a:solidFill>
+              <a:effectLst/>
+              <a:uLnTx/>
+              <a:uFillTx/>
+              <a:latin typeface="Gill Sans MT" panose="020B0502020104020203"/>
+              <a:ea typeface="+mn-ea"/>
+              <a:cs typeface="+mn-cs"/>
+            </a:endParaRPr>
+          </a:p>
+        </p:txBody>
+      </p:sp>
+      <p:sp>
+        <p:nvSpPr>
+          <p:cNvPr id="10" name="Rectangle 9">
+            <a:extLst>
+              <a:ext uri="{FF2B5EF4-FFF2-40B4-BE49-F238E27FC236}">
+                <a16:creationId xmlns:a16="http://schemas.microsoft.com/office/drawing/2014/main" id="{B36FE7FF-2E04-81E0-E421-9178A2C664DB}"/>
+              </a:ext>
+              <a:ext uri="{C183D7F6-B498-43B3-948B-1728B52AA6E4}">
+                <adec:decorative xmlns:adec="http://schemas.microsoft.com/office/drawing/2017/decorative" val="1"/>
+              </a:ext>
+            </a:extLst>
+          </p:cNvPr>
+          <p:cNvSpPr>
+            <a:spLocks noGrp="1" noRot="1" noChangeAspect="1" noMove="1" noResize="1" noEditPoints="1" noAdjustHandles="1" noChangeArrowheads="1" noChangeShapeType="1" noTextEdit="1"/>
+          </p:cNvSpPr>
+          <p:nvPr>
+            <p:extLst>
+              <p:ext uri="{386F3935-93C4-4BCD-93E2-E3B085C9AB24}">
+                <p16:designElem xmlns:p16="http://schemas.microsoft.com/office/powerpoint/2015/main" val="1"/>
+              </p:ext>
+            </p:extLst>
+          </p:nvPr>
+        </p:nvSpPr>
+        <p:spPr>
+          <a:xfrm>
+            <a:off x="1249680" y="1248156"/>
+            <a:ext cx="9692640" cy="4361688"/>
+          </a:xfrm>
+          <a:prstGeom prst="rect">
+            <a:avLst/>
+          </a:prstGeom>
+          <a:solidFill>
+            <a:srgbClr val="FFFFFF"/>
+          </a:solidFill>
+          <a:ln>
+            <a:noFill/>
+          </a:ln>
+        </p:spPr>
+        <p:style>
+          <a:lnRef idx="2">
+            <a:schemeClr val="accent1">
+              <a:shade val="50000"/>
+            </a:schemeClr>
+          </a:lnRef>
+          <a:fillRef idx="1">
+            <a:schemeClr val="accent1"/>
+          </a:fillRef>
+          <a:effectRef idx="0">
+            <a:schemeClr val="accent1"/>
+          </a:effectRef>
+          <a:fontRef idx="minor">
+            <a:schemeClr val="lt1"/>
+          </a:fontRef>
+        </p:style>
+        <p:txBody>
+          <a:bodyPr rtlCol="0" anchor="ctr"/>
+          <a:lstStyle/>
+          <a:p>
+            <a:pPr marL="0" marR="0" lvl="0" indent="0" algn="ctr" defTabSz="457200" rtl="0" eaLnBrk="1" fontAlgn="auto" latinLnBrk="0" hangingPunct="1">
+              <a:lnSpc>
+                <a:spcPct val="100000"/>
+              </a:lnSpc>
+              <a:spcBef>
+                <a:spcPts val="0"/>
+              </a:spcBef>
+              <a:spcAft>
+                <a:spcPts val="0"/>
+              </a:spcAft>
+              <a:buClrTx/>
+              <a:buSzTx/>
+              <a:buFontTx/>
+              <a:buNone/>
+              <a:tabLst/>
+              <a:defRPr/>
+            </a:pPr>
+            <a:endParaRPr kumimoji="0" lang="en-US" sz="1800" b="0" i="0" u="none" strike="noStrike" kern="1200" cap="none" spc="0" normalizeH="0" baseline="0" noProof="0">
+              <a:ln>
+                <a:noFill/>
+              </a:ln>
+              <a:solidFill>
+                <a:srgbClr val="FFFFFF"/>
+              </a:solidFill>
+              <a:effectLst/>
+              <a:uLnTx/>
+              <a:uFillTx/>
+              <a:latin typeface="Gill Sans MT" panose="020B0502020104020203"/>
+              <a:ea typeface="+mn-ea"/>
+              <a:cs typeface="+mn-cs"/>
+            </a:endParaRPr>
+          </a:p>
+        </p:txBody>
+      </p:sp>
+      <p:sp>
+        <p:nvSpPr>
+          <p:cNvPr id="12" name="Rectangle 11">
+            <a:extLst>
+              <a:ext uri="{FF2B5EF4-FFF2-40B4-BE49-F238E27FC236}">
+                <a16:creationId xmlns:a16="http://schemas.microsoft.com/office/drawing/2014/main" id="{9423551A-BF39-79D8-EB80-D23D93DF019E}"/>
+              </a:ext>
+              <a:ext uri="{C183D7F6-B498-43B3-948B-1728B52AA6E4}">
+                <adec:decorative xmlns:adec="http://schemas.microsoft.com/office/drawing/2017/decorative" val="1"/>
+              </a:ext>
+            </a:extLst>
+          </p:cNvPr>
+          <p:cNvSpPr>
+            <a:spLocks noGrp="1" noRot="1" noChangeAspect="1" noMove="1" noResize="1" noEditPoints="1" noAdjustHandles="1" noChangeArrowheads="1" noChangeShapeType="1" noTextEdit="1"/>
+          </p:cNvSpPr>
+          <p:nvPr>
+            <p:extLst>
+              <p:ext uri="{386F3935-93C4-4BCD-93E2-E3B085C9AB24}">
+                <p16:designElem xmlns:p16="http://schemas.microsoft.com/office/powerpoint/2015/main" val="1"/>
+              </p:ext>
+            </p:extLst>
+          </p:nvPr>
+        </p:nvSpPr>
+        <p:spPr>
+          <a:xfrm>
+            <a:off x="1062228" y="1060704"/>
+            <a:ext cx="10067544" cy="4736592"/>
+          </a:xfrm>
+          <a:prstGeom prst="rect">
+            <a:avLst/>
+          </a:prstGeom>
+          <a:noFill/>
+          <a:ln w="31750" cap="sq">
+            <a:solidFill>
+              <a:srgbClr val="FFFFFF"/>
+            </a:solidFill>
+            <a:miter lim="800000"/>
+          </a:ln>
+        </p:spPr>
+        <p:style>
+          <a:lnRef idx="2">
+            <a:schemeClr val="accent1">
+              <a:shade val="50000"/>
+            </a:schemeClr>
+          </a:lnRef>
+          <a:fillRef idx="1">
+            <a:schemeClr val="accent1"/>
+          </a:fillRef>
+          <a:effectRef idx="0">
+            <a:schemeClr val="accent1"/>
+          </a:effectRef>
+          <a:fontRef idx="minor">
+            <a:schemeClr val="lt1"/>
+          </a:fontRef>
+        </p:style>
+        <p:txBody>
+          <a:bodyPr rtlCol="0" anchor="ctr"/>
+          <a:lstStyle/>
+          <a:p>
+            <a:pPr marL="0" marR="0" lvl="0" indent="0" algn="ctr" defTabSz="457200" rtl="0" eaLnBrk="1" fontAlgn="auto" latinLnBrk="0" hangingPunct="1">
+              <a:lnSpc>
+                <a:spcPct val="100000"/>
+              </a:lnSpc>
+              <a:spcBef>
+                <a:spcPts val="0"/>
+              </a:spcBef>
+              <a:spcAft>
+                <a:spcPts val="0"/>
+              </a:spcAft>
+              <a:buClrTx/>
+              <a:buSzTx/>
+              <a:buFontTx/>
+              <a:buNone/>
+              <a:tabLst/>
+              <a:defRPr/>
+            </a:pPr>
+            <a:endParaRPr kumimoji="0" lang="en-US" sz="1800" b="0" i="0" u="none" strike="noStrike" kern="1200" cap="none" spc="0" normalizeH="0" baseline="0" noProof="0">
+              <a:ln>
+                <a:noFill/>
+              </a:ln>
+              <a:solidFill>
+                <a:srgbClr val="FFFFFF"/>
+              </a:solidFill>
+              <a:effectLst/>
+              <a:uLnTx/>
+              <a:uFillTx/>
+              <a:latin typeface="Gill Sans MT" panose="020B0502020104020203"/>
+              <a:ea typeface="+mn-ea"/>
+              <a:cs typeface="+mn-cs"/>
+            </a:endParaRPr>
+          </a:p>
+        </p:txBody>
+      </p:sp>
+      <p:sp>
+        <p:nvSpPr>
+          <p:cNvPr id="2" name="Title 1">
+            <a:extLst>
+              <a:ext uri="{FF2B5EF4-FFF2-40B4-BE49-F238E27FC236}">
+                <a16:creationId xmlns:a16="http://schemas.microsoft.com/office/drawing/2014/main" id="{0BD53B7C-0065-9B8A-46F7-9781475C37BF}"/>
+              </a:ext>
+            </a:extLst>
+          </p:cNvPr>
+          <p:cNvSpPr>
+            <a:spLocks noGrp="1"/>
+          </p:cNvSpPr>
+          <p:nvPr>
+            <p:ph type="title"/>
+          </p:nvPr>
+        </p:nvSpPr>
+        <p:spPr>
+          <a:xfrm>
+            <a:off x="2231136" y="467418"/>
+            <a:ext cx="7729728" cy="870876"/>
+          </a:xfrm>
+          <a:solidFill>
+            <a:srgbClr val="FFFFFF"/>
+          </a:solidFill>
+        </p:spPr>
+        <p:txBody>
+          <a:bodyPr>
+            <a:normAutofit/>
+          </a:bodyPr>
+          <a:lstStyle/>
+          <a:p>
+            <a:r>
+              <a:rPr lang="en-US" b="1" dirty="0"/>
+              <a:t>What now?</a:t>
+            </a:r>
+            <a:endParaRPr lang="en-US" dirty="0"/>
+          </a:p>
+        </p:txBody>
+      </p:sp>
+      <p:sp>
+        <p:nvSpPr>
+          <p:cNvPr id="3" name="Content Placeholder 2">
+            <a:extLst>
+              <a:ext uri="{FF2B5EF4-FFF2-40B4-BE49-F238E27FC236}">
+                <a16:creationId xmlns:a16="http://schemas.microsoft.com/office/drawing/2014/main" id="{535DED87-4698-72B3-E699-AD11386A8D88}"/>
+              </a:ext>
+            </a:extLst>
+          </p:cNvPr>
+          <p:cNvSpPr>
+            <a:spLocks noGrp="1"/>
+          </p:cNvSpPr>
+          <p:nvPr>
+            <p:ph idx="1"/>
+          </p:nvPr>
+        </p:nvSpPr>
+        <p:spPr>
+          <a:xfrm>
+            <a:off x="1554278" y="1805712"/>
+            <a:ext cx="9083443" cy="3524376"/>
+          </a:xfrm>
+        </p:spPr>
+        <p:txBody>
+          <a:bodyPr vert="horz" lIns="91440" tIns="45720" rIns="91440" bIns="45720" rtlCol="0">
+            <a:normAutofit/>
+          </a:bodyPr>
+          <a:lstStyle/>
+          <a:p>
+            <a:pPr algn="l" rtl="0"/>
+            <a:r>
+              <a:rPr lang="en" b="1" dirty="0"/>
+              <a:t>Key Questions and Next Steps</a:t>
+            </a:r>
+            <a:endParaRPr lang="en" dirty="0"/>
+          </a:p>
+          <a:p>
+            <a:pPr algn="l" rtl="0"/>
+            <a:r>
+              <a:rPr lang="en" b="1" dirty="0"/>
+              <a:t>Next step</a:t>
+            </a:r>
+            <a:r>
+              <a:rPr lang="en" dirty="0"/>
+              <a:t> – Refine code/Prompt and repeat metric evaluation to achieve better results.</a:t>
+            </a:r>
+          </a:p>
+          <a:p>
+            <a:pPr marL="0" indent="0" algn="l" rtl="0">
+              <a:buNone/>
+            </a:pPr>
+            <a:r>
+              <a:rPr lang="en" u="sng" dirty="0"/>
+              <a:t>Unclear</a:t>
+            </a:r>
+            <a:r>
+              <a:rPr lang="en" dirty="0"/>
+              <a:t> / future work :</a:t>
+            </a:r>
+            <a:endParaRPr lang="he-IL" dirty="0"/>
+          </a:p>
+          <a:p>
+            <a:pPr algn="l" rtl="0"/>
+            <a:r>
+              <a:rPr lang="en-US" dirty="0"/>
+              <a:t>Real distribution of diagnosis – Mean around 75.  So, we would like to change the stories to be from 60-81 every 3 years. </a:t>
+            </a:r>
+          </a:p>
+          <a:p>
+            <a:pPr algn="l" rtl="0"/>
+            <a:r>
+              <a:rPr lang="en-US" dirty="0"/>
+              <a:t>Diagnosis year.  Death is after 4-8 years from diagnosis.  So, tell max 2 stories after diagnosis.</a:t>
+            </a:r>
+          </a:p>
+          <a:p>
+            <a:pPr algn="l" rtl="0"/>
+            <a:r>
+              <a:rPr lang="en-US" dirty="0"/>
+              <a:t>Decline pace distribution – Avi grandfather. </a:t>
+            </a:r>
+          </a:p>
+          <a:p>
+            <a:pPr algn="l" rtl="0"/>
+            <a:endParaRPr lang="en" dirty="0"/>
+          </a:p>
+          <a:p>
+            <a:pPr lvl="1" algn="l" rtl="0"/>
+            <a:endParaRPr lang="en" dirty="0"/>
+          </a:p>
+        </p:txBody>
+      </p:sp>
+    </p:spTree>
+    <p:extLst>
+      <p:ext uri="{BB962C8B-B14F-4D97-AF65-F5344CB8AC3E}">
+        <p14:creationId xmlns:p14="http://schemas.microsoft.com/office/powerpoint/2010/main" val="2100959142"/>
+      </p:ext>
+    </p:extLst>
+  </p:cSld>
+  <p:clrMapOvr>
+    <a:masterClrMapping/>
+  </p:clrMapOvr>
+</p:sld>
+</file>
+
+<file path=ppt/slides/slide28.xml><?xml version="1.0" encoding="utf-8"?>
+<p:sld xmlns:a="http://schemas.openxmlformats.org/drawingml/2006/main" xmlns:r="http://schemas.openxmlformats.org/officeDocument/2006/relationships" xmlns:p="http://schemas.openxmlformats.org/presentationml/2006/main">
+  <p:cSld>
+    <p:bg>
+      <p:bgPr>
+        <a:solidFill>
+          <a:schemeClr val="bg1"/>
+        </a:solidFill>
+        <a:effectLst/>
+      </p:bgPr>
+    </p:bg>
+    <p:spTree>
+      <p:nvGrpSpPr>
+        <p:cNvPr id="1" name="">
+          <a:extLst>
+            <a:ext uri="{FF2B5EF4-FFF2-40B4-BE49-F238E27FC236}">
+              <a16:creationId xmlns:a16="http://schemas.microsoft.com/office/drawing/2014/main" id="{599AB28B-BDC5-8C31-049A-8771680E1D9B}"/>
+            </a:ext>
+          </a:extLst>
+        </p:cNvPr>
+        <p:cNvGrpSpPr/>
+        <p:nvPr/>
+      </p:nvGrpSpPr>
+      <p:grpSpPr>
+        <a:xfrm>
+          <a:off x="0" y="0"/>
+          <a:ext cx="0" cy="0"/>
+          <a:chOff x="0" y="0"/>
+          <a:chExt cx="0" cy="0"/>
+        </a:xfrm>
+      </p:grpSpPr>
+      <p:sp>
+        <p:nvSpPr>
+          <p:cNvPr id="8" name="Rectangle 7">
+            <a:extLst>
+              <a:ext uri="{FF2B5EF4-FFF2-40B4-BE49-F238E27FC236}">
+                <a16:creationId xmlns:a16="http://schemas.microsoft.com/office/drawing/2014/main" id="{B11CAB81-DB92-94D9-BFAD-1EAFED7E8D15}"/>
+              </a:ext>
+              <a:ext uri="{C183D7F6-B498-43B3-948B-1728B52AA6E4}">
+                <adec:decorative xmlns:adec="http://schemas.microsoft.com/office/drawing/2017/decorative" val="1"/>
+              </a:ext>
+            </a:extLst>
+          </p:cNvPr>
+          <p:cNvSpPr>
+            <a:spLocks noGrp="1" noRot="1" noChangeAspect="1" noMove="1" noResize="1" noEditPoints="1" noAdjustHandles="1" noChangeArrowheads="1" noChangeShapeType="1" noTextEdit="1"/>
+          </p:cNvSpPr>
+          <p:nvPr>
+            <p:extLst>
+              <p:ext uri="{386F3935-93C4-4BCD-93E2-E3B085C9AB24}">
+                <p16:designElem xmlns:p16="http://schemas.microsoft.com/office/powerpoint/2015/main" val="1"/>
+              </p:ext>
+            </p:extLst>
+          </p:nvPr>
+        </p:nvSpPr>
+        <p:spPr>
+          <a:xfrm>
+            <a:off x="0" y="0"/>
+            <a:ext cx="12192000" cy="6858000"/>
+          </a:xfrm>
+          <a:prstGeom prst="rect">
+            <a:avLst/>
+          </a:prstGeom>
+          <a:solidFill>
+            <a:schemeClr val="accent2"/>
+          </a:solidFill>
+          <a:ln>
+            <a:noFill/>
+          </a:ln>
+        </p:spPr>
+        <p:style>
+          <a:lnRef idx="2">
+            <a:schemeClr val="accent1">
+              <a:shade val="50000"/>
+            </a:schemeClr>
+          </a:lnRef>
+          <a:fillRef idx="1">
+            <a:schemeClr val="accent1"/>
+          </a:fillRef>
+          <a:effectRef idx="0">
+            <a:schemeClr val="accent1"/>
+          </a:effectRef>
+          <a:fontRef idx="minor">
+            <a:schemeClr val="lt1"/>
+          </a:fontRef>
+        </p:style>
+        <p:txBody>
+          <a:bodyPr rtlCol="0" anchor="ctr"/>
+          <a:lstStyle/>
+          <a:p>
+            <a:pPr marL="0" marR="0" lvl="0" indent="0" algn="ctr" defTabSz="457200" rtl="0" eaLnBrk="1" fontAlgn="auto" latinLnBrk="0" hangingPunct="1">
+              <a:lnSpc>
+                <a:spcPct val="100000"/>
+              </a:lnSpc>
+              <a:spcBef>
+                <a:spcPts val="0"/>
+              </a:spcBef>
+              <a:spcAft>
+                <a:spcPts val="0"/>
+              </a:spcAft>
+              <a:buClrTx/>
+              <a:buSzTx/>
+              <a:buFontTx/>
+              <a:buNone/>
+              <a:tabLst/>
+              <a:defRPr/>
+            </a:pPr>
+            <a:endParaRPr kumimoji="0" lang="en-US" sz="1800" b="0" i="0" u="none" strike="noStrike" kern="1200" cap="none" spc="0" normalizeH="0" baseline="0" noProof="0">
+              <a:ln>
+                <a:noFill/>
+              </a:ln>
+              <a:solidFill>
+                <a:srgbClr val="FFFFFF"/>
+              </a:solidFill>
+              <a:effectLst/>
+              <a:uLnTx/>
+              <a:uFillTx/>
+              <a:latin typeface="Gill Sans MT" panose="020B0502020104020203"/>
+              <a:ea typeface="+mn-ea"/>
+              <a:cs typeface="+mn-cs"/>
+            </a:endParaRPr>
+          </a:p>
+        </p:txBody>
+      </p:sp>
+      <p:sp>
+        <p:nvSpPr>
+          <p:cNvPr id="10" name="Rectangle 9">
+            <a:extLst>
+              <a:ext uri="{FF2B5EF4-FFF2-40B4-BE49-F238E27FC236}">
+                <a16:creationId xmlns:a16="http://schemas.microsoft.com/office/drawing/2014/main" id="{F8E1269A-9242-7AE8-93F4-DE7C0AE7D983}"/>
+              </a:ext>
+              <a:ext uri="{C183D7F6-B498-43B3-948B-1728B52AA6E4}">
+                <adec:decorative xmlns:adec="http://schemas.microsoft.com/office/drawing/2017/decorative" val="1"/>
+              </a:ext>
+            </a:extLst>
+          </p:cNvPr>
+          <p:cNvSpPr>
+            <a:spLocks noGrp="1" noRot="1" noChangeAspect="1" noMove="1" noResize="1" noEditPoints="1" noAdjustHandles="1" noChangeArrowheads="1" noChangeShapeType="1" noTextEdit="1"/>
+          </p:cNvSpPr>
+          <p:nvPr>
+            <p:extLst>
+              <p:ext uri="{386F3935-93C4-4BCD-93E2-E3B085C9AB24}">
+                <p16:designElem xmlns:p16="http://schemas.microsoft.com/office/powerpoint/2015/main" val="1"/>
+              </p:ext>
+            </p:extLst>
+          </p:nvPr>
+        </p:nvSpPr>
+        <p:spPr>
+          <a:xfrm>
+            <a:off x="1249680" y="1248156"/>
+            <a:ext cx="9692640" cy="4361688"/>
+          </a:xfrm>
+          <a:prstGeom prst="rect">
+            <a:avLst/>
+          </a:prstGeom>
+          <a:solidFill>
+            <a:srgbClr val="FFFFFF"/>
+          </a:solidFill>
+          <a:ln>
+            <a:noFill/>
+          </a:ln>
+        </p:spPr>
+        <p:style>
+          <a:lnRef idx="2">
+            <a:schemeClr val="accent1">
+              <a:shade val="50000"/>
+            </a:schemeClr>
+          </a:lnRef>
+          <a:fillRef idx="1">
+            <a:schemeClr val="accent1"/>
+          </a:fillRef>
+          <a:effectRef idx="0">
+            <a:schemeClr val="accent1"/>
+          </a:effectRef>
+          <a:fontRef idx="minor">
+            <a:schemeClr val="lt1"/>
+          </a:fontRef>
+        </p:style>
+        <p:txBody>
+          <a:bodyPr rtlCol="0" anchor="ctr"/>
+          <a:lstStyle/>
+          <a:p>
+            <a:pPr marL="0" marR="0" lvl="0" indent="0" algn="ctr" defTabSz="457200" rtl="0" eaLnBrk="1" fontAlgn="auto" latinLnBrk="0" hangingPunct="1">
+              <a:lnSpc>
+                <a:spcPct val="100000"/>
+              </a:lnSpc>
+              <a:spcBef>
+                <a:spcPts val="0"/>
+              </a:spcBef>
+              <a:spcAft>
+                <a:spcPts val="0"/>
+              </a:spcAft>
+              <a:buClrTx/>
+              <a:buSzTx/>
+              <a:buFontTx/>
+              <a:buNone/>
+              <a:tabLst/>
+              <a:defRPr/>
+            </a:pPr>
+            <a:endParaRPr kumimoji="0" lang="en-US" sz="1800" b="0" i="0" u="none" strike="noStrike" kern="1200" cap="none" spc="0" normalizeH="0" baseline="0" noProof="0">
+              <a:ln>
+                <a:noFill/>
+              </a:ln>
+              <a:solidFill>
+                <a:srgbClr val="FFFFFF"/>
+              </a:solidFill>
+              <a:effectLst/>
+              <a:uLnTx/>
+              <a:uFillTx/>
+              <a:latin typeface="Gill Sans MT" panose="020B0502020104020203"/>
+              <a:ea typeface="+mn-ea"/>
+              <a:cs typeface="+mn-cs"/>
+            </a:endParaRPr>
+          </a:p>
+        </p:txBody>
+      </p:sp>
+      <p:sp>
+        <p:nvSpPr>
+          <p:cNvPr id="12" name="Rectangle 11">
+            <a:extLst>
+              <a:ext uri="{FF2B5EF4-FFF2-40B4-BE49-F238E27FC236}">
+                <a16:creationId xmlns:a16="http://schemas.microsoft.com/office/drawing/2014/main" id="{30E2AAEE-DDA1-E624-844C-6D77B27ACAAC}"/>
+              </a:ext>
+              <a:ext uri="{C183D7F6-B498-43B3-948B-1728B52AA6E4}">
+                <adec:decorative xmlns:adec="http://schemas.microsoft.com/office/drawing/2017/decorative" val="1"/>
+              </a:ext>
+            </a:extLst>
+          </p:cNvPr>
+          <p:cNvSpPr>
+            <a:spLocks noGrp="1" noRot="1" noChangeAspect="1" noMove="1" noResize="1" noEditPoints="1" noAdjustHandles="1" noChangeArrowheads="1" noChangeShapeType="1" noTextEdit="1"/>
+          </p:cNvSpPr>
+          <p:nvPr>
+            <p:extLst>
+              <p:ext uri="{386F3935-93C4-4BCD-93E2-E3B085C9AB24}">
+                <p16:designElem xmlns:p16="http://schemas.microsoft.com/office/powerpoint/2015/main" val="1"/>
+              </p:ext>
+            </p:extLst>
+          </p:nvPr>
+        </p:nvSpPr>
+        <p:spPr>
+          <a:xfrm>
+            <a:off x="1062228" y="1060704"/>
+            <a:ext cx="10067544" cy="4736592"/>
+          </a:xfrm>
+          <a:prstGeom prst="rect">
+            <a:avLst/>
+          </a:prstGeom>
+          <a:noFill/>
+          <a:ln w="31750" cap="sq">
+            <a:solidFill>
+              <a:srgbClr val="FFFFFF"/>
+            </a:solidFill>
+            <a:miter lim="800000"/>
+          </a:ln>
+        </p:spPr>
+        <p:style>
+          <a:lnRef idx="2">
+            <a:schemeClr val="accent1">
+              <a:shade val="50000"/>
+            </a:schemeClr>
+          </a:lnRef>
+          <a:fillRef idx="1">
+            <a:schemeClr val="accent1"/>
+          </a:fillRef>
+          <a:effectRef idx="0">
+            <a:schemeClr val="accent1"/>
+          </a:effectRef>
+          <a:fontRef idx="minor">
+            <a:schemeClr val="lt1"/>
+          </a:fontRef>
+        </p:style>
+        <p:txBody>
+          <a:bodyPr rtlCol="0" anchor="ctr"/>
+          <a:lstStyle/>
+          <a:p>
+            <a:pPr marL="0" marR="0" lvl="0" indent="0" algn="ctr" defTabSz="457200" rtl="0" eaLnBrk="1" fontAlgn="auto" latinLnBrk="0" hangingPunct="1">
+              <a:lnSpc>
+                <a:spcPct val="100000"/>
+              </a:lnSpc>
+              <a:spcBef>
+                <a:spcPts val="0"/>
+              </a:spcBef>
+              <a:spcAft>
+                <a:spcPts val="0"/>
+              </a:spcAft>
+              <a:buClrTx/>
+              <a:buSzTx/>
+              <a:buFontTx/>
+              <a:buNone/>
+              <a:tabLst/>
+              <a:defRPr/>
+            </a:pPr>
+            <a:endParaRPr kumimoji="0" lang="en-US" sz="1800" b="0" i="0" u="none" strike="noStrike" kern="1200" cap="none" spc="0" normalizeH="0" baseline="0" noProof="0">
+              <a:ln>
+                <a:noFill/>
+              </a:ln>
+              <a:solidFill>
+                <a:srgbClr val="FFFFFF"/>
+              </a:solidFill>
+              <a:effectLst/>
+              <a:uLnTx/>
+              <a:uFillTx/>
+              <a:latin typeface="Gill Sans MT" panose="020B0502020104020203"/>
+              <a:ea typeface="+mn-ea"/>
+              <a:cs typeface="+mn-cs"/>
+            </a:endParaRPr>
+          </a:p>
+        </p:txBody>
+      </p:sp>
+      <p:sp>
+        <p:nvSpPr>
+          <p:cNvPr id="2" name="Title 1">
+            <a:extLst>
+              <a:ext uri="{FF2B5EF4-FFF2-40B4-BE49-F238E27FC236}">
+                <a16:creationId xmlns:a16="http://schemas.microsoft.com/office/drawing/2014/main" id="{69C7ED67-9FA8-1162-0E4C-F23E5412D1D9}"/>
+              </a:ext>
+            </a:extLst>
+          </p:cNvPr>
+          <p:cNvSpPr>
+            <a:spLocks noGrp="1"/>
+          </p:cNvSpPr>
+          <p:nvPr>
+            <p:ph type="title"/>
+          </p:nvPr>
+        </p:nvSpPr>
+        <p:spPr>
+          <a:xfrm>
+            <a:off x="2231136" y="467418"/>
+            <a:ext cx="7729728" cy="870876"/>
+          </a:xfrm>
+          <a:solidFill>
+            <a:srgbClr val="FFFFFF"/>
+          </a:solidFill>
+        </p:spPr>
+        <p:txBody>
+          <a:bodyPr>
+            <a:normAutofit/>
+          </a:bodyPr>
+          <a:lstStyle/>
+          <a:p>
+            <a:r>
+              <a:rPr lang="en-US" b="1" dirty="0"/>
+              <a:t>What now?</a:t>
+            </a:r>
+            <a:endParaRPr lang="en-US" dirty="0"/>
+          </a:p>
+        </p:txBody>
+      </p:sp>
+      <p:sp>
+        <p:nvSpPr>
+          <p:cNvPr id="3" name="Content Placeholder 2">
+            <a:extLst>
+              <a:ext uri="{FF2B5EF4-FFF2-40B4-BE49-F238E27FC236}">
+                <a16:creationId xmlns:a16="http://schemas.microsoft.com/office/drawing/2014/main" id="{ED202293-CEC4-D76E-F116-E73F8618B08E}"/>
+              </a:ext>
+            </a:extLst>
+          </p:cNvPr>
+          <p:cNvSpPr>
+            <a:spLocks noGrp="1"/>
+          </p:cNvSpPr>
+          <p:nvPr>
+            <p:ph idx="1"/>
+          </p:nvPr>
+        </p:nvSpPr>
+        <p:spPr>
+          <a:xfrm>
+            <a:off x="1554278" y="1805712"/>
+            <a:ext cx="9083443" cy="3524376"/>
+          </a:xfrm>
+        </p:spPr>
+        <p:txBody>
+          <a:bodyPr vert="horz" lIns="91440" tIns="45720" rIns="91440" bIns="45720" rtlCol="0">
+            <a:normAutofit/>
+          </a:bodyPr>
+          <a:lstStyle/>
+          <a:p>
+            <a:pPr algn="l" rtl="0"/>
+            <a:r>
+              <a:rPr lang="en" dirty="0"/>
+              <a:t>Should we add more deterioration features simply due to old age?</a:t>
+            </a:r>
+          </a:p>
+          <a:p>
+            <a:pPr algn="l" rtl="0"/>
+            <a:r>
+              <a:rPr lang="en" dirty="0"/>
+              <a:t>Should we force the features as Reichart suggested? That is, state them explicitly in the prompt</a:t>
+            </a:r>
+          </a:p>
+          <a:p>
+            <a:pPr algn="l" rtl="0"/>
+            <a:r>
+              <a:rPr lang="en" dirty="0"/>
+              <a:t>How should we do evaluation? And how do we deal with the fact that there is one or two metrics that contradict the paper’s results (is it critical? Can we live with it?)</a:t>
+            </a:r>
+          </a:p>
+          <a:p>
+            <a:pPr algn="l" rtl="0"/>
+            <a:r>
+              <a:rPr lang="en" dirty="0"/>
+              <a:t>What is the final deliverable for submission? Only a poster, only a paper (maybe a report is enough?)</a:t>
+            </a:r>
+          </a:p>
+          <a:p>
+            <a:pPr algn="l" rtl="0"/>
+            <a:r>
+              <a:rPr lang="en" dirty="0"/>
+              <a:t>How many different personas should be generated in the final deliverable? (5-7 stories each)</a:t>
+            </a:r>
+          </a:p>
+          <a:p>
+            <a:pPr algn="l" rtl="0"/>
+            <a:endParaRPr lang="en" dirty="0"/>
+          </a:p>
+          <a:p>
+            <a:pPr lvl="1" algn="l" rtl="0"/>
+            <a:endParaRPr lang="en" dirty="0"/>
+          </a:p>
+        </p:txBody>
+      </p:sp>
+    </p:spTree>
+    <p:extLst>
+      <p:ext uri="{BB962C8B-B14F-4D97-AF65-F5344CB8AC3E}">
+        <p14:creationId xmlns:p14="http://schemas.microsoft.com/office/powerpoint/2010/main" val="2668038716"/>
       </p:ext>
     </p:extLst>
   </p:cSld>
